--- a/UX framework for MoneyCare.pptx
+++ b/UX framework for MoneyCare.pptx
@@ -14,11 +14,16 @@
     <p:sldId id="262" r:id="rId8"/>
     <p:sldId id="263" r:id="rId9"/>
     <p:sldId id="264" r:id="rId10"/>
-    <p:sldId id="265" r:id="rId11"/>
-    <p:sldId id="266" r:id="rId12"/>
-    <p:sldId id="267" r:id="rId13"/>
-    <p:sldId id="268" r:id="rId14"/>
-    <p:sldId id="269" r:id="rId15"/>
+    <p:sldId id="270" r:id="rId11"/>
+    <p:sldId id="272" r:id="rId12"/>
+    <p:sldId id="273" r:id="rId13"/>
+    <p:sldId id="274" r:id="rId14"/>
+    <p:sldId id="271" r:id="rId15"/>
+    <p:sldId id="265" r:id="rId16"/>
+    <p:sldId id="266" r:id="rId17"/>
+    <p:sldId id="267" r:id="rId18"/>
+    <p:sldId id="268" r:id="rId19"/>
+    <p:sldId id="269" r:id="rId20"/>
   </p:sldIdLst>
   <p:sldSz cx="12192000" cy="6858000"/>
   <p:notesSz cx="6858000" cy="9144000"/>
@@ -3498,6 +3503,7183 @@
           <a:chExt cx="0" cy="0"/>
         </a:xfrm>
       </p:grpSpPr>
+      <p:sp>
+        <p:nvSpPr>
+          <p:cNvPr id="8" name="標題 3"/>
+          <p:cNvSpPr txBox="1">
+            <a:spLocks/>
+          </p:cNvSpPr>
+          <p:nvPr/>
+        </p:nvSpPr>
+        <p:spPr>
+          <a:xfrm>
+            <a:off x="521321" y="356003"/>
+            <a:ext cx="9875520" cy="1356360"/>
+          </a:xfrm>
+          <a:prstGeom prst="rect">
+            <a:avLst/>
+          </a:prstGeom>
+        </p:spPr>
+        <p:txBody>
+          <a:bodyPr vert="horz" lIns="91440" tIns="45720" rIns="91440" bIns="45720" rtlCol="0" anchor="ctr">
+            <a:normAutofit/>
+          </a:bodyPr>
+          <a:lstStyle>
+            <a:lvl1pPr algn="l" defTabSz="914400" rtl="0" eaLnBrk="1" latinLnBrk="0" hangingPunct="1">
+              <a:lnSpc>
+                <a:spcPct val="90000"/>
+              </a:lnSpc>
+              <a:spcBef>
+                <a:spcPct val="0"/>
+              </a:spcBef>
+              <a:buNone/>
+              <a:defRPr sz="4400" kern="1200">
+                <a:solidFill>
+                  <a:schemeClr val="tx1"/>
+                </a:solidFill>
+                <a:latin typeface="+mj-lt"/>
+                <a:ea typeface="+mj-ea"/>
+                <a:cs typeface="+mj-cs"/>
+              </a:defRPr>
+            </a:lvl1pPr>
+          </a:lstStyle>
+          <a:p>
+            <a:r>
+              <a:rPr lang="en-US" altLang="zh-TW" dirty="0" smtClean="0"/>
+              <a:t>3.1</a:t>
+            </a:r>
+            <a:r>
+              <a:rPr lang="zh-TW" altLang="en-US" dirty="0" smtClean="0"/>
+              <a:t> </a:t>
+            </a:r>
+            <a:r>
+              <a:rPr lang="zh-TW" altLang="en-US" dirty="0" smtClean="0">
+                <a:latin typeface="Adobe 黑体 Std R" panose="020B0400000000000000" pitchFamily="34" charset="-128"/>
+                <a:ea typeface="Adobe 黑体 Std R" panose="020B0400000000000000" pitchFamily="34" charset="-128"/>
+              </a:rPr>
+              <a:t>新增帳務 </a:t>
+            </a:r>
+            <a:r>
+              <a:rPr lang="en-US" altLang="zh-TW" dirty="0" smtClean="0">
+                <a:latin typeface="Adobe 黑体 Std R" panose="020B0400000000000000" pitchFamily="34" charset="-128"/>
+                <a:ea typeface="Adobe 黑体 Std R" panose="020B0400000000000000" pitchFamily="34" charset="-128"/>
+              </a:rPr>
+              <a:t>-</a:t>
+            </a:r>
+            <a:r>
+              <a:rPr lang="zh-TW" altLang="en-US" dirty="0" smtClean="0">
+                <a:latin typeface="Adobe 黑体 Std R" panose="020B0400000000000000" pitchFamily="34" charset="-128"/>
+                <a:ea typeface="Adobe 黑体 Std R" panose="020B0400000000000000" pitchFamily="34" charset="-128"/>
+              </a:rPr>
+              <a:t> </a:t>
+            </a:r>
+            <a:r>
+              <a:rPr lang="en-US" altLang="zh-TW" dirty="0" smtClean="0">
+                <a:latin typeface="Adobe 黑体 Std R" panose="020B0400000000000000" pitchFamily="34" charset="-128"/>
+                <a:ea typeface="Adobe 黑体 Std R" panose="020B0400000000000000" pitchFamily="34" charset="-128"/>
+              </a:rPr>
+              <a:t>1</a:t>
+            </a:r>
+            <a:endParaRPr lang="zh-TW" altLang="en-US" dirty="0">
+              <a:latin typeface="Adobe 黑体 Std R" panose="020B0400000000000000" pitchFamily="34" charset="-128"/>
+              <a:ea typeface="Adobe 黑体 Std R" panose="020B0400000000000000" pitchFamily="34" charset="-128"/>
+            </a:endParaRPr>
+          </a:p>
+        </p:txBody>
+      </p:sp>
+      <p:sp>
+        <p:nvSpPr>
+          <p:cNvPr id="9" name="文字方塊 8"/>
+          <p:cNvSpPr txBox="1"/>
+          <p:nvPr/>
+        </p:nvSpPr>
+        <p:spPr>
+          <a:xfrm>
+            <a:off x="389785" y="3787591"/>
+            <a:ext cx="914400" cy="307777"/>
+          </a:xfrm>
+          <a:prstGeom prst="rect">
+            <a:avLst/>
+          </a:prstGeom>
+          <a:solidFill>
+            <a:srgbClr val="E0C286"/>
+          </a:solidFill>
+        </p:spPr>
+        <p:txBody>
+          <a:bodyPr wrap="square" rtlCol="0">
+            <a:spAutoFit/>
+          </a:bodyPr>
+          <a:lstStyle/>
+          <a:p>
+            <a:pPr algn="ctr"/>
+            <a:r>
+              <a:rPr lang="zh-TW" altLang="en-US" sz="1400" dirty="0" smtClean="0">
+                <a:solidFill>
+                  <a:schemeClr val="accent2">
+                    <a:lumMod val="50000"/>
+                  </a:schemeClr>
+                </a:solidFill>
+                <a:latin typeface="Adobe 黑体 Std R" panose="020B0400000000000000" pitchFamily="34" charset="-128"/>
+                <a:ea typeface="Adobe 黑体 Std R" panose="020B0400000000000000" pitchFamily="34" charset="-128"/>
+              </a:rPr>
+              <a:t>帳務頁面</a:t>
+            </a:r>
+            <a:endParaRPr lang="zh-TW" altLang="en-US" sz="1400" dirty="0">
+              <a:solidFill>
+                <a:schemeClr val="accent2">
+                  <a:lumMod val="50000"/>
+                </a:schemeClr>
+              </a:solidFill>
+              <a:latin typeface="Adobe 黑体 Std R" panose="020B0400000000000000" pitchFamily="34" charset="-128"/>
+              <a:ea typeface="Adobe 黑体 Std R" panose="020B0400000000000000" pitchFamily="34" charset="-128"/>
+            </a:endParaRPr>
+          </a:p>
+        </p:txBody>
+      </p:sp>
+      <p:sp>
+        <p:nvSpPr>
+          <p:cNvPr id="10" name="文字方塊 9"/>
+          <p:cNvSpPr txBox="1"/>
+          <p:nvPr/>
+        </p:nvSpPr>
+        <p:spPr>
+          <a:xfrm>
+            <a:off x="1531849" y="3787591"/>
+            <a:ext cx="1292411" cy="307777"/>
+          </a:xfrm>
+          <a:prstGeom prst="rect">
+            <a:avLst/>
+          </a:prstGeom>
+          <a:solidFill>
+            <a:srgbClr val="E0C286"/>
+          </a:solidFill>
+        </p:spPr>
+        <p:txBody>
+          <a:bodyPr wrap="square" rtlCol="0">
+            <a:spAutoFit/>
+          </a:bodyPr>
+          <a:lstStyle/>
+          <a:p>
+            <a:pPr algn="ctr"/>
+            <a:r>
+              <a:rPr lang="zh-TW" altLang="en-US" sz="1400" dirty="0" smtClean="0">
+                <a:solidFill>
+                  <a:schemeClr val="accent2">
+                    <a:lumMod val="50000"/>
+                  </a:schemeClr>
+                </a:solidFill>
+                <a:latin typeface="Adobe 黑体 Std R" panose="020B0400000000000000" pitchFamily="34" charset="-128"/>
+                <a:ea typeface="Adobe 黑体 Std R" panose="020B0400000000000000" pitchFamily="34" charset="-128"/>
+              </a:rPr>
+              <a:t>新增帳</a:t>
+            </a:r>
+            <a:r>
+              <a:rPr lang="zh-TW" altLang="en-US" sz="1400" dirty="0" smtClean="0">
+                <a:solidFill>
+                  <a:schemeClr val="accent2">
+                    <a:lumMod val="50000"/>
+                  </a:schemeClr>
+                </a:solidFill>
+                <a:latin typeface="Adobe 黑体 Std R" panose="020B0400000000000000" pitchFamily="34" charset="-128"/>
+                <a:ea typeface="Adobe 黑体 Std R" panose="020B0400000000000000" pitchFamily="34" charset="-128"/>
+              </a:rPr>
+              <a:t>務頁面</a:t>
+            </a:r>
+            <a:endParaRPr lang="zh-TW" altLang="en-US" sz="1400" dirty="0">
+              <a:solidFill>
+                <a:schemeClr val="accent2">
+                  <a:lumMod val="50000"/>
+                </a:schemeClr>
+              </a:solidFill>
+              <a:latin typeface="Adobe 黑体 Std R" panose="020B0400000000000000" pitchFamily="34" charset="-128"/>
+              <a:ea typeface="Adobe 黑体 Std R" panose="020B0400000000000000" pitchFamily="34" charset="-128"/>
+            </a:endParaRPr>
+          </a:p>
+        </p:txBody>
+      </p:sp>
+      <p:sp>
+        <p:nvSpPr>
+          <p:cNvPr id="11" name="文字方塊 10"/>
+          <p:cNvSpPr txBox="1"/>
+          <p:nvPr/>
+        </p:nvSpPr>
+        <p:spPr>
+          <a:xfrm>
+            <a:off x="3561258" y="2060203"/>
+            <a:ext cx="955186" cy="307777"/>
+          </a:xfrm>
+          <a:prstGeom prst="rect">
+            <a:avLst/>
+          </a:prstGeom>
+          <a:solidFill>
+            <a:srgbClr val="E0C286"/>
+          </a:solidFill>
+        </p:spPr>
+        <p:txBody>
+          <a:bodyPr wrap="square" rtlCol="0">
+            <a:spAutoFit/>
+          </a:bodyPr>
+          <a:lstStyle/>
+          <a:p>
+            <a:pPr algn="ctr"/>
+            <a:r>
+              <a:rPr lang="zh-TW" altLang="en-US" sz="1400" dirty="0" smtClean="0">
+                <a:solidFill>
+                  <a:schemeClr val="accent2">
+                    <a:lumMod val="50000"/>
+                  </a:schemeClr>
+                </a:solidFill>
+                <a:latin typeface="Adobe 黑体 Std R" panose="020B0400000000000000" pitchFamily="34" charset="-128"/>
+                <a:ea typeface="Adobe 黑体 Std R" panose="020B0400000000000000" pitchFamily="34" charset="-128"/>
+              </a:rPr>
+              <a:t>上傳照片</a:t>
+            </a:r>
+            <a:endParaRPr lang="zh-TW" altLang="en-US" sz="1400" dirty="0">
+              <a:solidFill>
+                <a:schemeClr val="accent2">
+                  <a:lumMod val="50000"/>
+                </a:schemeClr>
+              </a:solidFill>
+              <a:latin typeface="Adobe 黑体 Std R" panose="020B0400000000000000" pitchFamily="34" charset="-128"/>
+              <a:ea typeface="Adobe 黑体 Std R" panose="020B0400000000000000" pitchFamily="34" charset="-128"/>
+            </a:endParaRPr>
+          </a:p>
+        </p:txBody>
+      </p:sp>
+      <p:sp>
+        <p:nvSpPr>
+          <p:cNvPr id="12" name="文字方塊 11"/>
+          <p:cNvSpPr txBox="1"/>
+          <p:nvPr/>
+        </p:nvSpPr>
+        <p:spPr>
+          <a:xfrm>
+            <a:off x="3561259" y="3254132"/>
+            <a:ext cx="955186" cy="307777"/>
+          </a:xfrm>
+          <a:prstGeom prst="rect">
+            <a:avLst/>
+          </a:prstGeom>
+          <a:solidFill>
+            <a:srgbClr val="E0C286"/>
+          </a:solidFill>
+        </p:spPr>
+        <p:txBody>
+          <a:bodyPr wrap="square" rtlCol="0">
+            <a:spAutoFit/>
+          </a:bodyPr>
+          <a:lstStyle/>
+          <a:p>
+            <a:pPr algn="ctr"/>
+            <a:r>
+              <a:rPr lang="zh-TW" altLang="en-US" sz="1400" dirty="0" smtClean="0">
+                <a:solidFill>
+                  <a:schemeClr val="accent2">
+                    <a:lumMod val="50000"/>
+                  </a:schemeClr>
+                </a:solidFill>
+                <a:latin typeface="Adobe 黑体 Std R" panose="020B0400000000000000" pitchFamily="34" charset="-128"/>
+                <a:ea typeface="Adobe 黑体 Std R" panose="020B0400000000000000" pitchFamily="34" charset="-128"/>
+              </a:rPr>
+              <a:t>輸入價錢</a:t>
+            </a:r>
+            <a:endParaRPr lang="zh-TW" altLang="en-US" sz="1400" dirty="0">
+              <a:solidFill>
+                <a:schemeClr val="accent2">
+                  <a:lumMod val="50000"/>
+                </a:schemeClr>
+              </a:solidFill>
+              <a:latin typeface="Adobe 黑体 Std R" panose="020B0400000000000000" pitchFamily="34" charset="-128"/>
+              <a:ea typeface="Adobe 黑体 Std R" panose="020B0400000000000000" pitchFamily="34" charset="-128"/>
+            </a:endParaRPr>
+          </a:p>
+        </p:txBody>
+      </p:sp>
+      <p:sp>
+        <p:nvSpPr>
+          <p:cNvPr id="13" name="文字方塊 12"/>
+          <p:cNvSpPr txBox="1"/>
+          <p:nvPr/>
+        </p:nvSpPr>
+        <p:spPr>
+          <a:xfrm>
+            <a:off x="3554048" y="4357549"/>
+            <a:ext cx="955186" cy="307777"/>
+          </a:xfrm>
+          <a:prstGeom prst="rect">
+            <a:avLst/>
+          </a:prstGeom>
+          <a:solidFill>
+            <a:srgbClr val="E0C286"/>
+          </a:solidFill>
+        </p:spPr>
+        <p:txBody>
+          <a:bodyPr wrap="square" rtlCol="0">
+            <a:spAutoFit/>
+          </a:bodyPr>
+          <a:lstStyle/>
+          <a:p>
+            <a:pPr algn="ctr"/>
+            <a:r>
+              <a:rPr lang="zh-TW" altLang="en-US" sz="1400" dirty="0" smtClean="0">
+                <a:solidFill>
+                  <a:schemeClr val="accent2">
+                    <a:lumMod val="50000"/>
+                  </a:schemeClr>
+                </a:solidFill>
+                <a:latin typeface="Adobe 黑体 Std R" panose="020B0400000000000000" pitchFamily="34" charset="-128"/>
+                <a:ea typeface="Adobe 黑体 Std R" panose="020B0400000000000000" pitchFamily="34" charset="-128"/>
+              </a:rPr>
+              <a:t>分類</a:t>
+            </a:r>
+            <a:endParaRPr lang="zh-TW" altLang="en-US" sz="1400" dirty="0">
+              <a:solidFill>
+                <a:schemeClr val="accent2">
+                  <a:lumMod val="50000"/>
+                </a:schemeClr>
+              </a:solidFill>
+              <a:latin typeface="Adobe 黑体 Std R" panose="020B0400000000000000" pitchFamily="34" charset="-128"/>
+              <a:ea typeface="Adobe 黑体 Std R" panose="020B0400000000000000" pitchFamily="34" charset="-128"/>
+            </a:endParaRPr>
+          </a:p>
+        </p:txBody>
+      </p:sp>
+      <p:sp>
+        <p:nvSpPr>
+          <p:cNvPr id="14" name="文字方塊 13"/>
+          <p:cNvSpPr txBox="1"/>
+          <p:nvPr/>
+        </p:nvSpPr>
+        <p:spPr>
+          <a:xfrm>
+            <a:off x="3550913" y="5474338"/>
+            <a:ext cx="955186" cy="307777"/>
+          </a:xfrm>
+          <a:prstGeom prst="rect">
+            <a:avLst/>
+          </a:prstGeom>
+          <a:solidFill>
+            <a:srgbClr val="E0C286"/>
+          </a:solidFill>
+        </p:spPr>
+        <p:txBody>
+          <a:bodyPr wrap="square" rtlCol="0">
+            <a:spAutoFit/>
+          </a:bodyPr>
+          <a:lstStyle/>
+          <a:p>
+            <a:pPr algn="ctr"/>
+            <a:r>
+              <a:rPr lang="zh-TW" altLang="en-US" sz="1400" dirty="0" smtClean="0">
+                <a:solidFill>
+                  <a:schemeClr val="accent2">
+                    <a:lumMod val="50000"/>
+                  </a:schemeClr>
+                </a:solidFill>
+                <a:latin typeface="Adobe 黑体 Std R" panose="020B0400000000000000" pitchFamily="34" charset="-128"/>
+                <a:ea typeface="Adobe 黑体 Std R" panose="020B0400000000000000" pitchFamily="34" charset="-128"/>
+              </a:rPr>
+              <a:t>品名</a:t>
+            </a:r>
+            <a:endParaRPr lang="zh-TW" altLang="en-US" sz="1400" dirty="0">
+              <a:solidFill>
+                <a:schemeClr val="accent2">
+                  <a:lumMod val="50000"/>
+                </a:schemeClr>
+              </a:solidFill>
+              <a:latin typeface="Adobe 黑体 Std R" panose="020B0400000000000000" pitchFamily="34" charset="-128"/>
+              <a:ea typeface="Adobe 黑体 Std R" panose="020B0400000000000000" pitchFamily="34" charset="-128"/>
+            </a:endParaRPr>
+          </a:p>
+        </p:txBody>
+      </p:sp>
+      <p:sp>
+        <p:nvSpPr>
+          <p:cNvPr id="19" name="文字方塊 18"/>
+          <p:cNvSpPr txBox="1"/>
+          <p:nvPr/>
+        </p:nvSpPr>
+        <p:spPr>
+          <a:xfrm>
+            <a:off x="4753943" y="1908397"/>
+            <a:ext cx="1817714" cy="611386"/>
+          </a:xfrm>
+          <a:prstGeom prst="flowChartDecision">
+            <a:avLst/>
+          </a:prstGeom>
+          <a:solidFill>
+            <a:schemeClr val="accent1">
+              <a:lumMod val="20000"/>
+              <a:lumOff val="80000"/>
+            </a:schemeClr>
+          </a:solidFill>
+          <a:ln>
+            <a:solidFill>
+              <a:schemeClr val="accent1">
+                <a:lumMod val="50000"/>
+              </a:schemeClr>
+            </a:solidFill>
+          </a:ln>
+        </p:spPr>
+        <p:txBody>
+          <a:bodyPr wrap="square" rtlCol="0">
+            <a:spAutoFit/>
+          </a:bodyPr>
+          <a:lstStyle/>
+          <a:p>
+            <a:pPr algn="ctr"/>
+            <a:r>
+              <a:rPr lang="zh-TW" altLang="en-US" sz="1400" dirty="0" smtClean="0">
+                <a:solidFill>
+                  <a:schemeClr val="accent2">
+                    <a:lumMod val="50000"/>
+                  </a:schemeClr>
+                </a:solidFill>
+                <a:latin typeface="Adobe 黑体 Std R" panose="020B0400000000000000" pitchFamily="34" charset="-128"/>
+                <a:ea typeface="Adobe 黑体 Std R" panose="020B0400000000000000" pitchFamily="34" charset="-128"/>
+              </a:rPr>
+              <a:t>是否上傳</a:t>
+            </a:r>
+            <a:endParaRPr lang="zh-TW" altLang="en-US" sz="1400" dirty="0">
+              <a:solidFill>
+                <a:schemeClr val="accent2">
+                  <a:lumMod val="50000"/>
+                </a:schemeClr>
+              </a:solidFill>
+              <a:latin typeface="Adobe 黑体 Std R" panose="020B0400000000000000" pitchFamily="34" charset="-128"/>
+              <a:ea typeface="Adobe 黑体 Std R" panose="020B0400000000000000" pitchFamily="34" charset="-128"/>
+            </a:endParaRPr>
+          </a:p>
+        </p:txBody>
+      </p:sp>
+      <p:sp>
+        <p:nvSpPr>
+          <p:cNvPr id="20" name="文字方塊 19"/>
+          <p:cNvSpPr txBox="1"/>
+          <p:nvPr/>
+        </p:nvSpPr>
+        <p:spPr>
+          <a:xfrm>
+            <a:off x="6830554" y="2307585"/>
+            <a:ext cx="955186" cy="307777"/>
+          </a:xfrm>
+          <a:prstGeom prst="rect">
+            <a:avLst/>
+          </a:prstGeom>
+          <a:solidFill>
+            <a:srgbClr val="E0C286"/>
+          </a:solidFill>
+        </p:spPr>
+        <p:txBody>
+          <a:bodyPr wrap="square" rtlCol="0">
+            <a:spAutoFit/>
+          </a:bodyPr>
+          <a:lstStyle/>
+          <a:p>
+            <a:pPr algn="ctr"/>
+            <a:r>
+              <a:rPr lang="zh-TW" altLang="en-US" sz="1400" dirty="0" smtClean="0">
+                <a:solidFill>
+                  <a:schemeClr val="accent2">
+                    <a:lumMod val="50000"/>
+                  </a:schemeClr>
+                </a:solidFill>
+                <a:latin typeface="Adobe 黑体 Std R" panose="020B0400000000000000" pitchFamily="34" charset="-128"/>
+                <a:ea typeface="Adobe 黑体 Std R" panose="020B0400000000000000" pitchFamily="34" charset="-128"/>
+              </a:rPr>
+              <a:t>相簿</a:t>
+            </a:r>
+            <a:endParaRPr lang="zh-TW" altLang="en-US" sz="1400" dirty="0">
+              <a:solidFill>
+                <a:schemeClr val="accent2">
+                  <a:lumMod val="50000"/>
+                </a:schemeClr>
+              </a:solidFill>
+              <a:latin typeface="Adobe 黑体 Std R" panose="020B0400000000000000" pitchFamily="34" charset="-128"/>
+              <a:ea typeface="Adobe 黑体 Std R" panose="020B0400000000000000" pitchFamily="34" charset="-128"/>
+            </a:endParaRPr>
+          </a:p>
+        </p:txBody>
+      </p:sp>
+      <p:sp>
+        <p:nvSpPr>
+          <p:cNvPr id="21" name="文字方塊 20"/>
+          <p:cNvSpPr txBox="1"/>
+          <p:nvPr/>
+        </p:nvSpPr>
+        <p:spPr>
+          <a:xfrm>
+            <a:off x="6830554" y="1789880"/>
+            <a:ext cx="955186" cy="307777"/>
+          </a:xfrm>
+          <a:prstGeom prst="rect">
+            <a:avLst/>
+          </a:prstGeom>
+          <a:solidFill>
+            <a:srgbClr val="E0C286"/>
+          </a:solidFill>
+        </p:spPr>
+        <p:txBody>
+          <a:bodyPr wrap="square" rtlCol="0">
+            <a:spAutoFit/>
+          </a:bodyPr>
+          <a:lstStyle/>
+          <a:p>
+            <a:pPr algn="ctr"/>
+            <a:r>
+              <a:rPr lang="zh-TW" altLang="en-US" sz="1400" dirty="0" smtClean="0">
+                <a:solidFill>
+                  <a:schemeClr val="accent2">
+                    <a:lumMod val="50000"/>
+                  </a:schemeClr>
+                </a:solidFill>
+                <a:latin typeface="Adobe 黑体 Std R" panose="020B0400000000000000" pitchFamily="34" charset="-128"/>
+                <a:ea typeface="Adobe 黑体 Std R" panose="020B0400000000000000" pitchFamily="34" charset="-128"/>
+              </a:rPr>
+              <a:t>相機</a:t>
+            </a:r>
+            <a:endParaRPr lang="zh-TW" altLang="en-US" sz="1400" dirty="0">
+              <a:solidFill>
+                <a:schemeClr val="accent2">
+                  <a:lumMod val="50000"/>
+                </a:schemeClr>
+              </a:solidFill>
+              <a:latin typeface="Adobe 黑体 Std R" panose="020B0400000000000000" pitchFamily="34" charset="-128"/>
+              <a:ea typeface="Adobe 黑体 Std R" panose="020B0400000000000000" pitchFamily="34" charset="-128"/>
+            </a:endParaRPr>
+          </a:p>
+        </p:txBody>
+      </p:sp>
+      <p:sp>
+        <p:nvSpPr>
+          <p:cNvPr id="22" name="文字方塊 21"/>
+          <p:cNvSpPr txBox="1"/>
+          <p:nvPr/>
+        </p:nvSpPr>
+        <p:spPr>
+          <a:xfrm>
+            <a:off x="8054366" y="1908397"/>
+            <a:ext cx="2534390" cy="611386"/>
+          </a:xfrm>
+          <a:prstGeom prst="flowChartDecision">
+            <a:avLst/>
+          </a:prstGeom>
+          <a:solidFill>
+            <a:schemeClr val="accent1">
+              <a:lumMod val="20000"/>
+              <a:lumOff val="80000"/>
+            </a:schemeClr>
+          </a:solidFill>
+          <a:ln>
+            <a:solidFill>
+              <a:schemeClr val="accent1">
+                <a:lumMod val="50000"/>
+              </a:schemeClr>
+            </a:solidFill>
+          </a:ln>
+        </p:spPr>
+        <p:txBody>
+          <a:bodyPr wrap="square" rtlCol="0">
+            <a:spAutoFit/>
+          </a:bodyPr>
+          <a:lstStyle/>
+          <a:p>
+            <a:pPr algn="ctr"/>
+            <a:r>
+              <a:rPr lang="zh-TW" altLang="en-US" sz="1400" dirty="0" smtClean="0">
+                <a:solidFill>
+                  <a:schemeClr val="accent2">
+                    <a:lumMod val="50000"/>
+                  </a:schemeClr>
+                </a:solidFill>
+                <a:latin typeface="Adobe 黑体 Std R" panose="020B0400000000000000" pitchFamily="34" charset="-128"/>
+                <a:ea typeface="Adobe 黑体 Std R" panose="020B0400000000000000" pitchFamily="34" charset="-128"/>
+              </a:rPr>
+              <a:t>是否選擇照片</a:t>
+            </a:r>
+            <a:endParaRPr lang="zh-TW" altLang="en-US" sz="1400" dirty="0">
+              <a:solidFill>
+                <a:schemeClr val="accent2">
+                  <a:lumMod val="50000"/>
+                </a:schemeClr>
+              </a:solidFill>
+              <a:latin typeface="Adobe 黑体 Std R" panose="020B0400000000000000" pitchFamily="34" charset="-128"/>
+              <a:ea typeface="Adobe 黑体 Std R" panose="020B0400000000000000" pitchFamily="34" charset="-128"/>
+            </a:endParaRPr>
+          </a:p>
+        </p:txBody>
+      </p:sp>
+      <p:sp>
+        <p:nvSpPr>
+          <p:cNvPr id="24" name="文字方塊 23"/>
+          <p:cNvSpPr txBox="1"/>
+          <p:nvPr/>
+        </p:nvSpPr>
+        <p:spPr>
+          <a:xfrm>
+            <a:off x="10857382" y="2060201"/>
+            <a:ext cx="955186" cy="307777"/>
+          </a:xfrm>
+          <a:prstGeom prst="rect">
+            <a:avLst/>
+          </a:prstGeom>
+          <a:solidFill>
+            <a:srgbClr val="E0C286"/>
+          </a:solidFill>
+        </p:spPr>
+        <p:txBody>
+          <a:bodyPr wrap="square" rtlCol="0">
+            <a:spAutoFit/>
+          </a:bodyPr>
+          <a:lstStyle/>
+          <a:p>
+            <a:pPr algn="ctr"/>
+            <a:r>
+              <a:rPr lang="zh-TW" altLang="en-US" sz="1400" dirty="0" smtClean="0">
+                <a:solidFill>
+                  <a:schemeClr val="accent2">
+                    <a:lumMod val="50000"/>
+                  </a:schemeClr>
+                </a:solidFill>
+                <a:latin typeface="Adobe 黑体 Std R" panose="020B0400000000000000" pitchFamily="34" charset="-128"/>
+                <a:ea typeface="Adobe 黑体 Std R" panose="020B0400000000000000" pitchFamily="34" charset="-128"/>
+              </a:rPr>
+              <a:t>新增</a:t>
+            </a:r>
+            <a:r>
+              <a:rPr lang="zh-TW" altLang="en-US" sz="1400" dirty="0">
+                <a:solidFill>
+                  <a:schemeClr val="accent2">
+                    <a:lumMod val="50000"/>
+                  </a:schemeClr>
+                </a:solidFill>
+                <a:latin typeface="Adobe 黑体 Std R" panose="020B0400000000000000" pitchFamily="34" charset="-128"/>
+                <a:ea typeface="Adobe 黑体 Std R" panose="020B0400000000000000" pitchFamily="34" charset="-128"/>
+              </a:rPr>
+              <a:t>相片</a:t>
+            </a:r>
+            <a:endParaRPr lang="zh-TW" altLang="en-US" sz="1400" dirty="0">
+              <a:solidFill>
+                <a:schemeClr val="accent2">
+                  <a:lumMod val="50000"/>
+                </a:schemeClr>
+              </a:solidFill>
+              <a:latin typeface="Adobe 黑体 Std R" panose="020B0400000000000000" pitchFamily="34" charset="-128"/>
+              <a:ea typeface="Adobe 黑体 Std R" panose="020B0400000000000000" pitchFamily="34" charset="-128"/>
+            </a:endParaRPr>
+          </a:p>
+        </p:txBody>
+      </p:sp>
+      <p:cxnSp>
+        <p:nvCxnSpPr>
+          <p:cNvPr id="26" name="直線單箭頭接點 25"/>
+          <p:cNvCxnSpPr>
+            <a:stCxn id="9" idx="3"/>
+            <a:endCxn id="10" idx="1"/>
+          </p:cNvCxnSpPr>
+          <p:nvPr/>
+        </p:nvCxnSpPr>
+        <p:spPr>
+          <a:xfrm>
+            <a:off x="1304185" y="3941480"/>
+            <a:ext cx="227664" cy="0"/>
+          </a:xfrm>
+          <a:prstGeom prst="straightConnector1">
+            <a:avLst/>
+          </a:prstGeom>
+          <a:ln w="28575">
+            <a:solidFill>
+              <a:schemeClr val="accent2">
+                <a:lumMod val="50000"/>
+              </a:schemeClr>
+            </a:solidFill>
+            <a:tailEnd type="triangle"/>
+          </a:ln>
+        </p:spPr>
+        <p:style>
+          <a:lnRef idx="1">
+            <a:schemeClr val="accent1"/>
+          </a:lnRef>
+          <a:fillRef idx="0">
+            <a:schemeClr val="accent1"/>
+          </a:fillRef>
+          <a:effectRef idx="0">
+            <a:schemeClr val="accent1"/>
+          </a:effectRef>
+          <a:fontRef idx="minor">
+            <a:schemeClr val="tx1"/>
+          </a:fontRef>
+        </p:style>
+      </p:cxnSp>
+      <p:cxnSp>
+        <p:nvCxnSpPr>
+          <p:cNvPr id="31" name="直線接點 30"/>
+          <p:cNvCxnSpPr/>
+          <p:nvPr/>
+        </p:nvCxnSpPr>
+        <p:spPr>
+          <a:xfrm>
+            <a:off x="3005952" y="2210472"/>
+            <a:ext cx="0" cy="3412947"/>
+          </a:xfrm>
+          <a:prstGeom prst="line">
+            <a:avLst/>
+          </a:prstGeom>
+          <a:ln w="28575">
+            <a:solidFill>
+              <a:schemeClr val="accent2">
+                <a:lumMod val="50000"/>
+              </a:schemeClr>
+            </a:solidFill>
+          </a:ln>
+        </p:spPr>
+        <p:style>
+          <a:lnRef idx="1">
+            <a:schemeClr val="accent1"/>
+          </a:lnRef>
+          <a:fillRef idx="0">
+            <a:schemeClr val="accent1"/>
+          </a:fillRef>
+          <a:effectRef idx="0">
+            <a:schemeClr val="accent1"/>
+          </a:effectRef>
+          <a:fontRef idx="minor">
+            <a:schemeClr val="tx1"/>
+          </a:fontRef>
+        </p:style>
+      </p:cxnSp>
+      <p:cxnSp>
+        <p:nvCxnSpPr>
+          <p:cNvPr id="32" name="直線單箭頭接點 31"/>
+          <p:cNvCxnSpPr>
+            <a:endCxn id="11" idx="1"/>
+          </p:cNvCxnSpPr>
+          <p:nvPr/>
+        </p:nvCxnSpPr>
+        <p:spPr>
+          <a:xfrm>
+            <a:off x="3009339" y="2214090"/>
+            <a:ext cx="551919" cy="2"/>
+          </a:xfrm>
+          <a:prstGeom prst="straightConnector1">
+            <a:avLst/>
+          </a:prstGeom>
+          <a:ln w="28575">
+            <a:solidFill>
+              <a:schemeClr val="accent2">
+                <a:lumMod val="50000"/>
+              </a:schemeClr>
+            </a:solidFill>
+            <a:tailEnd type="triangle"/>
+          </a:ln>
+        </p:spPr>
+        <p:style>
+          <a:lnRef idx="1">
+            <a:schemeClr val="accent1"/>
+          </a:lnRef>
+          <a:fillRef idx="0">
+            <a:schemeClr val="accent1"/>
+          </a:fillRef>
+          <a:effectRef idx="0">
+            <a:schemeClr val="accent1"/>
+          </a:effectRef>
+          <a:fontRef idx="minor">
+            <a:schemeClr val="tx1"/>
+          </a:fontRef>
+        </p:style>
+      </p:cxnSp>
+      <p:cxnSp>
+        <p:nvCxnSpPr>
+          <p:cNvPr id="35" name="直線單箭頭接點 34"/>
+          <p:cNvCxnSpPr>
+            <a:endCxn id="12" idx="1"/>
+          </p:cNvCxnSpPr>
+          <p:nvPr/>
+        </p:nvCxnSpPr>
+        <p:spPr>
+          <a:xfrm>
+            <a:off x="3009340" y="3408020"/>
+            <a:ext cx="551919" cy="1"/>
+          </a:xfrm>
+          <a:prstGeom prst="straightConnector1">
+            <a:avLst/>
+          </a:prstGeom>
+          <a:ln w="28575">
+            <a:solidFill>
+              <a:schemeClr val="accent2">
+                <a:lumMod val="50000"/>
+              </a:schemeClr>
+            </a:solidFill>
+            <a:tailEnd type="triangle"/>
+          </a:ln>
+        </p:spPr>
+        <p:style>
+          <a:lnRef idx="1">
+            <a:schemeClr val="accent1"/>
+          </a:lnRef>
+          <a:fillRef idx="0">
+            <a:schemeClr val="accent1"/>
+          </a:fillRef>
+          <a:effectRef idx="0">
+            <a:schemeClr val="accent1"/>
+          </a:effectRef>
+          <a:fontRef idx="minor">
+            <a:schemeClr val="tx1"/>
+          </a:fontRef>
+        </p:style>
+      </p:cxnSp>
+      <p:cxnSp>
+        <p:nvCxnSpPr>
+          <p:cNvPr id="38" name="直線單箭頭接點 37"/>
+          <p:cNvCxnSpPr>
+            <a:endCxn id="13" idx="1"/>
+          </p:cNvCxnSpPr>
+          <p:nvPr/>
+        </p:nvCxnSpPr>
+        <p:spPr>
+          <a:xfrm>
+            <a:off x="3002129" y="4511437"/>
+            <a:ext cx="551919" cy="1"/>
+          </a:xfrm>
+          <a:prstGeom prst="straightConnector1">
+            <a:avLst/>
+          </a:prstGeom>
+          <a:ln w="28575">
+            <a:solidFill>
+              <a:schemeClr val="accent2">
+                <a:lumMod val="50000"/>
+              </a:schemeClr>
+            </a:solidFill>
+            <a:tailEnd type="triangle"/>
+          </a:ln>
+        </p:spPr>
+        <p:style>
+          <a:lnRef idx="1">
+            <a:schemeClr val="accent1"/>
+          </a:lnRef>
+          <a:fillRef idx="0">
+            <a:schemeClr val="accent1"/>
+          </a:fillRef>
+          <a:effectRef idx="0">
+            <a:schemeClr val="accent1"/>
+          </a:effectRef>
+          <a:fontRef idx="minor">
+            <a:schemeClr val="tx1"/>
+          </a:fontRef>
+        </p:style>
+      </p:cxnSp>
+      <p:cxnSp>
+        <p:nvCxnSpPr>
+          <p:cNvPr id="56" name="直線單箭頭接點 55"/>
+          <p:cNvCxnSpPr>
+            <a:stCxn id="11" idx="3"/>
+            <a:endCxn id="19" idx="1"/>
+          </p:cNvCxnSpPr>
+          <p:nvPr/>
+        </p:nvCxnSpPr>
+        <p:spPr>
+          <a:xfrm flipV="1">
+            <a:off x="4516444" y="2214090"/>
+            <a:ext cx="237499" cy="2"/>
+          </a:xfrm>
+          <a:prstGeom prst="straightConnector1">
+            <a:avLst/>
+          </a:prstGeom>
+          <a:ln w="28575">
+            <a:solidFill>
+              <a:schemeClr val="accent2">
+                <a:lumMod val="50000"/>
+              </a:schemeClr>
+            </a:solidFill>
+            <a:tailEnd type="triangle"/>
+          </a:ln>
+        </p:spPr>
+        <p:style>
+          <a:lnRef idx="1">
+            <a:schemeClr val="accent1"/>
+          </a:lnRef>
+          <a:fillRef idx="0">
+            <a:schemeClr val="accent1"/>
+          </a:fillRef>
+          <a:effectRef idx="0">
+            <a:schemeClr val="accent1"/>
+          </a:effectRef>
+          <a:fontRef idx="minor">
+            <a:schemeClr val="tx1"/>
+          </a:fontRef>
+        </p:style>
+      </p:cxnSp>
+      <p:cxnSp>
+        <p:nvCxnSpPr>
+          <p:cNvPr id="76" name="直線單箭頭接點 75"/>
+          <p:cNvCxnSpPr>
+            <a:endCxn id="21" idx="1"/>
+          </p:cNvCxnSpPr>
+          <p:nvPr/>
+        </p:nvCxnSpPr>
+        <p:spPr>
+          <a:xfrm>
+            <a:off x="6700956" y="1943769"/>
+            <a:ext cx="129598" cy="0"/>
+          </a:xfrm>
+          <a:prstGeom prst="straightConnector1">
+            <a:avLst/>
+          </a:prstGeom>
+          <a:ln w="19050">
+            <a:solidFill>
+              <a:schemeClr val="accent1">
+                <a:lumMod val="50000"/>
+              </a:schemeClr>
+            </a:solidFill>
+            <a:tailEnd type="triangle"/>
+          </a:ln>
+        </p:spPr>
+        <p:style>
+          <a:lnRef idx="1">
+            <a:schemeClr val="accent1"/>
+          </a:lnRef>
+          <a:fillRef idx="0">
+            <a:schemeClr val="accent1"/>
+          </a:fillRef>
+          <a:effectRef idx="0">
+            <a:schemeClr val="accent1"/>
+          </a:effectRef>
+          <a:fontRef idx="minor">
+            <a:schemeClr val="tx1"/>
+          </a:fontRef>
+        </p:style>
+      </p:cxnSp>
+      <p:cxnSp>
+        <p:nvCxnSpPr>
+          <p:cNvPr id="79" name="直線單箭頭接點 78"/>
+          <p:cNvCxnSpPr>
+            <a:endCxn id="20" idx="1"/>
+          </p:cNvCxnSpPr>
+          <p:nvPr/>
+        </p:nvCxnSpPr>
+        <p:spPr>
+          <a:xfrm>
+            <a:off x="6700956" y="2461474"/>
+            <a:ext cx="129598" cy="0"/>
+          </a:xfrm>
+          <a:prstGeom prst="straightConnector1">
+            <a:avLst/>
+          </a:prstGeom>
+          <a:ln w="19050">
+            <a:solidFill>
+              <a:schemeClr val="accent1">
+                <a:lumMod val="50000"/>
+              </a:schemeClr>
+            </a:solidFill>
+            <a:tailEnd type="triangle"/>
+          </a:ln>
+        </p:spPr>
+        <p:style>
+          <a:lnRef idx="1">
+            <a:schemeClr val="accent1"/>
+          </a:lnRef>
+          <a:fillRef idx="0">
+            <a:schemeClr val="accent1"/>
+          </a:fillRef>
+          <a:effectRef idx="0">
+            <a:schemeClr val="accent1"/>
+          </a:effectRef>
+          <a:fontRef idx="minor">
+            <a:schemeClr val="tx1"/>
+          </a:fontRef>
+        </p:style>
+      </p:cxnSp>
+      <p:cxnSp>
+        <p:nvCxnSpPr>
+          <p:cNvPr id="81" name="直線接點 80"/>
+          <p:cNvCxnSpPr/>
+          <p:nvPr/>
+        </p:nvCxnSpPr>
+        <p:spPr>
+          <a:xfrm>
+            <a:off x="6700956" y="1935456"/>
+            <a:ext cx="0" cy="526017"/>
+          </a:xfrm>
+          <a:prstGeom prst="line">
+            <a:avLst/>
+          </a:prstGeom>
+          <a:ln w="19050">
+            <a:solidFill>
+              <a:schemeClr val="accent1">
+                <a:lumMod val="50000"/>
+              </a:schemeClr>
+            </a:solidFill>
+          </a:ln>
+        </p:spPr>
+        <p:style>
+          <a:lnRef idx="1">
+            <a:schemeClr val="accent1"/>
+          </a:lnRef>
+          <a:fillRef idx="0">
+            <a:schemeClr val="accent1"/>
+          </a:fillRef>
+          <a:effectRef idx="0">
+            <a:schemeClr val="accent1"/>
+          </a:effectRef>
+          <a:fontRef idx="minor">
+            <a:schemeClr val="tx1"/>
+          </a:fontRef>
+        </p:style>
+      </p:cxnSp>
+      <p:cxnSp>
+        <p:nvCxnSpPr>
+          <p:cNvPr id="91" name="直線接點 90"/>
+          <p:cNvCxnSpPr>
+            <a:stCxn id="19" idx="3"/>
+          </p:cNvCxnSpPr>
+          <p:nvPr/>
+        </p:nvCxnSpPr>
+        <p:spPr>
+          <a:xfrm>
+            <a:off x="6571657" y="2214090"/>
+            <a:ext cx="129299" cy="0"/>
+          </a:xfrm>
+          <a:prstGeom prst="line">
+            <a:avLst/>
+          </a:prstGeom>
+          <a:ln w="19050">
+            <a:solidFill>
+              <a:schemeClr val="accent1">
+                <a:lumMod val="50000"/>
+              </a:schemeClr>
+            </a:solidFill>
+          </a:ln>
+        </p:spPr>
+        <p:style>
+          <a:lnRef idx="1">
+            <a:schemeClr val="accent1"/>
+          </a:lnRef>
+          <a:fillRef idx="0">
+            <a:schemeClr val="accent1"/>
+          </a:fillRef>
+          <a:effectRef idx="0">
+            <a:schemeClr val="accent1"/>
+          </a:effectRef>
+          <a:fontRef idx="minor">
+            <a:schemeClr val="tx1"/>
+          </a:fontRef>
+        </p:style>
+      </p:cxnSp>
+      <p:cxnSp>
+        <p:nvCxnSpPr>
+          <p:cNvPr id="98" name="直線接點 97"/>
+          <p:cNvCxnSpPr>
+            <a:stCxn id="21" idx="3"/>
+          </p:cNvCxnSpPr>
+          <p:nvPr/>
+        </p:nvCxnSpPr>
+        <p:spPr>
+          <a:xfrm>
+            <a:off x="7785740" y="1943769"/>
+            <a:ext cx="129299" cy="0"/>
+          </a:xfrm>
+          <a:prstGeom prst="line">
+            <a:avLst/>
+          </a:prstGeom>
+          <a:ln w="28575">
+            <a:solidFill>
+              <a:schemeClr val="accent2">
+                <a:lumMod val="50000"/>
+              </a:schemeClr>
+            </a:solidFill>
+          </a:ln>
+        </p:spPr>
+        <p:style>
+          <a:lnRef idx="1">
+            <a:schemeClr val="accent1"/>
+          </a:lnRef>
+          <a:fillRef idx="0">
+            <a:schemeClr val="accent1"/>
+          </a:fillRef>
+          <a:effectRef idx="0">
+            <a:schemeClr val="accent1"/>
+          </a:effectRef>
+          <a:fontRef idx="minor">
+            <a:schemeClr val="tx1"/>
+          </a:fontRef>
+        </p:style>
+      </p:cxnSp>
+      <p:cxnSp>
+        <p:nvCxnSpPr>
+          <p:cNvPr id="100" name="直線接點 99"/>
+          <p:cNvCxnSpPr>
+            <a:stCxn id="20" idx="3"/>
+          </p:cNvCxnSpPr>
+          <p:nvPr/>
+        </p:nvCxnSpPr>
+        <p:spPr>
+          <a:xfrm flipV="1">
+            <a:off x="7785740" y="2461473"/>
+            <a:ext cx="129299" cy="1"/>
+          </a:xfrm>
+          <a:prstGeom prst="line">
+            <a:avLst/>
+          </a:prstGeom>
+          <a:ln w="28575">
+            <a:solidFill>
+              <a:schemeClr val="accent2">
+                <a:lumMod val="50000"/>
+              </a:schemeClr>
+            </a:solidFill>
+          </a:ln>
+        </p:spPr>
+        <p:style>
+          <a:lnRef idx="1">
+            <a:schemeClr val="accent1"/>
+          </a:lnRef>
+          <a:fillRef idx="0">
+            <a:schemeClr val="accent1"/>
+          </a:fillRef>
+          <a:effectRef idx="0">
+            <a:schemeClr val="accent1"/>
+          </a:effectRef>
+          <a:fontRef idx="minor">
+            <a:schemeClr val="tx1"/>
+          </a:fontRef>
+        </p:style>
+      </p:cxnSp>
+      <p:cxnSp>
+        <p:nvCxnSpPr>
+          <p:cNvPr id="104" name="直線接點 103"/>
+          <p:cNvCxnSpPr/>
+          <p:nvPr/>
+        </p:nvCxnSpPr>
+        <p:spPr>
+          <a:xfrm>
+            <a:off x="7915039" y="1935456"/>
+            <a:ext cx="0" cy="526017"/>
+          </a:xfrm>
+          <a:prstGeom prst="line">
+            <a:avLst/>
+          </a:prstGeom>
+          <a:ln w="28575">
+            <a:solidFill>
+              <a:schemeClr val="accent2">
+                <a:lumMod val="50000"/>
+              </a:schemeClr>
+            </a:solidFill>
+          </a:ln>
+        </p:spPr>
+        <p:style>
+          <a:lnRef idx="1">
+            <a:schemeClr val="accent1"/>
+          </a:lnRef>
+          <a:fillRef idx="0">
+            <a:schemeClr val="accent1"/>
+          </a:fillRef>
+          <a:effectRef idx="0">
+            <a:schemeClr val="accent1"/>
+          </a:effectRef>
+          <a:fontRef idx="minor">
+            <a:schemeClr val="tx1"/>
+          </a:fontRef>
+        </p:style>
+      </p:cxnSp>
+      <p:cxnSp>
+        <p:nvCxnSpPr>
+          <p:cNvPr id="105" name="直線單箭頭接點 104"/>
+          <p:cNvCxnSpPr>
+            <a:endCxn id="22" idx="1"/>
+          </p:cNvCxnSpPr>
+          <p:nvPr/>
+        </p:nvCxnSpPr>
+        <p:spPr>
+          <a:xfrm>
+            <a:off x="7915038" y="2214090"/>
+            <a:ext cx="139328" cy="0"/>
+          </a:xfrm>
+          <a:prstGeom prst="straightConnector1">
+            <a:avLst/>
+          </a:prstGeom>
+          <a:ln w="28575">
+            <a:solidFill>
+              <a:schemeClr val="accent2">
+                <a:lumMod val="50000"/>
+              </a:schemeClr>
+            </a:solidFill>
+            <a:tailEnd type="triangle"/>
+          </a:ln>
+        </p:spPr>
+        <p:style>
+          <a:lnRef idx="1">
+            <a:schemeClr val="accent1"/>
+          </a:lnRef>
+          <a:fillRef idx="0">
+            <a:schemeClr val="accent1"/>
+          </a:fillRef>
+          <a:effectRef idx="0">
+            <a:schemeClr val="accent1"/>
+          </a:effectRef>
+          <a:fontRef idx="minor">
+            <a:schemeClr val="tx1"/>
+          </a:fontRef>
+        </p:style>
+      </p:cxnSp>
+      <p:cxnSp>
+        <p:nvCxnSpPr>
+          <p:cNvPr id="108" name="直線單箭頭接點 107"/>
+          <p:cNvCxnSpPr>
+            <a:stCxn id="22" idx="3"/>
+            <a:endCxn id="24" idx="1"/>
+          </p:cNvCxnSpPr>
+          <p:nvPr/>
+        </p:nvCxnSpPr>
+        <p:spPr>
+          <a:xfrm>
+            <a:off x="10588756" y="2214090"/>
+            <a:ext cx="268626" cy="0"/>
+          </a:xfrm>
+          <a:prstGeom prst="straightConnector1">
+            <a:avLst/>
+          </a:prstGeom>
+          <a:ln w="19050">
+            <a:solidFill>
+              <a:schemeClr val="accent1">
+                <a:lumMod val="50000"/>
+              </a:schemeClr>
+            </a:solidFill>
+            <a:tailEnd type="triangle"/>
+          </a:ln>
+        </p:spPr>
+        <p:style>
+          <a:lnRef idx="1">
+            <a:schemeClr val="accent1"/>
+          </a:lnRef>
+          <a:fillRef idx="0">
+            <a:schemeClr val="accent1"/>
+          </a:fillRef>
+          <a:effectRef idx="0">
+            <a:schemeClr val="accent1"/>
+          </a:effectRef>
+          <a:fontRef idx="minor">
+            <a:schemeClr val="tx1"/>
+          </a:fontRef>
+        </p:style>
+      </p:cxnSp>
+      <p:sp>
+        <p:nvSpPr>
+          <p:cNvPr id="111" name="文字方塊 110"/>
+          <p:cNvSpPr txBox="1"/>
+          <p:nvPr/>
+        </p:nvSpPr>
+        <p:spPr>
+          <a:xfrm>
+            <a:off x="6306323" y="1923787"/>
+            <a:ext cx="614162" cy="276999"/>
+          </a:xfrm>
+          <a:prstGeom prst="rect">
+            <a:avLst/>
+          </a:prstGeom>
+          <a:noFill/>
+          <a:ln>
+            <a:noFill/>
+          </a:ln>
+        </p:spPr>
+        <p:txBody>
+          <a:bodyPr wrap="square" rtlCol="0">
+            <a:spAutoFit/>
+          </a:bodyPr>
+          <a:lstStyle/>
+          <a:p>
+            <a:r>
+              <a:rPr lang="en-US" altLang="zh-TW" sz="1200" dirty="0" smtClean="0">
+                <a:solidFill>
+                  <a:schemeClr val="accent1">
+                    <a:lumMod val="50000"/>
+                  </a:schemeClr>
+                </a:solidFill>
+                <a:latin typeface="Adobe 黑体 Std R" panose="020B0400000000000000" pitchFamily="34" charset="-128"/>
+                <a:ea typeface="Adobe 黑体 Std R" panose="020B0400000000000000" pitchFamily="34" charset="-128"/>
+              </a:rPr>
+              <a:t>YES</a:t>
+            </a:r>
+            <a:endParaRPr lang="zh-TW" altLang="en-US" sz="1200" dirty="0">
+              <a:solidFill>
+                <a:schemeClr val="accent1">
+                  <a:lumMod val="50000"/>
+                </a:schemeClr>
+              </a:solidFill>
+              <a:latin typeface="Adobe 黑体 Std R" panose="020B0400000000000000" pitchFamily="34" charset="-128"/>
+              <a:ea typeface="Adobe 黑体 Std R" panose="020B0400000000000000" pitchFamily="34" charset="-128"/>
+            </a:endParaRPr>
+          </a:p>
+        </p:txBody>
+      </p:sp>
+      <p:sp>
+        <p:nvSpPr>
+          <p:cNvPr id="112" name="文字方塊 111"/>
+          <p:cNvSpPr txBox="1"/>
+          <p:nvPr/>
+        </p:nvSpPr>
+        <p:spPr>
+          <a:xfrm>
+            <a:off x="10435789" y="1943768"/>
+            <a:ext cx="614162" cy="276999"/>
+          </a:xfrm>
+          <a:prstGeom prst="rect">
+            <a:avLst/>
+          </a:prstGeom>
+          <a:noFill/>
+          <a:ln>
+            <a:noFill/>
+          </a:ln>
+        </p:spPr>
+        <p:txBody>
+          <a:bodyPr wrap="square" rtlCol="0">
+            <a:spAutoFit/>
+          </a:bodyPr>
+          <a:lstStyle/>
+          <a:p>
+            <a:r>
+              <a:rPr lang="en-US" altLang="zh-TW" sz="1200" dirty="0" smtClean="0">
+                <a:solidFill>
+                  <a:schemeClr val="accent1">
+                    <a:lumMod val="50000"/>
+                  </a:schemeClr>
+                </a:solidFill>
+                <a:latin typeface="Adobe 黑体 Std R" panose="020B0400000000000000" pitchFamily="34" charset="-128"/>
+                <a:ea typeface="Adobe 黑体 Std R" panose="020B0400000000000000" pitchFamily="34" charset="-128"/>
+              </a:rPr>
+              <a:t>YES</a:t>
+            </a:r>
+          </a:p>
+        </p:txBody>
+      </p:sp>
+      <p:cxnSp>
+        <p:nvCxnSpPr>
+          <p:cNvPr id="115" name="直線單箭頭接點 114"/>
+          <p:cNvCxnSpPr>
+            <a:endCxn id="14" idx="1"/>
+          </p:cNvCxnSpPr>
+          <p:nvPr/>
+        </p:nvCxnSpPr>
+        <p:spPr>
+          <a:xfrm>
+            <a:off x="2998993" y="5623419"/>
+            <a:ext cx="551920" cy="4808"/>
+          </a:xfrm>
+          <a:prstGeom prst="straightConnector1">
+            <a:avLst/>
+          </a:prstGeom>
+          <a:ln w="28575">
+            <a:solidFill>
+              <a:schemeClr val="accent2">
+                <a:lumMod val="50000"/>
+              </a:schemeClr>
+            </a:solidFill>
+            <a:tailEnd type="triangle"/>
+          </a:ln>
+        </p:spPr>
+        <p:style>
+          <a:lnRef idx="1">
+            <a:schemeClr val="accent1"/>
+          </a:lnRef>
+          <a:fillRef idx="0">
+            <a:schemeClr val="accent1"/>
+          </a:fillRef>
+          <a:effectRef idx="0">
+            <a:schemeClr val="accent1"/>
+          </a:effectRef>
+          <a:fontRef idx="minor">
+            <a:schemeClr val="tx1"/>
+          </a:fontRef>
+        </p:style>
+      </p:cxnSp>
+      <p:cxnSp>
+        <p:nvCxnSpPr>
+          <p:cNvPr id="127" name="直線接點 126"/>
+          <p:cNvCxnSpPr>
+            <a:stCxn id="19" idx="0"/>
+          </p:cNvCxnSpPr>
+          <p:nvPr/>
+        </p:nvCxnSpPr>
+        <p:spPr>
+          <a:xfrm flipV="1">
+            <a:off x="5662800" y="1682350"/>
+            <a:ext cx="0" cy="226047"/>
+          </a:xfrm>
+          <a:prstGeom prst="line">
+            <a:avLst/>
+          </a:prstGeom>
+          <a:ln w="19050">
+            <a:solidFill>
+              <a:srgbClr val="C00000"/>
+            </a:solidFill>
+          </a:ln>
+        </p:spPr>
+        <p:style>
+          <a:lnRef idx="1">
+            <a:schemeClr val="accent1"/>
+          </a:lnRef>
+          <a:fillRef idx="0">
+            <a:schemeClr val="accent1"/>
+          </a:fillRef>
+          <a:effectRef idx="0">
+            <a:schemeClr val="accent1"/>
+          </a:effectRef>
+          <a:fontRef idx="minor">
+            <a:schemeClr val="tx1"/>
+          </a:fontRef>
+        </p:style>
+      </p:cxnSp>
+      <p:cxnSp>
+        <p:nvCxnSpPr>
+          <p:cNvPr id="130" name="直線接點 129"/>
+          <p:cNvCxnSpPr>
+            <a:stCxn id="22" idx="0"/>
+          </p:cNvCxnSpPr>
+          <p:nvPr/>
+        </p:nvCxnSpPr>
+        <p:spPr>
+          <a:xfrm flipV="1">
+            <a:off x="9321561" y="1663416"/>
+            <a:ext cx="0" cy="244981"/>
+          </a:xfrm>
+          <a:prstGeom prst="line">
+            <a:avLst/>
+          </a:prstGeom>
+          <a:ln w="19050">
+            <a:solidFill>
+              <a:srgbClr val="C00000"/>
+            </a:solidFill>
+          </a:ln>
+        </p:spPr>
+        <p:style>
+          <a:lnRef idx="1">
+            <a:schemeClr val="accent1"/>
+          </a:lnRef>
+          <a:fillRef idx="0">
+            <a:schemeClr val="accent1"/>
+          </a:fillRef>
+          <a:effectRef idx="0">
+            <a:schemeClr val="accent1"/>
+          </a:effectRef>
+          <a:fontRef idx="minor">
+            <a:schemeClr val="tx1"/>
+          </a:fontRef>
+        </p:style>
+      </p:cxnSp>
+      <p:cxnSp>
+        <p:nvCxnSpPr>
+          <p:cNvPr id="134" name="直線接點 133"/>
+          <p:cNvCxnSpPr/>
+          <p:nvPr/>
+        </p:nvCxnSpPr>
+        <p:spPr>
+          <a:xfrm flipV="1">
+            <a:off x="2162905" y="1663416"/>
+            <a:ext cx="7158656" cy="18934"/>
+          </a:xfrm>
+          <a:prstGeom prst="line">
+            <a:avLst/>
+          </a:prstGeom>
+          <a:ln w="19050">
+            <a:solidFill>
+              <a:srgbClr val="C00000"/>
+            </a:solidFill>
+          </a:ln>
+        </p:spPr>
+        <p:style>
+          <a:lnRef idx="1">
+            <a:schemeClr val="accent1"/>
+          </a:lnRef>
+          <a:fillRef idx="0">
+            <a:schemeClr val="accent1"/>
+          </a:fillRef>
+          <a:effectRef idx="0">
+            <a:schemeClr val="accent1"/>
+          </a:effectRef>
+          <a:fontRef idx="minor">
+            <a:schemeClr val="tx1"/>
+          </a:fontRef>
+        </p:style>
+      </p:cxnSp>
+      <p:cxnSp>
+        <p:nvCxnSpPr>
+          <p:cNvPr id="136" name="直線單箭頭接點 135"/>
+          <p:cNvCxnSpPr>
+            <a:endCxn id="10" idx="0"/>
+          </p:cNvCxnSpPr>
+          <p:nvPr/>
+        </p:nvCxnSpPr>
+        <p:spPr>
+          <a:xfrm>
+            <a:off x="2175922" y="1682350"/>
+            <a:ext cx="2133" cy="2105241"/>
+          </a:xfrm>
+          <a:prstGeom prst="straightConnector1">
+            <a:avLst/>
+          </a:prstGeom>
+          <a:ln w="19050">
+            <a:solidFill>
+              <a:srgbClr val="C00000"/>
+            </a:solidFill>
+            <a:tailEnd type="triangle"/>
+          </a:ln>
+        </p:spPr>
+        <p:style>
+          <a:lnRef idx="1">
+            <a:schemeClr val="accent1"/>
+          </a:lnRef>
+          <a:fillRef idx="0">
+            <a:schemeClr val="accent1"/>
+          </a:fillRef>
+          <a:effectRef idx="0">
+            <a:schemeClr val="accent1"/>
+          </a:effectRef>
+          <a:fontRef idx="minor">
+            <a:schemeClr val="tx1"/>
+          </a:fontRef>
+        </p:style>
+      </p:cxnSp>
+      <p:sp>
+        <p:nvSpPr>
+          <p:cNvPr id="143" name="文字方塊 142"/>
+          <p:cNvSpPr txBox="1"/>
+          <p:nvPr/>
+        </p:nvSpPr>
+        <p:spPr>
+          <a:xfrm>
+            <a:off x="9292180" y="1655983"/>
+            <a:ext cx="614162" cy="276999"/>
+          </a:xfrm>
+          <a:prstGeom prst="rect">
+            <a:avLst/>
+          </a:prstGeom>
+          <a:noFill/>
+          <a:ln>
+            <a:noFill/>
+          </a:ln>
+        </p:spPr>
+        <p:txBody>
+          <a:bodyPr wrap="square" rtlCol="0">
+            <a:spAutoFit/>
+          </a:bodyPr>
+          <a:lstStyle/>
+          <a:p>
+            <a:r>
+              <a:rPr lang="en-US" altLang="zh-TW" sz="1200" dirty="0" smtClean="0">
+                <a:solidFill>
+                  <a:srgbClr val="C00000"/>
+                </a:solidFill>
+                <a:latin typeface="Adobe 黑体 Std R" panose="020B0400000000000000" pitchFamily="34" charset="-128"/>
+                <a:ea typeface="Adobe 黑体 Std R" panose="020B0400000000000000" pitchFamily="34" charset="-128"/>
+              </a:rPr>
+              <a:t>NO</a:t>
+            </a:r>
+            <a:endParaRPr lang="zh-TW" altLang="en-US" sz="1200" dirty="0">
+              <a:solidFill>
+                <a:srgbClr val="C00000"/>
+              </a:solidFill>
+              <a:latin typeface="Adobe 黑体 Std R" panose="020B0400000000000000" pitchFamily="34" charset="-128"/>
+              <a:ea typeface="Adobe 黑体 Std R" panose="020B0400000000000000" pitchFamily="34" charset="-128"/>
+            </a:endParaRPr>
+          </a:p>
+        </p:txBody>
+      </p:sp>
+      <p:sp>
+        <p:nvSpPr>
+          <p:cNvPr id="144" name="文字方塊 143"/>
+          <p:cNvSpPr txBox="1"/>
+          <p:nvPr/>
+        </p:nvSpPr>
+        <p:spPr>
+          <a:xfrm>
+            <a:off x="5633616" y="1666769"/>
+            <a:ext cx="455212" cy="276999"/>
+          </a:xfrm>
+          <a:prstGeom prst="rect">
+            <a:avLst/>
+          </a:prstGeom>
+          <a:noFill/>
+          <a:ln>
+            <a:noFill/>
+          </a:ln>
+        </p:spPr>
+        <p:txBody>
+          <a:bodyPr wrap="square" rtlCol="0">
+            <a:spAutoFit/>
+          </a:bodyPr>
+          <a:lstStyle/>
+          <a:p>
+            <a:r>
+              <a:rPr lang="en-US" altLang="zh-TW" sz="1200" dirty="0" smtClean="0">
+                <a:solidFill>
+                  <a:srgbClr val="C00000"/>
+                </a:solidFill>
+                <a:latin typeface="Adobe 黑体 Std R" panose="020B0400000000000000" pitchFamily="34" charset="-128"/>
+                <a:ea typeface="Adobe 黑体 Std R" panose="020B0400000000000000" pitchFamily="34" charset="-128"/>
+              </a:rPr>
+              <a:t>NO</a:t>
+            </a:r>
+            <a:endParaRPr lang="zh-TW" altLang="en-US" sz="1200" dirty="0">
+              <a:solidFill>
+                <a:srgbClr val="C00000"/>
+              </a:solidFill>
+              <a:latin typeface="Adobe 黑体 Std R" panose="020B0400000000000000" pitchFamily="34" charset="-128"/>
+              <a:ea typeface="Adobe 黑体 Std R" panose="020B0400000000000000" pitchFamily="34" charset="-128"/>
+            </a:endParaRPr>
+          </a:p>
+        </p:txBody>
+      </p:sp>
+      <p:sp>
+        <p:nvSpPr>
+          <p:cNvPr id="146" name="文字方塊 145"/>
+          <p:cNvSpPr txBox="1"/>
+          <p:nvPr/>
+        </p:nvSpPr>
+        <p:spPr>
+          <a:xfrm>
+            <a:off x="4753943" y="3102327"/>
+            <a:ext cx="1817714" cy="611386"/>
+          </a:xfrm>
+          <a:prstGeom prst="flowChartDecision">
+            <a:avLst/>
+          </a:prstGeom>
+          <a:solidFill>
+            <a:schemeClr val="accent1">
+              <a:lumMod val="20000"/>
+              <a:lumOff val="80000"/>
+            </a:schemeClr>
+          </a:solidFill>
+          <a:ln>
+            <a:solidFill>
+              <a:schemeClr val="accent1">
+                <a:lumMod val="50000"/>
+              </a:schemeClr>
+            </a:solidFill>
+          </a:ln>
+        </p:spPr>
+        <p:txBody>
+          <a:bodyPr wrap="square" rtlCol="0">
+            <a:spAutoFit/>
+          </a:bodyPr>
+          <a:lstStyle/>
+          <a:p>
+            <a:pPr algn="ctr"/>
+            <a:r>
+              <a:rPr lang="zh-TW" altLang="en-US" sz="1400" dirty="0" smtClean="0">
+                <a:solidFill>
+                  <a:schemeClr val="accent2">
+                    <a:lumMod val="50000"/>
+                  </a:schemeClr>
+                </a:solidFill>
+                <a:latin typeface="Adobe 黑体 Std R" panose="020B0400000000000000" pitchFamily="34" charset="-128"/>
+                <a:ea typeface="Adobe 黑体 Std R" panose="020B0400000000000000" pitchFamily="34" charset="-128"/>
+              </a:rPr>
+              <a:t>是否</a:t>
+            </a:r>
+            <a:r>
+              <a:rPr lang="zh-TW" altLang="en-US" sz="1400" dirty="0">
+                <a:solidFill>
+                  <a:schemeClr val="accent2">
+                    <a:lumMod val="50000"/>
+                  </a:schemeClr>
+                </a:solidFill>
+                <a:latin typeface="Adobe 黑体 Std R" panose="020B0400000000000000" pitchFamily="34" charset="-128"/>
+                <a:ea typeface="Adobe 黑体 Std R" panose="020B0400000000000000" pitchFamily="34" charset="-128"/>
+              </a:rPr>
+              <a:t>上傳</a:t>
+            </a:r>
+            <a:endParaRPr lang="zh-TW" altLang="en-US" sz="1400" dirty="0">
+              <a:solidFill>
+                <a:schemeClr val="accent2">
+                  <a:lumMod val="50000"/>
+                </a:schemeClr>
+              </a:solidFill>
+              <a:latin typeface="Adobe 黑体 Std R" panose="020B0400000000000000" pitchFamily="34" charset="-128"/>
+              <a:ea typeface="Adobe 黑体 Std R" panose="020B0400000000000000" pitchFamily="34" charset="-128"/>
+            </a:endParaRPr>
+          </a:p>
+        </p:txBody>
+      </p:sp>
+      <p:cxnSp>
+        <p:nvCxnSpPr>
+          <p:cNvPr id="147" name="直線單箭頭接點 146"/>
+          <p:cNvCxnSpPr>
+            <a:stCxn id="12" idx="3"/>
+            <a:endCxn id="146" idx="1"/>
+          </p:cNvCxnSpPr>
+          <p:nvPr/>
+        </p:nvCxnSpPr>
+        <p:spPr>
+          <a:xfrm flipV="1">
+            <a:off x="4516445" y="3408020"/>
+            <a:ext cx="237498" cy="1"/>
+          </a:xfrm>
+          <a:prstGeom prst="straightConnector1">
+            <a:avLst/>
+          </a:prstGeom>
+          <a:ln w="28575">
+            <a:solidFill>
+              <a:schemeClr val="accent2">
+                <a:lumMod val="50000"/>
+              </a:schemeClr>
+            </a:solidFill>
+            <a:tailEnd type="triangle"/>
+          </a:ln>
+        </p:spPr>
+        <p:style>
+          <a:lnRef idx="1">
+            <a:schemeClr val="accent1"/>
+          </a:lnRef>
+          <a:fillRef idx="0">
+            <a:schemeClr val="accent1"/>
+          </a:fillRef>
+          <a:effectRef idx="0">
+            <a:schemeClr val="accent1"/>
+          </a:effectRef>
+          <a:fontRef idx="minor">
+            <a:schemeClr val="tx1"/>
+          </a:fontRef>
+        </p:style>
+      </p:cxnSp>
+      <p:sp>
+        <p:nvSpPr>
+          <p:cNvPr id="150" name="文字方塊 149"/>
+          <p:cNvSpPr txBox="1"/>
+          <p:nvPr/>
+        </p:nvSpPr>
+        <p:spPr>
+          <a:xfrm>
+            <a:off x="6830554" y="3254131"/>
+            <a:ext cx="955186" cy="307777"/>
+          </a:xfrm>
+          <a:prstGeom prst="rect">
+            <a:avLst/>
+          </a:prstGeom>
+          <a:solidFill>
+            <a:srgbClr val="E0C286"/>
+          </a:solidFill>
+        </p:spPr>
+        <p:txBody>
+          <a:bodyPr wrap="square" rtlCol="0">
+            <a:spAutoFit/>
+          </a:bodyPr>
+          <a:lstStyle/>
+          <a:p>
+            <a:pPr algn="ctr"/>
+            <a:r>
+              <a:rPr lang="zh-TW" altLang="en-US" sz="1400" dirty="0" smtClean="0">
+                <a:solidFill>
+                  <a:schemeClr val="accent2">
+                    <a:lumMod val="50000"/>
+                  </a:schemeClr>
+                </a:solidFill>
+                <a:latin typeface="Adobe 黑体 Std R" panose="020B0400000000000000" pitchFamily="34" charset="-128"/>
+                <a:ea typeface="Adobe 黑体 Std R" panose="020B0400000000000000" pitchFamily="34" charset="-128"/>
+              </a:rPr>
+              <a:t>新增價錢</a:t>
+            </a:r>
+            <a:endParaRPr lang="zh-TW" altLang="en-US" sz="1400" dirty="0">
+              <a:solidFill>
+                <a:schemeClr val="accent2">
+                  <a:lumMod val="50000"/>
+                </a:schemeClr>
+              </a:solidFill>
+              <a:latin typeface="Adobe 黑体 Std R" panose="020B0400000000000000" pitchFamily="34" charset="-128"/>
+              <a:ea typeface="Adobe 黑体 Std R" panose="020B0400000000000000" pitchFamily="34" charset="-128"/>
+            </a:endParaRPr>
+          </a:p>
+        </p:txBody>
+      </p:sp>
+      <p:cxnSp>
+        <p:nvCxnSpPr>
+          <p:cNvPr id="152" name="直線單箭頭接點 151"/>
+          <p:cNvCxnSpPr>
+            <a:stCxn id="146" idx="3"/>
+            <a:endCxn id="150" idx="1"/>
+          </p:cNvCxnSpPr>
+          <p:nvPr/>
+        </p:nvCxnSpPr>
+        <p:spPr>
+          <a:xfrm>
+            <a:off x="6571657" y="3408020"/>
+            <a:ext cx="258897" cy="0"/>
+          </a:xfrm>
+          <a:prstGeom prst="straightConnector1">
+            <a:avLst/>
+          </a:prstGeom>
+          <a:ln w="19050">
+            <a:solidFill>
+              <a:schemeClr val="accent1">
+                <a:lumMod val="50000"/>
+              </a:schemeClr>
+            </a:solidFill>
+            <a:tailEnd type="triangle"/>
+          </a:ln>
+        </p:spPr>
+        <p:style>
+          <a:lnRef idx="1">
+            <a:schemeClr val="accent1"/>
+          </a:lnRef>
+          <a:fillRef idx="0">
+            <a:schemeClr val="accent1"/>
+          </a:fillRef>
+          <a:effectRef idx="0">
+            <a:schemeClr val="accent1"/>
+          </a:effectRef>
+          <a:fontRef idx="minor">
+            <a:schemeClr val="tx1"/>
+          </a:fontRef>
+        </p:style>
+      </p:cxnSp>
+      <p:sp>
+        <p:nvSpPr>
+          <p:cNvPr id="155" name="文字方塊 154"/>
+          <p:cNvSpPr txBox="1"/>
+          <p:nvPr/>
+        </p:nvSpPr>
+        <p:spPr>
+          <a:xfrm>
+            <a:off x="6432937" y="3134114"/>
+            <a:ext cx="614162" cy="276999"/>
+          </a:xfrm>
+          <a:prstGeom prst="rect">
+            <a:avLst/>
+          </a:prstGeom>
+          <a:noFill/>
+          <a:ln>
+            <a:noFill/>
+          </a:ln>
+        </p:spPr>
+        <p:txBody>
+          <a:bodyPr wrap="square" rtlCol="0">
+            <a:spAutoFit/>
+          </a:bodyPr>
+          <a:lstStyle/>
+          <a:p>
+            <a:r>
+              <a:rPr lang="en-US" altLang="zh-TW" sz="1200" dirty="0" smtClean="0">
+                <a:solidFill>
+                  <a:schemeClr val="accent1">
+                    <a:lumMod val="50000"/>
+                  </a:schemeClr>
+                </a:solidFill>
+                <a:latin typeface="Adobe 黑体 Std R" panose="020B0400000000000000" pitchFamily="34" charset="-128"/>
+                <a:ea typeface="Adobe 黑体 Std R" panose="020B0400000000000000" pitchFamily="34" charset="-128"/>
+              </a:rPr>
+              <a:t>YES</a:t>
+            </a:r>
+            <a:endParaRPr lang="zh-TW" altLang="en-US" sz="1200" dirty="0">
+              <a:solidFill>
+                <a:schemeClr val="accent1">
+                  <a:lumMod val="50000"/>
+                </a:schemeClr>
+              </a:solidFill>
+              <a:latin typeface="Adobe 黑体 Std R" panose="020B0400000000000000" pitchFamily="34" charset="-128"/>
+              <a:ea typeface="Adobe 黑体 Std R" panose="020B0400000000000000" pitchFamily="34" charset="-128"/>
+            </a:endParaRPr>
+          </a:p>
+        </p:txBody>
+      </p:sp>
+      <p:cxnSp>
+        <p:nvCxnSpPr>
+          <p:cNvPr id="157" name="直線接點 156"/>
+          <p:cNvCxnSpPr>
+            <a:stCxn id="146" idx="0"/>
+          </p:cNvCxnSpPr>
+          <p:nvPr/>
+        </p:nvCxnSpPr>
+        <p:spPr>
+          <a:xfrm flipV="1">
+            <a:off x="5662800" y="2910720"/>
+            <a:ext cx="0" cy="191607"/>
+          </a:xfrm>
+          <a:prstGeom prst="line">
+            <a:avLst/>
+          </a:prstGeom>
+          <a:ln w="19050">
+            <a:solidFill>
+              <a:srgbClr val="C00000"/>
+            </a:solidFill>
+          </a:ln>
+        </p:spPr>
+        <p:style>
+          <a:lnRef idx="1">
+            <a:schemeClr val="accent1"/>
+          </a:lnRef>
+          <a:fillRef idx="0">
+            <a:schemeClr val="accent1"/>
+          </a:fillRef>
+          <a:effectRef idx="0">
+            <a:schemeClr val="accent1"/>
+          </a:effectRef>
+          <a:fontRef idx="minor">
+            <a:schemeClr val="tx1"/>
+          </a:fontRef>
+        </p:style>
+      </p:cxnSp>
+      <p:cxnSp>
+        <p:nvCxnSpPr>
+          <p:cNvPr id="158" name="直線接點 157"/>
+          <p:cNvCxnSpPr/>
+          <p:nvPr/>
+        </p:nvCxnSpPr>
+        <p:spPr>
+          <a:xfrm flipV="1">
+            <a:off x="2178311" y="2924515"/>
+            <a:ext cx="3481249" cy="9208"/>
+          </a:xfrm>
+          <a:prstGeom prst="line">
+            <a:avLst/>
+          </a:prstGeom>
+          <a:ln w="19050">
+            <a:solidFill>
+              <a:srgbClr val="C00000"/>
+            </a:solidFill>
+          </a:ln>
+        </p:spPr>
+        <p:style>
+          <a:lnRef idx="1">
+            <a:schemeClr val="accent1"/>
+          </a:lnRef>
+          <a:fillRef idx="0">
+            <a:schemeClr val="accent1"/>
+          </a:fillRef>
+          <a:effectRef idx="0">
+            <a:schemeClr val="accent1"/>
+          </a:effectRef>
+          <a:fontRef idx="minor">
+            <a:schemeClr val="tx1"/>
+          </a:fontRef>
+        </p:style>
+      </p:cxnSp>
+      <p:sp>
+        <p:nvSpPr>
+          <p:cNvPr id="160" name="文字方塊 159"/>
+          <p:cNvSpPr txBox="1"/>
+          <p:nvPr/>
+        </p:nvSpPr>
+        <p:spPr>
+          <a:xfrm>
+            <a:off x="5630376" y="2890283"/>
+            <a:ext cx="432212" cy="276999"/>
+          </a:xfrm>
+          <a:prstGeom prst="rect">
+            <a:avLst/>
+          </a:prstGeom>
+          <a:noFill/>
+          <a:ln>
+            <a:noFill/>
+          </a:ln>
+        </p:spPr>
+        <p:txBody>
+          <a:bodyPr wrap="square" rtlCol="0">
+            <a:spAutoFit/>
+          </a:bodyPr>
+          <a:lstStyle/>
+          <a:p>
+            <a:r>
+              <a:rPr lang="en-US" altLang="zh-TW" sz="1200" dirty="0" smtClean="0">
+                <a:solidFill>
+                  <a:srgbClr val="C00000"/>
+                </a:solidFill>
+                <a:latin typeface="Adobe 黑体 Std R" panose="020B0400000000000000" pitchFamily="34" charset="-128"/>
+                <a:ea typeface="Adobe 黑体 Std R" panose="020B0400000000000000" pitchFamily="34" charset="-128"/>
+              </a:rPr>
+              <a:t>NO</a:t>
+            </a:r>
+            <a:endParaRPr lang="zh-TW" altLang="en-US" sz="1200" dirty="0">
+              <a:solidFill>
+                <a:srgbClr val="C00000"/>
+              </a:solidFill>
+              <a:latin typeface="Adobe 黑体 Std R" panose="020B0400000000000000" pitchFamily="34" charset="-128"/>
+              <a:ea typeface="Adobe 黑体 Std R" panose="020B0400000000000000" pitchFamily="34" charset="-128"/>
+            </a:endParaRPr>
+          </a:p>
+        </p:txBody>
+      </p:sp>
+      <p:sp>
+        <p:nvSpPr>
+          <p:cNvPr id="169" name="文字方塊 168"/>
+          <p:cNvSpPr txBox="1"/>
+          <p:nvPr/>
+        </p:nvSpPr>
+        <p:spPr>
+          <a:xfrm>
+            <a:off x="4782789" y="4357549"/>
+            <a:ext cx="955186" cy="307777"/>
+          </a:xfrm>
+          <a:prstGeom prst="rect">
+            <a:avLst/>
+          </a:prstGeom>
+          <a:solidFill>
+            <a:srgbClr val="E0C286"/>
+          </a:solidFill>
+        </p:spPr>
+        <p:txBody>
+          <a:bodyPr wrap="square" rtlCol="0">
+            <a:spAutoFit/>
+          </a:bodyPr>
+          <a:lstStyle/>
+          <a:p>
+            <a:pPr algn="ctr"/>
+            <a:r>
+              <a:rPr lang="zh-TW" altLang="en-US" sz="1400" dirty="0" smtClean="0">
+                <a:solidFill>
+                  <a:schemeClr val="accent2">
+                    <a:lumMod val="50000"/>
+                  </a:schemeClr>
+                </a:solidFill>
+                <a:latin typeface="Adobe 黑体 Std R" panose="020B0400000000000000" pitchFamily="34" charset="-128"/>
+                <a:ea typeface="Adobe 黑体 Std R" panose="020B0400000000000000" pitchFamily="34" charset="-128"/>
+              </a:rPr>
+              <a:t>選擇類</a:t>
+            </a:r>
+            <a:r>
+              <a:rPr lang="zh-TW" altLang="en-US" sz="1400" dirty="0">
+                <a:solidFill>
+                  <a:schemeClr val="accent2">
+                    <a:lumMod val="50000"/>
+                  </a:schemeClr>
+                </a:solidFill>
+                <a:latin typeface="Adobe 黑体 Std R" panose="020B0400000000000000" pitchFamily="34" charset="-128"/>
+                <a:ea typeface="Adobe 黑体 Std R" panose="020B0400000000000000" pitchFamily="34" charset="-128"/>
+              </a:rPr>
+              <a:t>別</a:t>
+            </a:r>
+            <a:endParaRPr lang="zh-TW" altLang="en-US" sz="1400" dirty="0">
+              <a:solidFill>
+                <a:schemeClr val="accent2">
+                  <a:lumMod val="50000"/>
+                </a:schemeClr>
+              </a:solidFill>
+              <a:latin typeface="Adobe 黑体 Std R" panose="020B0400000000000000" pitchFamily="34" charset="-128"/>
+              <a:ea typeface="Adobe 黑体 Std R" panose="020B0400000000000000" pitchFamily="34" charset="-128"/>
+            </a:endParaRPr>
+          </a:p>
+        </p:txBody>
+      </p:sp>
+      <p:cxnSp>
+        <p:nvCxnSpPr>
+          <p:cNvPr id="170" name="直線單箭頭接點 169"/>
+          <p:cNvCxnSpPr>
+            <a:stCxn id="13" idx="3"/>
+            <a:endCxn id="169" idx="1"/>
+          </p:cNvCxnSpPr>
+          <p:nvPr/>
+        </p:nvCxnSpPr>
+        <p:spPr>
+          <a:xfrm>
+            <a:off x="4509234" y="4511438"/>
+            <a:ext cx="273555" cy="0"/>
+          </a:xfrm>
+          <a:prstGeom prst="straightConnector1">
+            <a:avLst/>
+          </a:prstGeom>
+          <a:ln w="28575">
+            <a:solidFill>
+              <a:schemeClr val="accent2">
+                <a:lumMod val="50000"/>
+              </a:schemeClr>
+            </a:solidFill>
+            <a:tailEnd type="triangle"/>
+          </a:ln>
+        </p:spPr>
+        <p:style>
+          <a:lnRef idx="1">
+            <a:schemeClr val="accent1"/>
+          </a:lnRef>
+          <a:fillRef idx="0">
+            <a:schemeClr val="accent1"/>
+          </a:fillRef>
+          <a:effectRef idx="0">
+            <a:schemeClr val="accent1"/>
+          </a:effectRef>
+          <a:fontRef idx="minor">
+            <a:schemeClr val="tx1"/>
+          </a:fontRef>
+        </p:style>
+      </p:cxnSp>
+      <p:sp>
+        <p:nvSpPr>
+          <p:cNvPr id="173" name="文字方塊 172"/>
+          <p:cNvSpPr txBox="1"/>
+          <p:nvPr/>
+        </p:nvSpPr>
+        <p:spPr>
+          <a:xfrm>
+            <a:off x="6123659" y="4207548"/>
+            <a:ext cx="1817714" cy="611386"/>
+          </a:xfrm>
+          <a:prstGeom prst="flowChartDecision">
+            <a:avLst/>
+          </a:prstGeom>
+          <a:solidFill>
+            <a:schemeClr val="accent1">
+              <a:lumMod val="20000"/>
+              <a:lumOff val="80000"/>
+            </a:schemeClr>
+          </a:solidFill>
+          <a:ln>
+            <a:solidFill>
+              <a:schemeClr val="accent1">
+                <a:lumMod val="50000"/>
+              </a:schemeClr>
+            </a:solidFill>
+          </a:ln>
+        </p:spPr>
+        <p:txBody>
+          <a:bodyPr wrap="square" rtlCol="0">
+            <a:spAutoFit/>
+          </a:bodyPr>
+          <a:lstStyle/>
+          <a:p>
+            <a:pPr algn="ctr"/>
+            <a:r>
+              <a:rPr lang="zh-TW" altLang="en-US" sz="1400" dirty="0" smtClean="0">
+                <a:solidFill>
+                  <a:schemeClr val="accent2">
+                    <a:lumMod val="50000"/>
+                  </a:schemeClr>
+                </a:solidFill>
+                <a:latin typeface="Adobe 黑体 Std R" panose="020B0400000000000000" pitchFamily="34" charset="-128"/>
+                <a:ea typeface="Adobe 黑体 Std R" panose="020B0400000000000000" pitchFamily="34" charset="-128"/>
+              </a:rPr>
+              <a:t>是否</a:t>
+            </a:r>
+            <a:r>
+              <a:rPr lang="zh-TW" altLang="en-US" sz="1400" dirty="0">
+                <a:solidFill>
+                  <a:schemeClr val="accent2">
+                    <a:lumMod val="50000"/>
+                  </a:schemeClr>
+                </a:solidFill>
+                <a:latin typeface="Adobe 黑体 Std R" panose="020B0400000000000000" pitchFamily="34" charset="-128"/>
+                <a:ea typeface="Adobe 黑体 Std R" panose="020B0400000000000000" pitchFamily="34" charset="-128"/>
+              </a:rPr>
+              <a:t>上傳</a:t>
+            </a:r>
+            <a:endParaRPr lang="zh-TW" altLang="en-US" sz="1400" dirty="0">
+              <a:solidFill>
+                <a:schemeClr val="accent2">
+                  <a:lumMod val="50000"/>
+                </a:schemeClr>
+              </a:solidFill>
+              <a:latin typeface="Adobe 黑体 Std R" panose="020B0400000000000000" pitchFamily="34" charset="-128"/>
+              <a:ea typeface="Adobe 黑体 Std R" panose="020B0400000000000000" pitchFamily="34" charset="-128"/>
+            </a:endParaRPr>
+          </a:p>
+        </p:txBody>
+      </p:sp>
+      <p:cxnSp>
+        <p:nvCxnSpPr>
+          <p:cNvPr id="174" name="直線單箭頭接點 173"/>
+          <p:cNvCxnSpPr>
+            <a:stCxn id="169" idx="3"/>
+            <a:endCxn id="173" idx="1"/>
+          </p:cNvCxnSpPr>
+          <p:nvPr/>
+        </p:nvCxnSpPr>
+        <p:spPr>
+          <a:xfrm>
+            <a:off x="5737975" y="4511438"/>
+            <a:ext cx="385684" cy="1803"/>
+          </a:xfrm>
+          <a:prstGeom prst="straightConnector1">
+            <a:avLst/>
+          </a:prstGeom>
+          <a:ln w="28575">
+            <a:solidFill>
+              <a:schemeClr val="accent2">
+                <a:lumMod val="50000"/>
+              </a:schemeClr>
+            </a:solidFill>
+            <a:tailEnd type="triangle"/>
+          </a:ln>
+        </p:spPr>
+        <p:style>
+          <a:lnRef idx="1">
+            <a:schemeClr val="accent1"/>
+          </a:lnRef>
+          <a:fillRef idx="0">
+            <a:schemeClr val="accent1"/>
+          </a:fillRef>
+          <a:effectRef idx="0">
+            <a:schemeClr val="accent1"/>
+          </a:effectRef>
+          <a:fontRef idx="minor">
+            <a:schemeClr val="tx1"/>
+          </a:fontRef>
+        </p:style>
+      </p:cxnSp>
+      <p:sp>
+        <p:nvSpPr>
+          <p:cNvPr id="177" name="文字方塊 176"/>
+          <p:cNvSpPr txBox="1"/>
+          <p:nvPr/>
+        </p:nvSpPr>
+        <p:spPr>
+          <a:xfrm>
+            <a:off x="8233852" y="4357549"/>
+            <a:ext cx="955186" cy="307777"/>
+          </a:xfrm>
+          <a:prstGeom prst="rect">
+            <a:avLst/>
+          </a:prstGeom>
+          <a:solidFill>
+            <a:srgbClr val="E0C286"/>
+          </a:solidFill>
+        </p:spPr>
+        <p:txBody>
+          <a:bodyPr wrap="square" rtlCol="0">
+            <a:spAutoFit/>
+          </a:bodyPr>
+          <a:lstStyle/>
+          <a:p>
+            <a:pPr algn="ctr"/>
+            <a:r>
+              <a:rPr lang="zh-TW" altLang="en-US" sz="1400" dirty="0" smtClean="0">
+                <a:solidFill>
+                  <a:schemeClr val="accent2">
+                    <a:lumMod val="50000"/>
+                  </a:schemeClr>
+                </a:solidFill>
+                <a:latin typeface="Adobe 黑体 Std R" panose="020B0400000000000000" pitchFamily="34" charset="-128"/>
+                <a:ea typeface="Adobe 黑体 Std R" panose="020B0400000000000000" pitchFamily="34" charset="-128"/>
+              </a:rPr>
+              <a:t>新增類別</a:t>
+            </a:r>
+            <a:endParaRPr lang="zh-TW" altLang="en-US" sz="1400" dirty="0">
+              <a:solidFill>
+                <a:schemeClr val="accent2">
+                  <a:lumMod val="50000"/>
+                </a:schemeClr>
+              </a:solidFill>
+              <a:latin typeface="Adobe 黑体 Std R" panose="020B0400000000000000" pitchFamily="34" charset="-128"/>
+              <a:ea typeface="Adobe 黑体 Std R" panose="020B0400000000000000" pitchFamily="34" charset="-128"/>
+            </a:endParaRPr>
+          </a:p>
+        </p:txBody>
+      </p:sp>
+      <p:cxnSp>
+        <p:nvCxnSpPr>
+          <p:cNvPr id="178" name="直線單箭頭接點 177"/>
+          <p:cNvCxnSpPr>
+            <a:stCxn id="173" idx="3"/>
+            <a:endCxn id="177" idx="1"/>
+          </p:cNvCxnSpPr>
+          <p:nvPr/>
+        </p:nvCxnSpPr>
+        <p:spPr>
+          <a:xfrm flipV="1">
+            <a:off x="7941373" y="4511438"/>
+            <a:ext cx="292479" cy="1803"/>
+          </a:xfrm>
+          <a:prstGeom prst="straightConnector1">
+            <a:avLst/>
+          </a:prstGeom>
+          <a:ln w="19050">
+            <a:solidFill>
+              <a:schemeClr val="accent1">
+                <a:lumMod val="50000"/>
+              </a:schemeClr>
+            </a:solidFill>
+            <a:tailEnd type="triangle"/>
+          </a:ln>
+        </p:spPr>
+        <p:style>
+          <a:lnRef idx="1">
+            <a:schemeClr val="accent1"/>
+          </a:lnRef>
+          <a:fillRef idx="0">
+            <a:schemeClr val="accent1"/>
+          </a:fillRef>
+          <a:effectRef idx="0">
+            <a:schemeClr val="accent1"/>
+          </a:effectRef>
+          <a:fontRef idx="minor">
+            <a:schemeClr val="tx1"/>
+          </a:fontRef>
+        </p:style>
+      </p:cxnSp>
+      <p:sp>
+        <p:nvSpPr>
+          <p:cNvPr id="179" name="文字方塊 178"/>
+          <p:cNvSpPr txBox="1"/>
+          <p:nvPr/>
+        </p:nvSpPr>
+        <p:spPr>
+          <a:xfrm>
+            <a:off x="7850389" y="4241117"/>
+            <a:ext cx="614162" cy="276999"/>
+          </a:xfrm>
+          <a:prstGeom prst="rect">
+            <a:avLst/>
+          </a:prstGeom>
+          <a:noFill/>
+          <a:ln>
+            <a:noFill/>
+          </a:ln>
+        </p:spPr>
+        <p:txBody>
+          <a:bodyPr wrap="square" rtlCol="0">
+            <a:spAutoFit/>
+          </a:bodyPr>
+          <a:lstStyle/>
+          <a:p>
+            <a:r>
+              <a:rPr lang="en-US" altLang="zh-TW" sz="1200" dirty="0" smtClean="0">
+                <a:solidFill>
+                  <a:schemeClr val="accent1">
+                    <a:lumMod val="50000"/>
+                  </a:schemeClr>
+                </a:solidFill>
+                <a:latin typeface="Adobe 黑体 Std R" panose="020B0400000000000000" pitchFamily="34" charset="-128"/>
+                <a:ea typeface="Adobe 黑体 Std R" panose="020B0400000000000000" pitchFamily="34" charset="-128"/>
+              </a:rPr>
+              <a:t>YES</a:t>
+            </a:r>
+            <a:endParaRPr lang="zh-TW" altLang="en-US" sz="1200" dirty="0">
+              <a:solidFill>
+                <a:schemeClr val="accent1">
+                  <a:lumMod val="50000"/>
+                </a:schemeClr>
+              </a:solidFill>
+              <a:latin typeface="Adobe 黑体 Std R" panose="020B0400000000000000" pitchFamily="34" charset="-128"/>
+              <a:ea typeface="Adobe 黑体 Std R" panose="020B0400000000000000" pitchFamily="34" charset="-128"/>
+            </a:endParaRPr>
+          </a:p>
+        </p:txBody>
+      </p:sp>
+      <p:cxnSp>
+        <p:nvCxnSpPr>
+          <p:cNvPr id="183" name="直線接點 182"/>
+          <p:cNvCxnSpPr/>
+          <p:nvPr/>
+        </p:nvCxnSpPr>
+        <p:spPr>
+          <a:xfrm flipH="1">
+            <a:off x="7035322" y="4817130"/>
+            <a:ext cx="7808" cy="241643"/>
+          </a:xfrm>
+          <a:prstGeom prst="line">
+            <a:avLst/>
+          </a:prstGeom>
+          <a:ln w="19050">
+            <a:solidFill>
+              <a:srgbClr val="C00000"/>
+            </a:solidFill>
+          </a:ln>
+        </p:spPr>
+        <p:style>
+          <a:lnRef idx="1">
+            <a:schemeClr val="accent1"/>
+          </a:lnRef>
+          <a:fillRef idx="0">
+            <a:schemeClr val="accent1"/>
+          </a:fillRef>
+          <a:effectRef idx="0">
+            <a:schemeClr val="accent1"/>
+          </a:effectRef>
+          <a:fontRef idx="minor">
+            <a:schemeClr val="tx1"/>
+          </a:fontRef>
+        </p:style>
+      </p:cxnSp>
+      <p:sp>
+        <p:nvSpPr>
+          <p:cNvPr id="189" name="文字方塊 188"/>
+          <p:cNvSpPr txBox="1"/>
+          <p:nvPr/>
+        </p:nvSpPr>
+        <p:spPr>
+          <a:xfrm>
+            <a:off x="6978142" y="4817130"/>
+            <a:ext cx="469001" cy="276999"/>
+          </a:xfrm>
+          <a:prstGeom prst="rect">
+            <a:avLst/>
+          </a:prstGeom>
+          <a:noFill/>
+          <a:ln>
+            <a:noFill/>
+          </a:ln>
+        </p:spPr>
+        <p:txBody>
+          <a:bodyPr wrap="square" rtlCol="0">
+            <a:spAutoFit/>
+          </a:bodyPr>
+          <a:lstStyle/>
+          <a:p>
+            <a:r>
+              <a:rPr lang="en-US" altLang="zh-TW" sz="1200" dirty="0" smtClean="0">
+                <a:solidFill>
+                  <a:srgbClr val="C00000"/>
+                </a:solidFill>
+                <a:latin typeface="Adobe 黑体 Std R" panose="020B0400000000000000" pitchFamily="34" charset="-128"/>
+                <a:ea typeface="Adobe 黑体 Std R" panose="020B0400000000000000" pitchFamily="34" charset="-128"/>
+              </a:rPr>
+              <a:t>NO</a:t>
+            </a:r>
+            <a:endParaRPr lang="zh-TW" altLang="en-US" sz="1200" dirty="0">
+              <a:solidFill>
+                <a:srgbClr val="C00000"/>
+              </a:solidFill>
+              <a:latin typeface="Adobe 黑体 Std R" panose="020B0400000000000000" pitchFamily="34" charset="-128"/>
+              <a:ea typeface="Adobe 黑体 Std R" panose="020B0400000000000000" pitchFamily="34" charset="-128"/>
+            </a:endParaRPr>
+          </a:p>
+        </p:txBody>
+      </p:sp>
+      <p:cxnSp>
+        <p:nvCxnSpPr>
+          <p:cNvPr id="190" name="直線接點 189"/>
+          <p:cNvCxnSpPr/>
+          <p:nvPr/>
+        </p:nvCxnSpPr>
+        <p:spPr>
+          <a:xfrm flipV="1">
+            <a:off x="2192070" y="6167404"/>
+            <a:ext cx="4853833" cy="12838"/>
+          </a:xfrm>
+          <a:prstGeom prst="line">
+            <a:avLst/>
+          </a:prstGeom>
+          <a:ln w="19050">
+            <a:solidFill>
+              <a:srgbClr val="C00000"/>
+            </a:solidFill>
+          </a:ln>
+        </p:spPr>
+        <p:style>
+          <a:lnRef idx="1">
+            <a:schemeClr val="accent1"/>
+          </a:lnRef>
+          <a:fillRef idx="0">
+            <a:schemeClr val="accent1"/>
+          </a:fillRef>
+          <a:effectRef idx="0">
+            <a:schemeClr val="accent1"/>
+          </a:effectRef>
+          <a:fontRef idx="minor">
+            <a:schemeClr val="tx1"/>
+          </a:fontRef>
+        </p:style>
+      </p:cxnSp>
+      <p:cxnSp>
+        <p:nvCxnSpPr>
+          <p:cNvPr id="191" name="直線單箭頭接點 190"/>
+          <p:cNvCxnSpPr>
+            <a:endCxn id="10" idx="2"/>
+          </p:cNvCxnSpPr>
+          <p:nvPr/>
+        </p:nvCxnSpPr>
+        <p:spPr>
+          <a:xfrm flipH="1" flipV="1">
+            <a:off x="2178055" y="4095368"/>
+            <a:ext cx="15758" cy="2084874"/>
+          </a:xfrm>
+          <a:prstGeom prst="straightConnector1">
+            <a:avLst/>
+          </a:prstGeom>
+          <a:ln w="19050">
+            <a:solidFill>
+              <a:srgbClr val="C00000"/>
+            </a:solidFill>
+            <a:tailEnd type="triangle"/>
+          </a:ln>
+        </p:spPr>
+        <p:style>
+          <a:lnRef idx="1">
+            <a:schemeClr val="accent1"/>
+          </a:lnRef>
+          <a:fillRef idx="0">
+            <a:schemeClr val="accent1"/>
+          </a:fillRef>
+          <a:effectRef idx="0">
+            <a:schemeClr val="accent1"/>
+          </a:effectRef>
+          <a:fontRef idx="minor">
+            <a:schemeClr val="tx1"/>
+          </a:fontRef>
+        </p:style>
+      </p:cxnSp>
+      <p:cxnSp>
+        <p:nvCxnSpPr>
+          <p:cNvPr id="201" name="直線接點 200"/>
+          <p:cNvCxnSpPr/>
+          <p:nvPr/>
+        </p:nvCxnSpPr>
+        <p:spPr>
+          <a:xfrm>
+            <a:off x="2175922" y="5032251"/>
+            <a:ext cx="4855029" cy="26522"/>
+          </a:xfrm>
+          <a:prstGeom prst="line">
+            <a:avLst/>
+          </a:prstGeom>
+          <a:ln w="19050">
+            <a:solidFill>
+              <a:srgbClr val="C00000"/>
+            </a:solidFill>
+          </a:ln>
+        </p:spPr>
+        <p:style>
+          <a:lnRef idx="1">
+            <a:schemeClr val="accent1"/>
+          </a:lnRef>
+          <a:fillRef idx="0">
+            <a:schemeClr val="accent1"/>
+          </a:fillRef>
+          <a:effectRef idx="0">
+            <a:schemeClr val="accent1"/>
+          </a:effectRef>
+          <a:fontRef idx="minor">
+            <a:schemeClr val="tx1"/>
+          </a:fontRef>
+        </p:style>
+      </p:cxnSp>
+      <p:sp>
+        <p:nvSpPr>
+          <p:cNvPr id="216" name="文字方塊 215"/>
+          <p:cNvSpPr txBox="1"/>
+          <p:nvPr/>
+        </p:nvSpPr>
+        <p:spPr>
+          <a:xfrm>
+            <a:off x="4780850" y="5472534"/>
+            <a:ext cx="955186" cy="307777"/>
+          </a:xfrm>
+          <a:prstGeom prst="rect">
+            <a:avLst/>
+          </a:prstGeom>
+          <a:solidFill>
+            <a:srgbClr val="E0C286"/>
+          </a:solidFill>
+        </p:spPr>
+        <p:txBody>
+          <a:bodyPr wrap="square" rtlCol="0">
+            <a:spAutoFit/>
+          </a:bodyPr>
+          <a:lstStyle/>
+          <a:p>
+            <a:pPr algn="ctr"/>
+            <a:r>
+              <a:rPr lang="zh-TW" altLang="en-US" sz="1400" dirty="0" smtClean="0">
+                <a:solidFill>
+                  <a:schemeClr val="accent2">
+                    <a:lumMod val="50000"/>
+                  </a:schemeClr>
+                </a:solidFill>
+                <a:latin typeface="Adobe 黑体 Std R" panose="020B0400000000000000" pitchFamily="34" charset="-128"/>
+                <a:ea typeface="Adobe 黑体 Std R" panose="020B0400000000000000" pitchFamily="34" charset="-128"/>
+              </a:rPr>
+              <a:t>選擇品名</a:t>
+            </a:r>
+            <a:endParaRPr lang="zh-TW" altLang="en-US" sz="1400" dirty="0">
+              <a:solidFill>
+                <a:schemeClr val="accent2">
+                  <a:lumMod val="50000"/>
+                </a:schemeClr>
+              </a:solidFill>
+              <a:latin typeface="Adobe 黑体 Std R" panose="020B0400000000000000" pitchFamily="34" charset="-128"/>
+              <a:ea typeface="Adobe 黑体 Std R" panose="020B0400000000000000" pitchFamily="34" charset="-128"/>
+            </a:endParaRPr>
+          </a:p>
+        </p:txBody>
+      </p:sp>
+      <p:cxnSp>
+        <p:nvCxnSpPr>
+          <p:cNvPr id="217" name="直線單箭頭接點 216"/>
+          <p:cNvCxnSpPr>
+            <a:stCxn id="14" idx="3"/>
+            <a:endCxn id="216" idx="1"/>
+          </p:cNvCxnSpPr>
+          <p:nvPr/>
+        </p:nvCxnSpPr>
+        <p:spPr>
+          <a:xfrm flipV="1">
+            <a:off x="4506099" y="5626423"/>
+            <a:ext cx="274751" cy="1804"/>
+          </a:xfrm>
+          <a:prstGeom prst="straightConnector1">
+            <a:avLst/>
+          </a:prstGeom>
+          <a:ln w="28575">
+            <a:solidFill>
+              <a:schemeClr val="accent2">
+                <a:lumMod val="50000"/>
+              </a:schemeClr>
+            </a:solidFill>
+            <a:tailEnd type="triangle"/>
+          </a:ln>
+        </p:spPr>
+        <p:style>
+          <a:lnRef idx="1">
+            <a:schemeClr val="accent1"/>
+          </a:lnRef>
+          <a:fillRef idx="0">
+            <a:schemeClr val="accent1"/>
+          </a:fillRef>
+          <a:effectRef idx="0">
+            <a:schemeClr val="accent1"/>
+          </a:effectRef>
+          <a:fontRef idx="minor">
+            <a:schemeClr val="tx1"/>
+          </a:fontRef>
+        </p:style>
+      </p:cxnSp>
+      <p:sp>
+        <p:nvSpPr>
+          <p:cNvPr id="222" name="文字方塊 221"/>
+          <p:cNvSpPr txBox="1"/>
+          <p:nvPr/>
+        </p:nvSpPr>
+        <p:spPr>
+          <a:xfrm>
+            <a:off x="6135850" y="5320222"/>
+            <a:ext cx="1817714" cy="611386"/>
+          </a:xfrm>
+          <a:prstGeom prst="flowChartDecision">
+            <a:avLst/>
+          </a:prstGeom>
+          <a:solidFill>
+            <a:schemeClr val="accent1">
+              <a:lumMod val="20000"/>
+              <a:lumOff val="80000"/>
+            </a:schemeClr>
+          </a:solidFill>
+          <a:ln>
+            <a:solidFill>
+              <a:schemeClr val="accent1">
+                <a:lumMod val="50000"/>
+              </a:schemeClr>
+            </a:solidFill>
+          </a:ln>
+        </p:spPr>
+        <p:txBody>
+          <a:bodyPr wrap="square" rtlCol="0">
+            <a:spAutoFit/>
+          </a:bodyPr>
+          <a:lstStyle/>
+          <a:p>
+            <a:pPr algn="ctr"/>
+            <a:r>
+              <a:rPr lang="zh-TW" altLang="en-US" sz="1400" dirty="0" smtClean="0">
+                <a:solidFill>
+                  <a:schemeClr val="accent2">
+                    <a:lumMod val="50000"/>
+                  </a:schemeClr>
+                </a:solidFill>
+                <a:latin typeface="Adobe 黑体 Std R" panose="020B0400000000000000" pitchFamily="34" charset="-128"/>
+                <a:ea typeface="Adobe 黑体 Std R" panose="020B0400000000000000" pitchFamily="34" charset="-128"/>
+              </a:rPr>
+              <a:t>是否</a:t>
+            </a:r>
+            <a:r>
+              <a:rPr lang="zh-TW" altLang="en-US" sz="1400" dirty="0">
+                <a:solidFill>
+                  <a:schemeClr val="accent2">
+                    <a:lumMod val="50000"/>
+                  </a:schemeClr>
+                </a:solidFill>
+                <a:latin typeface="Adobe 黑体 Std R" panose="020B0400000000000000" pitchFamily="34" charset="-128"/>
+                <a:ea typeface="Adobe 黑体 Std R" panose="020B0400000000000000" pitchFamily="34" charset="-128"/>
+              </a:rPr>
+              <a:t>上傳</a:t>
+            </a:r>
+            <a:endParaRPr lang="zh-TW" altLang="en-US" sz="1400" dirty="0">
+              <a:solidFill>
+                <a:schemeClr val="accent2">
+                  <a:lumMod val="50000"/>
+                </a:schemeClr>
+              </a:solidFill>
+              <a:latin typeface="Adobe 黑体 Std R" panose="020B0400000000000000" pitchFamily="34" charset="-128"/>
+              <a:ea typeface="Adobe 黑体 Std R" panose="020B0400000000000000" pitchFamily="34" charset="-128"/>
+            </a:endParaRPr>
+          </a:p>
+        </p:txBody>
+      </p:sp>
+      <p:cxnSp>
+        <p:nvCxnSpPr>
+          <p:cNvPr id="223" name="直線單箭頭接點 222"/>
+          <p:cNvCxnSpPr>
+            <a:stCxn id="216" idx="3"/>
+            <a:endCxn id="222" idx="1"/>
+          </p:cNvCxnSpPr>
+          <p:nvPr/>
+        </p:nvCxnSpPr>
+        <p:spPr>
+          <a:xfrm flipV="1">
+            <a:off x="5736036" y="5625915"/>
+            <a:ext cx="399814" cy="508"/>
+          </a:xfrm>
+          <a:prstGeom prst="straightConnector1">
+            <a:avLst/>
+          </a:prstGeom>
+          <a:ln w="28575">
+            <a:solidFill>
+              <a:schemeClr val="accent2">
+                <a:lumMod val="50000"/>
+              </a:schemeClr>
+            </a:solidFill>
+            <a:tailEnd type="triangle"/>
+          </a:ln>
+        </p:spPr>
+        <p:style>
+          <a:lnRef idx="1">
+            <a:schemeClr val="accent1"/>
+          </a:lnRef>
+          <a:fillRef idx="0">
+            <a:schemeClr val="accent1"/>
+          </a:fillRef>
+          <a:effectRef idx="0">
+            <a:schemeClr val="accent1"/>
+          </a:effectRef>
+          <a:fontRef idx="minor">
+            <a:schemeClr val="tx1"/>
+          </a:fontRef>
+        </p:style>
+      </p:cxnSp>
+      <p:sp>
+        <p:nvSpPr>
+          <p:cNvPr id="224" name="文字方塊 223"/>
+          <p:cNvSpPr txBox="1"/>
+          <p:nvPr/>
+        </p:nvSpPr>
+        <p:spPr>
+          <a:xfrm>
+            <a:off x="8246043" y="5470223"/>
+            <a:ext cx="955186" cy="307777"/>
+          </a:xfrm>
+          <a:prstGeom prst="rect">
+            <a:avLst/>
+          </a:prstGeom>
+          <a:solidFill>
+            <a:srgbClr val="E0C286"/>
+          </a:solidFill>
+        </p:spPr>
+        <p:txBody>
+          <a:bodyPr wrap="square" rtlCol="0">
+            <a:spAutoFit/>
+          </a:bodyPr>
+          <a:lstStyle/>
+          <a:p>
+            <a:pPr algn="ctr"/>
+            <a:r>
+              <a:rPr lang="zh-TW" altLang="en-US" sz="1400" dirty="0" smtClean="0">
+                <a:solidFill>
+                  <a:schemeClr val="accent2">
+                    <a:lumMod val="50000"/>
+                  </a:schemeClr>
+                </a:solidFill>
+                <a:latin typeface="Adobe 黑体 Std R" panose="020B0400000000000000" pitchFamily="34" charset="-128"/>
+                <a:ea typeface="Adobe 黑体 Std R" panose="020B0400000000000000" pitchFamily="34" charset="-128"/>
+              </a:rPr>
+              <a:t>新增類別</a:t>
+            </a:r>
+            <a:endParaRPr lang="zh-TW" altLang="en-US" sz="1400" dirty="0">
+              <a:solidFill>
+                <a:schemeClr val="accent2">
+                  <a:lumMod val="50000"/>
+                </a:schemeClr>
+              </a:solidFill>
+              <a:latin typeface="Adobe 黑体 Std R" panose="020B0400000000000000" pitchFamily="34" charset="-128"/>
+              <a:ea typeface="Adobe 黑体 Std R" panose="020B0400000000000000" pitchFamily="34" charset="-128"/>
+            </a:endParaRPr>
+          </a:p>
+        </p:txBody>
+      </p:sp>
+      <p:cxnSp>
+        <p:nvCxnSpPr>
+          <p:cNvPr id="225" name="直線單箭頭接點 224"/>
+          <p:cNvCxnSpPr>
+            <a:stCxn id="222" idx="3"/>
+            <a:endCxn id="224" idx="1"/>
+          </p:cNvCxnSpPr>
+          <p:nvPr/>
+        </p:nvCxnSpPr>
+        <p:spPr>
+          <a:xfrm flipV="1">
+            <a:off x="7953564" y="5624112"/>
+            <a:ext cx="292479" cy="1803"/>
+          </a:xfrm>
+          <a:prstGeom prst="straightConnector1">
+            <a:avLst/>
+          </a:prstGeom>
+          <a:ln w="19050">
+            <a:solidFill>
+              <a:schemeClr val="accent1">
+                <a:lumMod val="50000"/>
+              </a:schemeClr>
+            </a:solidFill>
+            <a:tailEnd type="triangle"/>
+          </a:ln>
+        </p:spPr>
+        <p:style>
+          <a:lnRef idx="1">
+            <a:schemeClr val="accent1"/>
+          </a:lnRef>
+          <a:fillRef idx="0">
+            <a:schemeClr val="accent1"/>
+          </a:fillRef>
+          <a:effectRef idx="0">
+            <a:schemeClr val="accent1"/>
+          </a:effectRef>
+          <a:fontRef idx="minor">
+            <a:schemeClr val="tx1"/>
+          </a:fontRef>
+        </p:style>
+      </p:cxnSp>
+      <p:sp>
+        <p:nvSpPr>
+          <p:cNvPr id="226" name="文字方塊 225"/>
+          <p:cNvSpPr txBox="1"/>
+          <p:nvPr/>
+        </p:nvSpPr>
+        <p:spPr>
+          <a:xfrm>
+            <a:off x="7850389" y="5338370"/>
+            <a:ext cx="614162" cy="276999"/>
+          </a:xfrm>
+          <a:prstGeom prst="rect">
+            <a:avLst/>
+          </a:prstGeom>
+          <a:noFill/>
+          <a:ln>
+            <a:noFill/>
+          </a:ln>
+        </p:spPr>
+        <p:txBody>
+          <a:bodyPr wrap="square" rtlCol="0">
+            <a:spAutoFit/>
+          </a:bodyPr>
+          <a:lstStyle/>
+          <a:p>
+            <a:r>
+              <a:rPr lang="en-US" altLang="zh-TW" sz="1200" dirty="0" smtClean="0">
+                <a:solidFill>
+                  <a:schemeClr val="accent1">
+                    <a:lumMod val="50000"/>
+                  </a:schemeClr>
+                </a:solidFill>
+                <a:latin typeface="Adobe 黑体 Std R" panose="020B0400000000000000" pitchFamily="34" charset="-128"/>
+                <a:ea typeface="Adobe 黑体 Std R" panose="020B0400000000000000" pitchFamily="34" charset="-128"/>
+              </a:rPr>
+              <a:t>YES</a:t>
+            </a:r>
+            <a:endParaRPr lang="zh-TW" altLang="en-US" sz="1200" dirty="0">
+              <a:solidFill>
+                <a:schemeClr val="accent1">
+                  <a:lumMod val="50000"/>
+                </a:schemeClr>
+              </a:solidFill>
+              <a:latin typeface="Adobe 黑体 Std R" panose="020B0400000000000000" pitchFamily="34" charset="-128"/>
+              <a:ea typeface="Adobe 黑体 Std R" panose="020B0400000000000000" pitchFamily="34" charset="-128"/>
+            </a:endParaRPr>
+          </a:p>
+        </p:txBody>
+      </p:sp>
+      <p:cxnSp>
+        <p:nvCxnSpPr>
+          <p:cNvPr id="235" name="直線接點 234"/>
+          <p:cNvCxnSpPr>
+            <a:stCxn id="222" idx="2"/>
+          </p:cNvCxnSpPr>
+          <p:nvPr/>
+        </p:nvCxnSpPr>
+        <p:spPr>
+          <a:xfrm>
+            <a:off x="7044707" y="5931608"/>
+            <a:ext cx="2392" cy="239167"/>
+          </a:xfrm>
+          <a:prstGeom prst="line">
+            <a:avLst/>
+          </a:prstGeom>
+          <a:ln w="19050">
+            <a:solidFill>
+              <a:srgbClr val="C00000"/>
+            </a:solidFill>
+          </a:ln>
+        </p:spPr>
+        <p:style>
+          <a:lnRef idx="1">
+            <a:schemeClr val="accent1"/>
+          </a:lnRef>
+          <a:fillRef idx="0">
+            <a:schemeClr val="accent1"/>
+          </a:fillRef>
+          <a:effectRef idx="0">
+            <a:schemeClr val="accent1"/>
+          </a:effectRef>
+          <a:fontRef idx="minor">
+            <a:schemeClr val="tx1"/>
+          </a:fontRef>
+        </p:style>
+      </p:cxnSp>
+      <p:sp>
+        <p:nvSpPr>
+          <p:cNvPr id="238" name="文字方塊 237"/>
+          <p:cNvSpPr txBox="1"/>
+          <p:nvPr/>
+        </p:nvSpPr>
+        <p:spPr>
+          <a:xfrm>
+            <a:off x="7031671" y="5903243"/>
+            <a:ext cx="469001" cy="276999"/>
+          </a:xfrm>
+          <a:prstGeom prst="rect">
+            <a:avLst/>
+          </a:prstGeom>
+          <a:noFill/>
+          <a:ln>
+            <a:noFill/>
+          </a:ln>
+        </p:spPr>
+        <p:txBody>
+          <a:bodyPr wrap="square" rtlCol="0">
+            <a:spAutoFit/>
+          </a:bodyPr>
+          <a:lstStyle/>
+          <a:p>
+            <a:r>
+              <a:rPr lang="en-US" altLang="zh-TW" sz="1200" dirty="0" smtClean="0">
+                <a:solidFill>
+                  <a:srgbClr val="C00000"/>
+                </a:solidFill>
+                <a:latin typeface="Adobe 黑体 Std R" panose="020B0400000000000000" pitchFamily="34" charset="-128"/>
+                <a:ea typeface="Adobe 黑体 Std R" panose="020B0400000000000000" pitchFamily="34" charset="-128"/>
+              </a:rPr>
+              <a:t>NO</a:t>
+            </a:r>
+            <a:endParaRPr lang="zh-TW" altLang="en-US" sz="1200" dirty="0">
+              <a:solidFill>
+                <a:srgbClr val="C00000"/>
+              </a:solidFill>
+              <a:latin typeface="Adobe 黑体 Std R" panose="020B0400000000000000" pitchFamily="34" charset="-128"/>
+              <a:ea typeface="Adobe 黑体 Std R" panose="020B0400000000000000" pitchFamily="34" charset="-128"/>
+            </a:endParaRPr>
+          </a:p>
+        </p:txBody>
+      </p:sp>
+      <p:cxnSp>
+        <p:nvCxnSpPr>
+          <p:cNvPr id="241" name="直線接點 240"/>
+          <p:cNvCxnSpPr>
+            <a:stCxn id="10" idx="3"/>
+          </p:cNvCxnSpPr>
+          <p:nvPr/>
+        </p:nvCxnSpPr>
+        <p:spPr>
+          <a:xfrm flipV="1">
+            <a:off x="2824260" y="3941479"/>
+            <a:ext cx="174733" cy="1"/>
+          </a:xfrm>
+          <a:prstGeom prst="line">
+            <a:avLst/>
+          </a:prstGeom>
+          <a:ln w="28575">
+            <a:solidFill>
+              <a:schemeClr val="accent2">
+                <a:lumMod val="50000"/>
+              </a:schemeClr>
+            </a:solidFill>
+          </a:ln>
+        </p:spPr>
+        <p:style>
+          <a:lnRef idx="1">
+            <a:schemeClr val="accent1"/>
+          </a:lnRef>
+          <a:fillRef idx="0">
+            <a:schemeClr val="accent1"/>
+          </a:fillRef>
+          <a:effectRef idx="0">
+            <a:schemeClr val="accent1"/>
+          </a:effectRef>
+          <a:fontRef idx="minor">
+            <a:schemeClr val="tx1"/>
+          </a:fontRef>
+        </p:style>
+      </p:cxnSp>
+    </p:spTree>
+    <p:extLst>
+      <p:ext uri="{BB962C8B-B14F-4D97-AF65-F5344CB8AC3E}">
+        <p14:creationId xmlns:p14="http://schemas.microsoft.com/office/powerpoint/2010/main" val="3528520687"/>
+      </p:ext>
+    </p:extLst>
+  </p:cSld>
+  <p:clrMapOvr>
+    <a:masterClrMapping/>
+  </p:clrMapOvr>
+  <p:timing>
+    <p:tnLst>
+      <p:par>
+        <p:cTn id="1" dur="indefinite" restart="never" nodeType="tmRoot"/>
+      </p:par>
+    </p:tnLst>
+  </p:timing>
+</p:sld>
+</file>
+
+<file path=ppt/slides/slide11.xml><?xml version="1.0" encoding="utf-8"?>
+<p:sld xmlns:a="http://schemas.openxmlformats.org/drawingml/2006/main" xmlns:r="http://schemas.openxmlformats.org/officeDocument/2006/relationships" xmlns:p="http://schemas.openxmlformats.org/presentationml/2006/main">
+  <p:cSld>
+    <p:bg>
+      <p:bgPr>
+        <a:blipFill>
+          <a:blip r:embed="rId2"/>
+          <a:tile tx="0" ty="0" sx="100000" sy="100000" flip="none" algn="tl"/>
+        </a:blipFill>
+        <a:effectLst/>
+      </p:bgPr>
+    </p:bg>
+    <p:spTree>
+      <p:nvGrpSpPr>
+        <p:cNvPr id="1" name=""/>
+        <p:cNvGrpSpPr/>
+        <p:nvPr/>
+      </p:nvGrpSpPr>
+      <p:grpSpPr>
+        <a:xfrm>
+          <a:off x="0" y="0"/>
+          <a:ext cx="0" cy="0"/>
+          <a:chOff x="0" y="0"/>
+          <a:chExt cx="0" cy="0"/>
+        </a:xfrm>
+      </p:grpSpPr>
+      <p:sp>
+        <p:nvSpPr>
+          <p:cNvPr id="4" name="文字方塊 3"/>
+          <p:cNvSpPr txBox="1"/>
+          <p:nvPr/>
+        </p:nvSpPr>
+        <p:spPr>
+          <a:xfrm>
+            <a:off x="4455587" y="2058028"/>
+            <a:ext cx="955186" cy="307777"/>
+          </a:xfrm>
+          <a:prstGeom prst="rect">
+            <a:avLst/>
+          </a:prstGeom>
+          <a:solidFill>
+            <a:srgbClr val="E0C286"/>
+          </a:solidFill>
+        </p:spPr>
+        <p:txBody>
+          <a:bodyPr wrap="square" rtlCol="0">
+            <a:spAutoFit/>
+          </a:bodyPr>
+          <a:lstStyle/>
+          <a:p>
+            <a:pPr algn="ctr"/>
+            <a:r>
+              <a:rPr lang="zh-TW" altLang="en-US" sz="1400" dirty="0" smtClean="0">
+                <a:solidFill>
+                  <a:schemeClr val="accent2">
+                    <a:lumMod val="50000"/>
+                  </a:schemeClr>
+                </a:solidFill>
+                <a:latin typeface="Adobe 黑体 Std R" panose="020B0400000000000000" pitchFamily="34" charset="-128"/>
+                <a:ea typeface="Adobe 黑体 Std R" panose="020B0400000000000000" pitchFamily="34" charset="-128"/>
+              </a:rPr>
+              <a:t>付款方</a:t>
+            </a:r>
+            <a:r>
+              <a:rPr lang="zh-TW" altLang="en-US" sz="1400" dirty="0">
+                <a:solidFill>
+                  <a:schemeClr val="accent2">
+                    <a:lumMod val="50000"/>
+                  </a:schemeClr>
+                </a:solidFill>
+                <a:latin typeface="Adobe 黑体 Std R" panose="020B0400000000000000" pitchFamily="34" charset="-128"/>
+                <a:ea typeface="Adobe 黑体 Std R" panose="020B0400000000000000" pitchFamily="34" charset="-128"/>
+              </a:rPr>
+              <a:t>式</a:t>
+            </a:r>
+            <a:endParaRPr lang="zh-TW" altLang="en-US" sz="1400" dirty="0">
+              <a:solidFill>
+                <a:schemeClr val="accent2">
+                  <a:lumMod val="50000"/>
+                </a:schemeClr>
+              </a:solidFill>
+              <a:latin typeface="Adobe 黑体 Std R" panose="020B0400000000000000" pitchFamily="34" charset="-128"/>
+              <a:ea typeface="Adobe 黑体 Std R" panose="020B0400000000000000" pitchFamily="34" charset="-128"/>
+            </a:endParaRPr>
+          </a:p>
+        </p:txBody>
+      </p:sp>
+      <p:sp>
+        <p:nvSpPr>
+          <p:cNvPr id="5" name="文字方塊 4"/>
+          <p:cNvSpPr txBox="1"/>
+          <p:nvPr/>
+        </p:nvSpPr>
+        <p:spPr>
+          <a:xfrm>
+            <a:off x="4459177" y="3254131"/>
+            <a:ext cx="955186" cy="307777"/>
+          </a:xfrm>
+          <a:prstGeom prst="rect">
+            <a:avLst/>
+          </a:prstGeom>
+          <a:solidFill>
+            <a:srgbClr val="E0C286"/>
+          </a:solidFill>
+        </p:spPr>
+        <p:txBody>
+          <a:bodyPr wrap="square" rtlCol="0">
+            <a:spAutoFit/>
+          </a:bodyPr>
+          <a:lstStyle/>
+          <a:p>
+            <a:pPr algn="ctr"/>
+            <a:r>
+              <a:rPr lang="zh-TW" altLang="en-US" sz="1400" dirty="0" smtClean="0">
+                <a:solidFill>
+                  <a:schemeClr val="accent2">
+                    <a:lumMod val="50000"/>
+                  </a:schemeClr>
+                </a:solidFill>
+                <a:latin typeface="Adobe 黑体 Std R" panose="020B0400000000000000" pitchFamily="34" charset="-128"/>
+                <a:ea typeface="Adobe 黑体 Std R" panose="020B0400000000000000" pitchFamily="34" charset="-128"/>
+              </a:rPr>
+              <a:t>日期</a:t>
+            </a:r>
+            <a:endParaRPr lang="zh-TW" altLang="en-US" sz="1400" dirty="0">
+              <a:solidFill>
+                <a:schemeClr val="accent2">
+                  <a:lumMod val="50000"/>
+                </a:schemeClr>
+              </a:solidFill>
+              <a:latin typeface="Adobe 黑体 Std R" panose="020B0400000000000000" pitchFamily="34" charset="-128"/>
+              <a:ea typeface="Adobe 黑体 Std R" panose="020B0400000000000000" pitchFamily="34" charset="-128"/>
+            </a:endParaRPr>
+          </a:p>
+        </p:txBody>
+      </p:sp>
+      <p:sp>
+        <p:nvSpPr>
+          <p:cNvPr id="6" name="文字方塊 5"/>
+          <p:cNvSpPr txBox="1"/>
+          <p:nvPr/>
+        </p:nvSpPr>
+        <p:spPr>
+          <a:xfrm>
+            <a:off x="4475655" y="4360935"/>
+            <a:ext cx="955186" cy="307777"/>
+          </a:xfrm>
+          <a:prstGeom prst="rect">
+            <a:avLst/>
+          </a:prstGeom>
+          <a:solidFill>
+            <a:srgbClr val="E0C286"/>
+          </a:solidFill>
+        </p:spPr>
+        <p:txBody>
+          <a:bodyPr wrap="square" rtlCol="0">
+            <a:spAutoFit/>
+          </a:bodyPr>
+          <a:lstStyle/>
+          <a:p>
+            <a:pPr algn="ctr"/>
+            <a:r>
+              <a:rPr lang="zh-TW" altLang="en-US" sz="1400" dirty="0">
+                <a:solidFill>
+                  <a:schemeClr val="accent2">
+                    <a:lumMod val="50000"/>
+                  </a:schemeClr>
+                </a:solidFill>
+                <a:latin typeface="Adobe 黑体 Std R" panose="020B0400000000000000" pitchFamily="34" charset="-128"/>
+                <a:ea typeface="Adobe 黑体 Std R" panose="020B0400000000000000" pitchFamily="34" charset="-128"/>
+              </a:rPr>
+              <a:t>備註</a:t>
+            </a:r>
+            <a:endParaRPr lang="zh-TW" altLang="en-US" sz="1400" dirty="0">
+              <a:solidFill>
+                <a:schemeClr val="accent2">
+                  <a:lumMod val="50000"/>
+                </a:schemeClr>
+              </a:solidFill>
+              <a:latin typeface="Adobe 黑体 Std R" panose="020B0400000000000000" pitchFamily="34" charset="-128"/>
+              <a:ea typeface="Adobe 黑体 Std R" panose="020B0400000000000000" pitchFamily="34" charset="-128"/>
+            </a:endParaRPr>
+          </a:p>
+        </p:txBody>
+      </p:sp>
+      <p:sp>
+        <p:nvSpPr>
+          <p:cNvPr id="7" name="文字方塊 6"/>
+          <p:cNvSpPr txBox="1"/>
+          <p:nvPr/>
+        </p:nvSpPr>
+        <p:spPr>
+          <a:xfrm>
+            <a:off x="4455587" y="5472534"/>
+            <a:ext cx="955186" cy="307777"/>
+          </a:xfrm>
+          <a:prstGeom prst="rect">
+            <a:avLst/>
+          </a:prstGeom>
+          <a:solidFill>
+            <a:srgbClr val="E0C286"/>
+          </a:solidFill>
+        </p:spPr>
+        <p:txBody>
+          <a:bodyPr wrap="square" rtlCol="0">
+            <a:spAutoFit/>
+          </a:bodyPr>
+          <a:lstStyle/>
+          <a:p>
+            <a:pPr algn="ctr"/>
+            <a:r>
+              <a:rPr lang="zh-TW" altLang="en-US" sz="1400" dirty="0" smtClean="0">
+                <a:solidFill>
+                  <a:schemeClr val="accent2">
+                    <a:lumMod val="50000"/>
+                  </a:schemeClr>
+                </a:solidFill>
+                <a:latin typeface="Adobe 黑体 Std R" panose="020B0400000000000000" pitchFamily="34" charset="-128"/>
+                <a:ea typeface="Adobe 黑体 Std R" panose="020B0400000000000000" pitchFamily="34" charset="-128"/>
+              </a:rPr>
+              <a:t>週期性</a:t>
+            </a:r>
+            <a:endParaRPr lang="zh-TW" altLang="en-US" sz="1400" dirty="0">
+              <a:solidFill>
+                <a:schemeClr val="accent2">
+                  <a:lumMod val="50000"/>
+                </a:schemeClr>
+              </a:solidFill>
+              <a:latin typeface="Adobe 黑体 Std R" panose="020B0400000000000000" pitchFamily="34" charset="-128"/>
+              <a:ea typeface="Adobe 黑体 Std R" panose="020B0400000000000000" pitchFamily="34" charset="-128"/>
+            </a:endParaRPr>
+          </a:p>
+        </p:txBody>
+      </p:sp>
+      <p:sp>
+        <p:nvSpPr>
+          <p:cNvPr id="12" name="標題 3"/>
+          <p:cNvSpPr txBox="1">
+            <a:spLocks/>
+          </p:cNvSpPr>
+          <p:nvPr/>
+        </p:nvSpPr>
+        <p:spPr>
+          <a:xfrm>
+            <a:off x="521321" y="356003"/>
+            <a:ext cx="9875520" cy="1356360"/>
+          </a:xfrm>
+          <a:prstGeom prst="rect">
+            <a:avLst/>
+          </a:prstGeom>
+        </p:spPr>
+        <p:txBody>
+          <a:bodyPr vert="horz" lIns="91440" tIns="45720" rIns="91440" bIns="45720" rtlCol="0" anchor="ctr">
+            <a:normAutofit/>
+          </a:bodyPr>
+          <a:lstStyle>
+            <a:lvl1pPr algn="l" defTabSz="914400" rtl="0" eaLnBrk="1" latinLnBrk="0" hangingPunct="1">
+              <a:lnSpc>
+                <a:spcPct val="90000"/>
+              </a:lnSpc>
+              <a:spcBef>
+                <a:spcPct val="0"/>
+              </a:spcBef>
+              <a:buNone/>
+              <a:defRPr sz="4400" kern="1200">
+                <a:solidFill>
+                  <a:schemeClr val="tx1"/>
+                </a:solidFill>
+                <a:latin typeface="+mj-lt"/>
+                <a:ea typeface="+mj-ea"/>
+                <a:cs typeface="+mj-cs"/>
+              </a:defRPr>
+            </a:lvl1pPr>
+          </a:lstStyle>
+          <a:p>
+            <a:r>
+              <a:rPr lang="en-US" altLang="zh-TW" dirty="0" smtClean="0"/>
+              <a:t>3.1</a:t>
+            </a:r>
+            <a:r>
+              <a:rPr lang="zh-TW" altLang="en-US" dirty="0" smtClean="0"/>
+              <a:t> </a:t>
+            </a:r>
+            <a:r>
+              <a:rPr lang="zh-TW" altLang="en-US" dirty="0" smtClean="0">
+                <a:latin typeface="Adobe 黑体 Std R" panose="020B0400000000000000" pitchFamily="34" charset="-128"/>
+                <a:ea typeface="Adobe 黑体 Std R" panose="020B0400000000000000" pitchFamily="34" charset="-128"/>
+              </a:rPr>
+              <a:t>新增帳務 </a:t>
+            </a:r>
+            <a:r>
+              <a:rPr lang="en-US" altLang="zh-TW" dirty="0" smtClean="0">
+                <a:latin typeface="Adobe 黑体 Std R" panose="020B0400000000000000" pitchFamily="34" charset="-128"/>
+                <a:ea typeface="Adobe 黑体 Std R" panose="020B0400000000000000" pitchFamily="34" charset="-128"/>
+              </a:rPr>
+              <a:t>-</a:t>
+            </a:r>
+            <a:r>
+              <a:rPr lang="zh-TW" altLang="en-US" dirty="0" smtClean="0">
+                <a:latin typeface="Adobe 黑体 Std R" panose="020B0400000000000000" pitchFamily="34" charset="-128"/>
+                <a:ea typeface="Adobe 黑体 Std R" panose="020B0400000000000000" pitchFamily="34" charset="-128"/>
+              </a:rPr>
+              <a:t> </a:t>
+            </a:r>
+            <a:r>
+              <a:rPr lang="en-US" altLang="zh-TW" dirty="0" smtClean="0">
+                <a:latin typeface="Adobe 黑体 Std R" panose="020B0400000000000000" pitchFamily="34" charset="-128"/>
+                <a:ea typeface="Adobe 黑体 Std R" panose="020B0400000000000000" pitchFamily="34" charset="-128"/>
+              </a:rPr>
+              <a:t>2</a:t>
+            </a:r>
+            <a:endParaRPr lang="zh-TW" altLang="en-US" dirty="0">
+              <a:latin typeface="Adobe 黑体 Std R" panose="020B0400000000000000" pitchFamily="34" charset="-128"/>
+              <a:ea typeface="Adobe 黑体 Std R" panose="020B0400000000000000" pitchFamily="34" charset="-128"/>
+            </a:endParaRPr>
+          </a:p>
+        </p:txBody>
+      </p:sp>
+      <p:sp>
+        <p:nvSpPr>
+          <p:cNvPr id="13" name="文字方塊 12"/>
+          <p:cNvSpPr txBox="1"/>
+          <p:nvPr/>
+        </p:nvSpPr>
+        <p:spPr>
+          <a:xfrm>
+            <a:off x="1294459" y="3787591"/>
+            <a:ext cx="914400" cy="307777"/>
+          </a:xfrm>
+          <a:prstGeom prst="rect">
+            <a:avLst/>
+          </a:prstGeom>
+          <a:solidFill>
+            <a:srgbClr val="E0C286"/>
+          </a:solidFill>
+        </p:spPr>
+        <p:txBody>
+          <a:bodyPr wrap="square" rtlCol="0">
+            <a:spAutoFit/>
+          </a:bodyPr>
+          <a:lstStyle/>
+          <a:p>
+            <a:pPr algn="ctr"/>
+            <a:r>
+              <a:rPr lang="zh-TW" altLang="en-US" sz="1400" dirty="0" smtClean="0">
+                <a:solidFill>
+                  <a:schemeClr val="accent2">
+                    <a:lumMod val="50000"/>
+                  </a:schemeClr>
+                </a:solidFill>
+                <a:latin typeface="Adobe 黑体 Std R" panose="020B0400000000000000" pitchFamily="34" charset="-128"/>
+                <a:ea typeface="Adobe 黑体 Std R" panose="020B0400000000000000" pitchFamily="34" charset="-128"/>
+              </a:rPr>
+              <a:t>帳務頁面</a:t>
+            </a:r>
+            <a:endParaRPr lang="zh-TW" altLang="en-US" sz="1400" dirty="0">
+              <a:solidFill>
+                <a:schemeClr val="accent2">
+                  <a:lumMod val="50000"/>
+                </a:schemeClr>
+              </a:solidFill>
+              <a:latin typeface="Adobe 黑体 Std R" panose="020B0400000000000000" pitchFamily="34" charset="-128"/>
+              <a:ea typeface="Adobe 黑体 Std R" panose="020B0400000000000000" pitchFamily="34" charset="-128"/>
+            </a:endParaRPr>
+          </a:p>
+        </p:txBody>
+      </p:sp>
+      <p:sp>
+        <p:nvSpPr>
+          <p:cNvPr id="14" name="文字方塊 13"/>
+          <p:cNvSpPr txBox="1"/>
+          <p:nvPr/>
+        </p:nvSpPr>
+        <p:spPr>
+          <a:xfrm>
+            <a:off x="2436523" y="3787591"/>
+            <a:ext cx="1292411" cy="307777"/>
+          </a:xfrm>
+          <a:prstGeom prst="rect">
+            <a:avLst/>
+          </a:prstGeom>
+          <a:solidFill>
+            <a:srgbClr val="E0C286"/>
+          </a:solidFill>
+        </p:spPr>
+        <p:txBody>
+          <a:bodyPr wrap="square" rtlCol="0">
+            <a:spAutoFit/>
+          </a:bodyPr>
+          <a:lstStyle/>
+          <a:p>
+            <a:pPr algn="ctr"/>
+            <a:r>
+              <a:rPr lang="zh-TW" altLang="en-US" sz="1400" dirty="0" smtClean="0">
+                <a:solidFill>
+                  <a:schemeClr val="accent2">
+                    <a:lumMod val="50000"/>
+                  </a:schemeClr>
+                </a:solidFill>
+                <a:latin typeface="Adobe 黑体 Std R" panose="020B0400000000000000" pitchFamily="34" charset="-128"/>
+                <a:ea typeface="Adobe 黑体 Std R" panose="020B0400000000000000" pitchFamily="34" charset="-128"/>
+              </a:rPr>
+              <a:t>新增帳</a:t>
+            </a:r>
+            <a:r>
+              <a:rPr lang="zh-TW" altLang="en-US" sz="1400" dirty="0" smtClean="0">
+                <a:solidFill>
+                  <a:schemeClr val="accent2">
+                    <a:lumMod val="50000"/>
+                  </a:schemeClr>
+                </a:solidFill>
+                <a:latin typeface="Adobe 黑体 Std R" panose="020B0400000000000000" pitchFamily="34" charset="-128"/>
+                <a:ea typeface="Adobe 黑体 Std R" panose="020B0400000000000000" pitchFamily="34" charset="-128"/>
+              </a:rPr>
+              <a:t>務頁面</a:t>
+            </a:r>
+            <a:endParaRPr lang="zh-TW" altLang="en-US" sz="1400" dirty="0">
+              <a:solidFill>
+                <a:schemeClr val="accent2">
+                  <a:lumMod val="50000"/>
+                </a:schemeClr>
+              </a:solidFill>
+              <a:latin typeface="Adobe 黑体 Std R" panose="020B0400000000000000" pitchFamily="34" charset="-128"/>
+              <a:ea typeface="Adobe 黑体 Std R" panose="020B0400000000000000" pitchFamily="34" charset="-128"/>
+            </a:endParaRPr>
+          </a:p>
+        </p:txBody>
+      </p:sp>
+      <p:sp>
+        <p:nvSpPr>
+          <p:cNvPr id="19" name="文字方塊 18"/>
+          <p:cNvSpPr txBox="1"/>
+          <p:nvPr/>
+        </p:nvSpPr>
+        <p:spPr>
+          <a:xfrm>
+            <a:off x="7407867" y="1908418"/>
+            <a:ext cx="1817714" cy="611386"/>
+          </a:xfrm>
+          <a:prstGeom prst="flowChartDecision">
+            <a:avLst/>
+          </a:prstGeom>
+          <a:solidFill>
+            <a:schemeClr val="accent1">
+              <a:lumMod val="20000"/>
+              <a:lumOff val="80000"/>
+            </a:schemeClr>
+          </a:solidFill>
+          <a:ln>
+            <a:solidFill>
+              <a:schemeClr val="accent1">
+                <a:lumMod val="50000"/>
+              </a:schemeClr>
+            </a:solidFill>
+          </a:ln>
+        </p:spPr>
+        <p:txBody>
+          <a:bodyPr wrap="square" rtlCol="0">
+            <a:spAutoFit/>
+          </a:bodyPr>
+          <a:lstStyle/>
+          <a:p>
+            <a:pPr algn="ctr"/>
+            <a:r>
+              <a:rPr lang="zh-TW" altLang="en-US" sz="1400" dirty="0" smtClean="0">
+                <a:solidFill>
+                  <a:schemeClr val="accent2">
+                    <a:lumMod val="50000"/>
+                  </a:schemeClr>
+                </a:solidFill>
+                <a:latin typeface="Adobe 黑体 Std R" panose="020B0400000000000000" pitchFamily="34" charset="-128"/>
+                <a:ea typeface="Adobe 黑体 Std R" panose="020B0400000000000000" pitchFamily="34" charset="-128"/>
+              </a:rPr>
+              <a:t>是否上傳</a:t>
+            </a:r>
+            <a:endParaRPr lang="zh-TW" altLang="en-US" sz="1400" dirty="0">
+              <a:solidFill>
+                <a:schemeClr val="accent2">
+                  <a:lumMod val="50000"/>
+                </a:schemeClr>
+              </a:solidFill>
+              <a:latin typeface="Adobe 黑体 Std R" panose="020B0400000000000000" pitchFamily="34" charset="-128"/>
+              <a:ea typeface="Adobe 黑体 Std R" panose="020B0400000000000000" pitchFamily="34" charset="-128"/>
+            </a:endParaRPr>
+          </a:p>
+        </p:txBody>
+      </p:sp>
+      <p:sp>
+        <p:nvSpPr>
+          <p:cNvPr id="23" name="文字方塊 22"/>
+          <p:cNvSpPr txBox="1"/>
+          <p:nvPr/>
+        </p:nvSpPr>
+        <p:spPr>
+          <a:xfrm>
+            <a:off x="9541149" y="2057387"/>
+            <a:ext cx="1258060" cy="307777"/>
+          </a:xfrm>
+          <a:prstGeom prst="rect">
+            <a:avLst/>
+          </a:prstGeom>
+          <a:solidFill>
+            <a:srgbClr val="E0C286"/>
+          </a:solidFill>
+        </p:spPr>
+        <p:txBody>
+          <a:bodyPr wrap="square" rtlCol="0">
+            <a:spAutoFit/>
+          </a:bodyPr>
+          <a:lstStyle/>
+          <a:p>
+            <a:pPr algn="ctr"/>
+            <a:r>
+              <a:rPr lang="zh-TW" altLang="en-US" sz="1400" dirty="0" smtClean="0">
+                <a:solidFill>
+                  <a:schemeClr val="accent2">
+                    <a:lumMod val="50000"/>
+                  </a:schemeClr>
+                </a:solidFill>
+                <a:latin typeface="Adobe 黑体 Std R" panose="020B0400000000000000" pitchFamily="34" charset="-128"/>
+                <a:ea typeface="Adobe 黑体 Std R" panose="020B0400000000000000" pitchFamily="34" charset="-128"/>
+              </a:rPr>
+              <a:t>新增付款方式</a:t>
+            </a:r>
+            <a:endParaRPr lang="zh-TW" altLang="en-US" sz="1400" dirty="0">
+              <a:solidFill>
+                <a:schemeClr val="accent2">
+                  <a:lumMod val="50000"/>
+                </a:schemeClr>
+              </a:solidFill>
+              <a:latin typeface="Adobe 黑体 Std R" panose="020B0400000000000000" pitchFamily="34" charset="-128"/>
+              <a:ea typeface="Adobe 黑体 Std R" panose="020B0400000000000000" pitchFamily="34" charset="-128"/>
+            </a:endParaRPr>
+          </a:p>
+        </p:txBody>
+      </p:sp>
+      <p:cxnSp>
+        <p:nvCxnSpPr>
+          <p:cNvPr id="24" name="直線單箭頭接點 23"/>
+          <p:cNvCxnSpPr>
+            <a:stCxn id="13" idx="3"/>
+            <a:endCxn id="14" idx="1"/>
+          </p:cNvCxnSpPr>
+          <p:nvPr/>
+        </p:nvCxnSpPr>
+        <p:spPr>
+          <a:xfrm>
+            <a:off x="2208859" y="3941480"/>
+            <a:ext cx="227664" cy="0"/>
+          </a:xfrm>
+          <a:prstGeom prst="straightConnector1">
+            <a:avLst/>
+          </a:prstGeom>
+          <a:ln w="28575">
+            <a:solidFill>
+              <a:schemeClr val="accent2">
+                <a:lumMod val="50000"/>
+              </a:schemeClr>
+            </a:solidFill>
+            <a:tailEnd type="triangle"/>
+          </a:ln>
+        </p:spPr>
+        <p:style>
+          <a:lnRef idx="1">
+            <a:schemeClr val="accent1"/>
+          </a:lnRef>
+          <a:fillRef idx="0">
+            <a:schemeClr val="accent1"/>
+          </a:fillRef>
+          <a:effectRef idx="0">
+            <a:schemeClr val="accent1"/>
+          </a:effectRef>
+          <a:fontRef idx="minor">
+            <a:schemeClr val="tx1"/>
+          </a:fontRef>
+        </p:style>
+      </p:cxnSp>
+      <p:cxnSp>
+        <p:nvCxnSpPr>
+          <p:cNvPr id="25" name="直線接點 24"/>
+          <p:cNvCxnSpPr/>
+          <p:nvPr/>
+        </p:nvCxnSpPr>
+        <p:spPr>
+          <a:xfrm>
+            <a:off x="3910626" y="2210472"/>
+            <a:ext cx="0" cy="3412947"/>
+          </a:xfrm>
+          <a:prstGeom prst="line">
+            <a:avLst/>
+          </a:prstGeom>
+          <a:ln w="28575">
+            <a:solidFill>
+              <a:schemeClr val="accent2">
+                <a:lumMod val="50000"/>
+              </a:schemeClr>
+            </a:solidFill>
+          </a:ln>
+        </p:spPr>
+        <p:style>
+          <a:lnRef idx="1">
+            <a:schemeClr val="accent1"/>
+          </a:lnRef>
+          <a:fillRef idx="0">
+            <a:schemeClr val="accent1"/>
+          </a:fillRef>
+          <a:effectRef idx="0">
+            <a:schemeClr val="accent1"/>
+          </a:effectRef>
+          <a:fontRef idx="minor">
+            <a:schemeClr val="tx1"/>
+          </a:fontRef>
+        </p:style>
+      </p:cxnSp>
+      <p:cxnSp>
+        <p:nvCxnSpPr>
+          <p:cNvPr id="26" name="直線單箭頭接點 25"/>
+          <p:cNvCxnSpPr>
+            <a:endCxn id="4" idx="1"/>
+          </p:cNvCxnSpPr>
+          <p:nvPr/>
+        </p:nvCxnSpPr>
+        <p:spPr>
+          <a:xfrm>
+            <a:off x="3917586" y="2205664"/>
+            <a:ext cx="538001" cy="6253"/>
+          </a:xfrm>
+          <a:prstGeom prst="straightConnector1">
+            <a:avLst/>
+          </a:prstGeom>
+          <a:ln w="28575">
+            <a:solidFill>
+              <a:schemeClr val="accent2">
+                <a:lumMod val="50000"/>
+              </a:schemeClr>
+            </a:solidFill>
+            <a:tailEnd type="triangle"/>
+          </a:ln>
+        </p:spPr>
+        <p:style>
+          <a:lnRef idx="1">
+            <a:schemeClr val="accent1"/>
+          </a:lnRef>
+          <a:fillRef idx="0">
+            <a:schemeClr val="accent1"/>
+          </a:fillRef>
+          <a:effectRef idx="0">
+            <a:schemeClr val="accent1"/>
+          </a:effectRef>
+          <a:fontRef idx="minor">
+            <a:schemeClr val="tx1"/>
+          </a:fontRef>
+        </p:style>
+      </p:cxnSp>
+      <p:cxnSp>
+        <p:nvCxnSpPr>
+          <p:cNvPr id="27" name="直線單箭頭接點 26"/>
+          <p:cNvCxnSpPr>
+            <a:endCxn id="5" idx="1"/>
+          </p:cNvCxnSpPr>
+          <p:nvPr/>
+        </p:nvCxnSpPr>
+        <p:spPr>
+          <a:xfrm>
+            <a:off x="3933470" y="3408020"/>
+            <a:ext cx="525707" cy="0"/>
+          </a:xfrm>
+          <a:prstGeom prst="straightConnector1">
+            <a:avLst/>
+          </a:prstGeom>
+          <a:ln w="28575">
+            <a:solidFill>
+              <a:schemeClr val="accent2">
+                <a:lumMod val="50000"/>
+              </a:schemeClr>
+            </a:solidFill>
+            <a:tailEnd type="triangle"/>
+          </a:ln>
+        </p:spPr>
+        <p:style>
+          <a:lnRef idx="1">
+            <a:schemeClr val="accent1"/>
+          </a:lnRef>
+          <a:fillRef idx="0">
+            <a:schemeClr val="accent1"/>
+          </a:fillRef>
+          <a:effectRef idx="0">
+            <a:schemeClr val="accent1"/>
+          </a:effectRef>
+          <a:fontRef idx="minor">
+            <a:schemeClr val="tx1"/>
+          </a:fontRef>
+        </p:style>
+      </p:cxnSp>
+      <p:cxnSp>
+        <p:nvCxnSpPr>
+          <p:cNvPr id="28" name="直線單箭頭接點 27"/>
+          <p:cNvCxnSpPr>
+            <a:endCxn id="6" idx="1"/>
+          </p:cNvCxnSpPr>
+          <p:nvPr/>
+        </p:nvCxnSpPr>
+        <p:spPr>
+          <a:xfrm>
+            <a:off x="3910626" y="4513241"/>
+            <a:ext cx="565029" cy="1583"/>
+          </a:xfrm>
+          <a:prstGeom prst="straightConnector1">
+            <a:avLst/>
+          </a:prstGeom>
+          <a:ln w="28575">
+            <a:solidFill>
+              <a:schemeClr val="accent2">
+                <a:lumMod val="50000"/>
+              </a:schemeClr>
+            </a:solidFill>
+            <a:tailEnd type="triangle"/>
+          </a:ln>
+        </p:spPr>
+        <p:style>
+          <a:lnRef idx="1">
+            <a:schemeClr val="accent1"/>
+          </a:lnRef>
+          <a:fillRef idx="0">
+            <a:schemeClr val="accent1"/>
+          </a:fillRef>
+          <a:effectRef idx="0">
+            <a:schemeClr val="accent1"/>
+          </a:effectRef>
+          <a:fontRef idx="minor">
+            <a:schemeClr val="tx1"/>
+          </a:fontRef>
+        </p:style>
+      </p:cxnSp>
+      <p:cxnSp>
+        <p:nvCxnSpPr>
+          <p:cNvPr id="29" name="直線單箭頭接點 28"/>
+          <p:cNvCxnSpPr>
+            <a:stCxn id="97" idx="3"/>
+            <a:endCxn id="19" idx="1"/>
+          </p:cNvCxnSpPr>
+          <p:nvPr/>
+        </p:nvCxnSpPr>
+        <p:spPr>
+          <a:xfrm flipV="1">
+            <a:off x="7017939" y="2214111"/>
+            <a:ext cx="389928" cy="1930"/>
+          </a:xfrm>
+          <a:prstGeom prst="straightConnector1">
+            <a:avLst/>
+          </a:prstGeom>
+          <a:ln w="28575">
+            <a:solidFill>
+              <a:schemeClr val="accent2">
+                <a:lumMod val="50000"/>
+              </a:schemeClr>
+            </a:solidFill>
+            <a:tailEnd type="triangle"/>
+          </a:ln>
+        </p:spPr>
+        <p:style>
+          <a:lnRef idx="1">
+            <a:schemeClr val="accent1"/>
+          </a:lnRef>
+          <a:fillRef idx="0">
+            <a:schemeClr val="accent1"/>
+          </a:fillRef>
+          <a:effectRef idx="0">
+            <a:schemeClr val="accent1"/>
+          </a:effectRef>
+          <a:fontRef idx="minor">
+            <a:schemeClr val="tx1"/>
+          </a:fontRef>
+        </p:style>
+      </p:cxnSp>
+      <p:sp>
+        <p:nvSpPr>
+          <p:cNvPr id="40" name="文字方塊 39"/>
+          <p:cNvSpPr txBox="1"/>
+          <p:nvPr/>
+        </p:nvSpPr>
+        <p:spPr>
+          <a:xfrm>
+            <a:off x="9125779" y="1954158"/>
+            <a:ext cx="614162" cy="276999"/>
+          </a:xfrm>
+          <a:prstGeom prst="rect">
+            <a:avLst/>
+          </a:prstGeom>
+          <a:noFill/>
+          <a:ln>
+            <a:noFill/>
+          </a:ln>
+        </p:spPr>
+        <p:txBody>
+          <a:bodyPr wrap="square" rtlCol="0">
+            <a:spAutoFit/>
+          </a:bodyPr>
+          <a:lstStyle/>
+          <a:p>
+            <a:r>
+              <a:rPr lang="en-US" altLang="zh-TW" sz="1200" dirty="0" smtClean="0">
+                <a:solidFill>
+                  <a:schemeClr val="accent1">
+                    <a:lumMod val="50000"/>
+                  </a:schemeClr>
+                </a:solidFill>
+                <a:latin typeface="Adobe 黑体 Std R" panose="020B0400000000000000" pitchFamily="34" charset="-128"/>
+                <a:ea typeface="Adobe 黑体 Std R" panose="020B0400000000000000" pitchFamily="34" charset="-128"/>
+              </a:rPr>
+              <a:t>YES</a:t>
+            </a:r>
+          </a:p>
+        </p:txBody>
+      </p:sp>
+      <p:cxnSp>
+        <p:nvCxnSpPr>
+          <p:cNvPr id="41" name="直線單箭頭接點 40"/>
+          <p:cNvCxnSpPr>
+            <a:endCxn id="7" idx="1"/>
+          </p:cNvCxnSpPr>
+          <p:nvPr/>
+        </p:nvCxnSpPr>
+        <p:spPr>
+          <a:xfrm>
+            <a:off x="3903667" y="5623419"/>
+            <a:ext cx="551920" cy="3004"/>
+          </a:xfrm>
+          <a:prstGeom prst="straightConnector1">
+            <a:avLst/>
+          </a:prstGeom>
+          <a:ln w="28575">
+            <a:solidFill>
+              <a:schemeClr val="accent2">
+                <a:lumMod val="50000"/>
+              </a:schemeClr>
+            </a:solidFill>
+            <a:tailEnd type="triangle"/>
+          </a:ln>
+        </p:spPr>
+        <p:style>
+          <a:lnRef idx="1">
+            <a:schemeClr val="accent1"/>
+          </a:lnRef>
+          <a:fillRef idx="0">
+            <a:schemeClr val="accent1"/>
+          </a:fillRef>
+          <a:effectRef idx="0">
+            <a:schemeClr val="accent1"/>
+          </a:effectRef>
+          <a:fontRef idx="minor">
+            <a:schemeClr val="tx1"/>
+          </a:fontRef>
+        </p:style>
+      </p:cxnSp>
+      <p:cxnSp>
+        <p:nvCxnSpPr>
+          <p:cNvPr id="42" name="直線接點 41"/>
+          <p:cNvCxnSpPr>
+            <a:stCxn id="19" idx="0"/>
+          </p:cNvCxnSpPr>
+          <p:nvPr/>
+        </p:nvCxnSpPr>
+        <p:spPr>
+          <a:xfrm flipV="1">
+            <a:off x="8316724" y="1682371"/>
+            <a:ext cx="0" cy="226047"/>
+          </a:xfrm>
+          <a:prstGeom prst="line">
+            <a:avLst/>
+          </a:prstGeom>
+          <a:ln w="19050">
+            <a:solidFill>
+              <a:srgbClr val="C00000"/>
+            </a:solidFill>
+          </a:ln>
+        </p:spPr>
+        <p:style>
+          <a:lnRef idx="1">
+            <a:schemeClr val="accent1"/>
+          </a:lnRef>
+          <a:fillRef idx="0">
+            <a:schemeClr val="accent1"/>
+          </a:fillRef>
+          <a:effectRef idx="0">
+            <a:schemeClr val="accent1"/>
+          </a:effectRef>
+          <a:fontRef idx="minor">
+            <a:schemeClr val="tx1"/>
+          </a:fontRef>
+        </p:style>
+      </p:cxnSp>
+      <p:cxnSp>
+        <p:nvCxnSpPr>
+          <p:cNvPr id="44" name="直線接點 43"/>
+          <p:cNvCxnSpPr/>
+          <p:nvPr/>
+        </p:nvCxnSpPr>
+        <p:spPr>
+          <a:xfrm flipV="1">
+            <a:off x="3067579" y="1668438"/>
+            <a:ext cx="5259831" cy="13912"/>
+          </a:xfrm>
+          <a:prstGeom prst="line">
+            <a:avLst/>
+          </a:prstGeom>
+          <a:ln w="19050">
+            <a:solidFill>
+              <a:srgbClr val="C00000"/>
+            </a:solidFill>
+          </a:ln>
+        </p:spPr>
+        <p:style>
+          <a:lnRef idx="1">
+            <a:schemeClr val="accent1"/>
+          </a:lnRef>
+          <a:fillRef idx="0">
+            <a:schemeClr val="accent1"/>
+          </a:fillRef>
+          <a:effectRef idx="0">
+            <a:schemeClr val="accent1"/>
+          </a:effectRef>
+          <a:fontRef idx="minor">
+            <a:schemeClr val="tx1"/>
+          </a:fontRef>
+        </p:style>
+      </p:cxnSp>
+      <p:cxnSp>
+        <p:nvCxnSpPr>
+          <p:cNvPr id="45" name="直線單箭頭接點 44"/>
+          <p:cNvCxnSpPr>
+            <a:endCxn id="14" idx="0"/>
+          </p:cNvCxnSpPr>
+          <p:nvPr/>
+        </p:nvCxnSpPr>
+        <p:spPr>
+          <a:xfrm>
+            <a:off x="3080596" y="1682350"/>
+            <a:ext cx="2133" cy="2105241"/>
+          </a:xfrm>
+          <a:prstGeom prst="straightConnector1">
+            <a:avLst/>
+          </a:prstGeom>
+          <a:ln w="19050">
+            <a:solidFill>
+              <a:srgbClr val="C00000"/>
+            </a:solidFill>
+            <a:tailEnd type="triangle"/>
+          </a:ln>
+        </p:spPr>
+        <p:style>
+          <a:lnRef idx="1">
+            <a:schemeClr val="accent1"/>
+          </a:lnRef>
+          <a:fillRef idx="0">
+            <a:schemeClr val="accent1"/>
+          </a:fillRef>
+          <a:effectRef idx="0">
+            <a:schemeClr val="accent1"/>
+          </a:effectRef>
+          <a:fontRef idx="minor">
+            <a:schemeClr val="tx1"/>
+          </a:fontRef>
+        </p:style>
+      </p:cxnSp>
+      <p:sp>
+        <p:nvSpPr>
+          <p:cNvPr id="47" name="文字方塊 46"/>
+          <p:cNvSpPr txBox="1"/>
+          <p:nvPr/>
+        </p:nvSpPr>
+        <p:spPr>
+          <a:xfrm>
+            <a:off x="8299851" y="1670590"/>
+            <a:ext cx="455212" cy="276999"/>
+          </a:xfrm>
+          <a:prstGeom prst="rect">
+            <a:avLst/>
+          </a:prstGeom>
+          <a:noFill/>
+          <a:ln>
+            <a:noFill/>
+          </a:ln>
+        </p:spPr>
+        <p:txBody>
+          <a:bodyPr wrap="square" rtlCol="0">
+            <a:spAutoFit/>
+          </a:bodyPr>
+          <a:lstStyle/>
+          <a:p>
+            <a:r>
+              <a:rPr lang="en-US" altLang="zh-TW" sz="1200" dirty="0" smtClean="0">
+                <a:solidFill>
+                  <a:srgbClr val="C00000"/>
+                </a:solidFill>
+                <a:latin typeface="Adobe 黑体 Std R" panose="020B0400000000000000" pitchFamily="34" charset="-128"/>
+                <a:ea typeface="Adobe 黑体 Std R" panose="020B0400000000000000" pitchFamily="34" charset="-128"/>
+              </a:rPr>
+              <a:t>NO</a:t>
+            </a:r>
+            <a:endParaRPr lang="zh-TW" altLang="en-US" sz="1200" dirty="0">
+              <a:solidFill>
+                <a:srgbClr val="C00000"/>
+              </a:solidFill>
+              <a:latin typeface="Adobe 黑体 Std R" panose="020B0400000000000000" pitchFamily="34" charset="-128"/>
+              <a:ea typeface="Adobe 黑体 Std R" panose="020B0400000000000000" pitchFamily="34" charset="-128"/>
+            </a:endParaRPr>
+          </a:p>
+        </p:txBody>
+      </p:sp>
+      <p:sp>
+        <p:nvSpPr>
+          <p:cNvPr id="48" name="文字方塊 47"/>
+          <p:cNvSpPr txBox="1"/>
+          <p:nvPr/>
+        </p:nvSpPr>
+        <p:spPr>
+          <a:xfrm>
+            <a:off x="7018765" y="3102327"/>
+            <a:ext cx="1817714" cy="611386"/>
+          </a:xfrm>
+          <a:prstGeom prst="flowChartDecision">
+            <a:avLst/>
+          </a:prstGeom>
+          <a:solidFill>
+            <a:schemeClr val="accent1">
+              <a:lumMod val="20000"/>
+              <a:lumOff val="80000"/>
+            </a:schemeClr>
+          </a:solidFill>
+          <a:ln>
+            <a:solidFill>
+              <a:schemeClr val="accent1">
+                <a:lumMod val="50000"/>
+              </a:schemeClr>
+            </a:solidFill>
+          </a:ln>
+        </p:spPr>
+        <p:txBody>
+          <a:bodyPr wrap="square" rtlCol="0">
+            <a:spAutoFit/>
+          </a:bodyPr>
+          <a:lstStyle/>
+          <a:p>
+            <a:pPr algn="ctr"/>
+            <a:r>
+              <a:rPr lang="zh-TW" altLang="en-US" sz="1400" dirty="0" smtClean="0">
+                <a:solidFill>
+                  <a:schemeClr val="accent2">
+                    <a:lumMod val="50000"/>
+                  </a:schemeClr>
+                </a:solidFill>
+                <a:latin typeface="Adobe 黑体 Std R" panose="020B0400000000000000" pitchFamily="34" charset="-128"/>
+                <a:ea typeface="Adobe 黑体 Std R" panose="020B0400000000000000" pitchFamily="34" charset="-128"/>
+              </a:rPr>
+              <a:t>是否</a:t>
+            </a:r>
+            <a:r>
+              <a:rPr lang="zh-TW" altLang="en-US" sz="1400" dirty="0">
+                <a:solidFill>
+                  <a:schemeClr val="accent2">
+                    <a:lumMod val="50000"/>
+                  </a:schemeClr>
+                </a:solidFill>
+                <a:latin typeface="Adobe 黑体 Std R" panose="020B0400000000000000" pitchFamily="34" charset="-128"/>
+                <a:ea typeface="Adobe 黑体 Std R" panose="020B0400000000000000" pitchFamily="34" charset="-128"/>
+              </a:rPr>
+              <a:t>上傳</a:t>
+            </a:r>
+            <a:endParaRPr lang="zh-TW" altLang="en-US" sz="1400" dirty="0">
+              <a:solidFill>
+                <a:schemeClr val="accent2">
+                  <a:lumMod val="50000"/>
+                </a:schemeClr>
+              </a:solidFill>
+              <a:latin typeface="Adobe 黑体 Std R" panose="020B0400000000000000" pitchFamily="34" charset="-128"/>
+              <a:ea typeface="Adobe 黑体 Std R" panose="020B0400000000000000" pitchFamily="34" charset="-128"/>
+            </a:endParaRPr>
+          </a:p>
+        </p:txBody>
+      </p:sp>
+      <p:cxnSp>
+        <p:nvCxnSpPr>
+          <p:cNvPr id="49" name="直線單箭頭接點 48"/>
+          <p:cNvCxnSpPr>
+            <a:stCxn id="90" idx="3"/>
+            <a:endCxn id="48" idx="1"/>
+          </p:cNvCxnSpPr>
+          <p:nvPr/>
+        </p:nvCxnSpPr>
+        <p:spPr>
+          <a:xfrm flipV="1">
+            <a:off x="6640710" y="3408020"/>
+            <a:ext cx="378055" cy="542"/>
+          </a:xfrm>
+          <a:prstGeom prst="straightConnector1">
+            <a:avLst/>
+          </a:prstGeom>
+          <a:ln w="28575">
+            <a:solidFill>
+              <a:schemeClr val="accent2">
+                <a:lumMod val="50000"/>
+              </a:schemeClr>
+            </a:solidFill>
+            <a:tailEnd type="triangle"/>
+          </a:ln>
+        </p:spPr>
+        <p:style>
+          <a:lnRef idx="1">
+            <a:schemeClr val="accent1"/>
+          </a:lnRef>
+          <a:fillRef idx="0">
+            <a:schemeClr val="accent1"/>
+          </a:fillRef>
+          <a:effectRef idx="0">
+            <a:schemeClr val="accent1"/>
+          </a:effectRef>
+          <a:fontRef idx="minor">
+            <a:schemeClr val="tx1"/>
+          </a:fontRef>
+        </p:style>
+      </p:cxnSp>
+      <p:sp>
+        <p:nvSpPr>
+          <p:cNvPr id="50" name="文字方塊 49"/>
+          <p:cNvSpPr txBox="1"/>
+          <p:nvPr/>
+        </p:nvSpPr>
+        <p:spPr>
+          <a:xfrm>
+            <a:off x="9095376" y="3254131"/>
+            <a:ext cx="955186" cy="307777"/>
+          </a:xfrm>
+          <a:prstGeom prst="rect">
+            <a:avLst/>
+          </a:prstGeom>
+          <a:solidFill>
+            <a:srgbClr val="E0C286"/>
+          </a:solidFill>
+        </p:spPr>
+        <p:txBody>
+          <a:bodyPr wrap="square" rtlCol="0">
+            <a:spAutoFit/>
+          </a:bodyPr>
+          <a:lstStyle/>
+          <a:p>
+            <a:pPr algn="ctr"/>
+            <a:r>
+              <a:rPr lang="zh-TW" altLang="en-US" sz="1400" dirty="0" smtClean="0">
+                <a:solidFill>
+                  <a:schemeClr val="accent2">
+                    <a:lumMod val="50000"/>
+                  </a:schemeClr>
+                </a:solidFill>
+                <a:latin typeface="Adobe 黑体 Std R" panose="020B0400000000000000" pitchFamily="34" charset="-128"/>
+                <a:ea typeface="Adobe 黑体 Std R" panose="020B0400000000000000" pitchFamily="34" charset="-128"/>
+              </a:rPr>
+              <a:t>新增價錢</a:t>
+            </a:r>
+            <a:endParaRPr lang="zh-TW" altLang="en-US" sz="1400" dirty="0">
+              <a:solidFill>
+                <a:schemeClr val="accent2">
+                  <a:lumMod val="50000"/>
+                </a:schemeClr>
+              </a:solidFill>
+              <a:latin typeface="Adobe 黑体 Std R" panose="020B0400000000000000" pitchFamily="34" charset="-128"/>
+              <a:ea typeface="Adobe 黑体 Std R" panose="020B0400000000000000" pitchFamily="34" charset="-128"/>
+            </a:endParaRPr>
+          </a:p>
+        </p:txBody>
+      </p:sp>
+      <p:cxnSp>
+        <p:nvCxnSpPr>
+          <p:cNvPr id="51" name="直線單箭頭接點 50"/>
+          <p:cNvCxnSpPr>
+            <a:stCxn id="48" idx="3"/>
+            <a:endCxn id="50" idx="1"/>
+          </p:cNvCxnSpPr>
+          <p:nvPr/>
+        </p:nvCxnSpPr>
+        <p:spPr>
+          <a:xfrm>
+            <a:off x="8836479" y="3408020"/>
+            <a:ext cx="258897" cy="0"/>
+          </a:xfrm>
+          <a:prstGeom prst="straightConnector1">
+            <a:avLst/>
+          </a:prstGeom>
+          <a:ln w="19050">
+            <a:solidFill>
+              <a:schemeClr val="accent1">
+                <a:lumMod val="50000"/>
+              </a:schemeClr>
+            </a:solidFill>
+            <a:tailEnd type="triangle"/>
+          </a:ln>
+        </p:spPr>
+        <p:style>
+          <a:lnRef idx="1">
+            <a:schemeClr val="accent1"/>
+          </a:lnRef>
+          <a:fillRef idx="0">
+            <a:schemeClr val="accent1"/>
+          </a:fillRef>
+          <a:effectRef idx="0">
+            <a:schemeClr val="accent1"/>
+          </a:effectRef>
+          <a:fontRef idx="minor">
+            <a:schemeClr val="tx1"/>
+          </a:fontRef>
+        </p:style>
+      </p:cxnSp>
+      <p:sp>
+        <p:nvSpPr>
+          <p:cNvPr id="52" name="文字方塊 51"/>
+          <p:cNvSpPr txBox="1"/>
+          <p:nvPr/>
+        </p:nvSpPr>
+        <p:spPr>
+          <a:xfrm>
+            <a:off x="8697759" y="3134114"/>
+            <a:ext cx="614162" cy="276999"/>
+          </a:xfrm>
+          <a:prstGeom prst="rect">
+            <a:avLst/>
+          </a:prstGeom>
+          <a:noFill/>
+          <a:ln>
+            <a:noFill/>
+          </a:ln>
+        </p:spPr>
+        <p:txBody>
+          <a:bodyPr wrap="square" rtlCol="0">
+            <a:spAutoFit/>
+          </a:bodyPr>
+          <a:lstStyle/>
+          <a:p>
+            <a:r>
+              <a:rPr lang="en-US" altLang="zh-TW" sz="1200" dirty="0" smtClean="0">
+                <a:solidFill>
+                  <a:schemeClr val="accent1">
+                    <a:lumMod val="50000"/>
+                  </a:schemeClr>
+                </a:solidFill>
+                <a:latin typeface="Adobe 黑体 Std R" panose="020B0400000000000000" pitchFamily="34" charset="-128"/>
+                <a:ea typeface="Adobe 黑体 Std R" panose="020B0400000000000000" pitchFamily="34" charset="-128"/>
+              </a:rPr>
+              <a:t>YES</a:t>
+            </a:r>
+            <a:endParaRPr lang="zh-TW" altLang="en-US" sz="1200" dirty="0">
+              <a:solidFill>
+                <a:schemeClr val="accent1">
+                  <a:lumMod val="50000"/>
+                </a:schemeClr>
+              </a:solidFill>
+              <a:latin typeface="Adobe 黑体 Std R" panose="020B0400000000000000" pitchFamily="34" charset="-128"/>
+              <a:ea typeface="Adobe 黑体 Std R" panose="020B0400000000000000" pitchFamily="34" charset="-128"/>
+            </a:endParaRPr>
+          </a:p>
+        </p:txBody>
+      </p:sp>
+      <p:cxnSp>
+        <p:nvCxnSpPr>
+          <p:cNvPr id="53" name="直線接點 52"/>
+          <p:cNvCxnSpPr>
+            <a:stCxn id="48" idx="0"/>
+          </p:cNvCxnSpPr>
+          <p:nvPr/>
+        </p:nvCxnSpPr>
+        <p:spPr>
+          <a:xfrm flipV="1">
+            <a:off x="7927622" y="2910720"/>
+            <a:ext cx="0" cy="191607"/>
+          </a:xfrm>
+          <a:prstGeom prst="line">
+            <a:avLst/>
+          </a:prstGeom>
+          <a:ln w="19050">
+            <a:solidFill>
+              <a:srgbClr val="C00000"/>
+            </a:solidFill>
+          </a:ln>
+        </p:spPr>
+        <p:style>
+          <a:lnRef idx="1">
+            <a:schemeClr val="accent1"/>
+          </a:lnRef>
+          <a:fillRef idx="0">
+            <a:schemeClr val="accent1"/>
+          </a:fillRef>
+          <a:effectRef idx="0">
+            <a:schemeClr val="accent1"/>
+          </a:effectRef>
+          <a:fontRef idx="minor">
+            <a:schemeClr val="tx1"/>
+          </a:fontRef>
+        </p:style>
+      </p:cxnSp>
+      <p:cxnSp>
+        <p:nvCxnSpPr>
+          <p:cNvPr id="54" name="直線接點 53"/>
+          <p:cNvCxnSpPr/>
+          <p:nvPr/>
+        </p:nvCxnSpPr>
+        <p:spPr>
+          <a:xfrm>
+            <a:off x="3092713" y="2914267"/>
+            <a:ext cx="4844637" cy="0"/>
+          </a:xfrm>
+          <a:prstGeom prst="line">
+            <a:avLst/>
+          </a:prstGeom>
+          <a:ln w="19050">
+            <a:solidFill>
+              <a:srgbClr val="C00000"/>
+            </a:solidFill>
+          </a:ln>
+        </p:spPr>
+        <p:style>
+          <a:lnRef idx="1">
+            <a:schemeClr val="accent1"/>
+          </a:lnRef>
+          <a:fillRef idx="0">
+            <a:schemeClr val="accent1"/>
+          </a:fillRef>
+          <a:effectRef idx="0">
+            <a:schemeClr val="accent1"/>
+          </a:effectRef>
+          <a:fontRef idx="minor">
+            <a:schemeClr val="tx1"/>
+          </a:fontRef>
+        </p:style>
+      </p:cxnSp>
+      <p:sp>
+        <p:nvSpPr>
+          <p:cNvPr id="55" name="文字方塊 54"/>
+          <p:cNvSpPr txBox="1"/>
+          <p:nvPr/>
+        </p:nvSpPr>
+        <p:spPr>
+          <a:xfrm>
+            <a:off x="7905038" y="2881536"/>
+            <a:ext cx="432212" cy="276999"/>
+          </a:xfrm>
+          <a:prstGeom prst="rect">
+            <a:avLst/>
+          </a:prstGeom>
+          <a:noFill/>
+          <a:ln>
+            <a:noFill/>
+          </a:ln>
+        </p:spPr>
+        <p:txBody>
+          <a:bodyPr wrap="square" rtlCol="0">
+            <a:spAutoFit/>
+          </a:bodyPr>
+          <a:lstStyle/>
+          <a:p>
+            <a:r>
+              <a:rPr lang="en-US" altLang="zh-TW" sz="1200" dirty="0" smtClean="0">
+                <a:solidFill>
+                  <a:srgbClr val="C00000"/>
+                </a:solidFill>
+                <a:latin typeface="Adobe 黑体 Std R" panose="020B0400000000000000" pitchFamily="34" charset="-128"/>
+                <a:ea typeface="Adobe 黑体 Std R" panose="020B0400000000000000" pitchFamily="34" charset="-128"/>
+              </a:rPr>
+              <a:t>NO</a:t>
+            </a:r>
+            <a:endParaRPr lang="zh-TW" altLang="en-US" sz="1200" dirty="0">
+              <a:solidFill>
+                <a:srgbClr val="C00000"/>
+              </a:solidFill>
+              <a:latin typeface="Adobe 黑体 Std R" panose="020B0400000000000000" pitchFamily="34" charset="-128"/>
+              <a:ea typeface="Adobe 黑体 Std R" panose="020B0400000000000000" pitchFamily="34" charset="-128"/>
+            </a:endParaRPr>
+          </a:p>
+        </p:txBody>
+      </p:sp>
+      <p:sp>
+        <p:nvSpPr>
+          <p:cNvPr id="56" name="文字方塊 55"/>
+          <p:cNvSpPr txBox="1"/>
+          <p:nvPr/>
+        </p:nvSpPr>
+        <p:spPr>
+          <a:xfrm>
+            <a:off x="5687463" y="4357549"/>
+            <a:ext cx="955186" cy="307777"/>
+          </a:xfrm>
+          <a:prstGeom prst="rect">
+            <a:avLst/>
+          </a:prstGeom>
+          <a:solidFill>
+            <a:srgbClr val="E0C286"/>
+          </a:solidFill>
+        </p:spPr>
+        <p:txBody>
+          <a:bodyPr wrap="square" rtlCol="0">
+            <a:spAutoFit/>
+          </a:bodyPr>
+          <a:lstStyle/>
+          <a:p>
+            <a:pPr algn="ctr"/>
+            <a:r>
+              <a:rPr lang="zh-TW" altLang="en-US" sz="1400" dirty="0" smtClean="0">
+                <a:solidFill>
+                  <a:schemeClr val="accent2">
+                    <a:lumMod val="50000"/>
+                  </a:schemeClr>
+                </a:solidFill>
+                <a:latin typeface="Adobe 黑体 Std R" panose="020B0400000000000000" pitchFamily="34" charset="-128"/>
+                <a:ea typeface="Adobe 黑体 Std R" panose="020B0400000000000000" pitchFamily="34" charset="-128"/>
+              </a:rPr>
+              <a:t>輸入備註</a:t>
+            </a:r>
+            <a:endParaRPr lang="zh-TW" altLang="en-US" sz="1400" dirty="0">
+              <a:solidFill>
+                <a:schemeClr val="accent2">
+                  <a:lumMod val="50000"/>
+                </a:schemeClr>
+              </a:solidFill>
+              <a:latin typeface="Adobe 黑体 Std R" panose="020B0400000000000000" pitchFamily="34" charset="-128"/>
+              <a:ea typeface="Adobe 黑体 Std R" panose="020B0400000000000000" pitchFamily="34" charset="-128"/>
+            </a:endParaRPr>
+          </a:p>
+        </p:txBody>
+      </p:sp>
+      <p:cxnSp>
+        <p:nvCxnSpPr>
+          <p:cNvPr id="57" name="直線單箭頭接點 56"/>
+          <p:cNvCxnSpPr>
+            <a:stCxn id="6" idx="3"/>
+            <a:endCxn id="56" idx="1"/>
+          </p:cNvCxnSpPr>
+          <p:nvPr/>
+        </p:nvCxnSpPr>
+        <p:spPr>
+          <a:xfrm flipV="1">
+            <a:off x="5430841" y="4511438"/>
+            <a:ext cx="256622" cy="3386"/>
+          </a:xfrm>
+          <a:prstGeom prst="straightConnector1">
+            <a:avLst/>
+          </a:prstGeom>
+          <a:ln w="28575">
+            <a:solidFill>
+              <a:schemeClr val="accent2">
+                <a:lumMod val="50000"/>
+              </a:schemeClr>
+            </a:solidFill>
+            <a:tailEnd type="triangle"/>
+          </a:ln>
+        </p:spPr>
+        <p:style>
+          <a:lnRef idx="1">
+            <a:schemeClr val="accent1"/>
+          </a:lnRef>
+          <a:fillRef idx="0">
+            <a:schemeClr val="accent1"/>
+          </a:fillRef>
+          <a:effectRef idx="0">
+            <a:schemeClr val="accent1"/>
+          </a:effectRef>
+          <a:fontRef idx="minor">
+            <a:schemeClr val="tx1"/>
+          </a:fontRef>
+        </p:style>
+      </p:cxnSp>
+      <p:sp>
+        <p:nvSpPr>
+          <p:cNvPr id="58" name="文字方塊 57"/>
+          <p:cNvSpPr txBox="1"/>
+          <p:nvPr/>
+        </p:nvSpPr>
+        <p:spPr>
+          <a:xfrm>
+            <a:off x="7028333" y="4207548"/>
+            <a:ext cx="1817714" cy="611386"/>
+          </a:xfrm>
+          <a:prstGeom prst="flowChartDecision">
+            <a:avLst/>
+          </a:prstGeom>
+          <a:solidFill>
+            <a:schemeClr val="accent1">
+              <a:lumMod val="20000"/>
+              <a:lumOff val="80000"/>
+            </a:schemeClr>
+          </a:solidFill>
+          <a:ln>
+            <a:solidFill>
+              <a:schemeClr val="accent1">
+                <a:lumMod val="50000"/>
+              </a:schemeClr>
+            </a:solidFill>
+          </a:ln>
+        </p:spPr>
+        <p:txBody>
+          <a:bodyPr wrap="square" rtlCol="0">
+            <a:spAutoFit/>
+          </a:bodyPr>
+          <a:lstStyle/>
+          <a:p>
+            <a:pPr algn="ctr"/>
+            <a:r>
+              <a:rPr lang="zh-TW" altLang="en-US" sz="1400" dirty="0" smtClean="0">
+                <a:solidFill>
+                  <a:schemeClr val="accent2">
+                    <a:lumMod val="50000"/>
+                  </a:schemeClr>
+                </a:solidFill>
+                <a:latin typeface="Adobe 黑体 Std R" panose="020B0400000000000000" pitchFamily="34" charset="-128"/>
+                <a:ea typeface="Adobe 黑体 Std R" panose="020B0400000000000000" pitchFamily="34" charset="-128"/>
+              </a:rPr>
+              <a:t>是否</a:t>
+            </a:r>
+            <a:r>
+              <a:rPr lang="zh-TW" altLang="en-US" sz="1400" dirty="0">
+                <a:solidFill>
+                  <a:schemeClr val="accent2">
+                    <a:lumMod val="50000"/>
+                  </a:schemeClr>
+                </a:solidFill>
+                <a:latin typeface="Adobe 黑体 Std R" panose="020B0400000000000000" pitchFamily="34" charset="-128"/>
+                <a:ea typeface="Adobe 黑体 Std R" panose="020B0400000000000000" pitchFamily="34" charset="-128"/>
+              </a:rPr>
+              <a:t>上傳</a:t>
+            </a:r>
+            <a:endParaRPr lang="zh-TW" altLang="en-US" sz="1400" dirty="0">
+              <a:solidFill>
+                <a:schemeClr val="accent2">
+                  <a:lumMod val="50000"/>
+                </a:schemeClr>
+              </a:solidFill>
+              <a:latin typeface="Adobe 黑体 Std R" panose="020B0400000000000000" pitchFamily="34" charset="-128"/>
+              <a:ea typeface="Adobe 黑体 Std R" panose="020B0400000000000000" pitchFamily="34" charset="-128"/>
+            </a:endParaRPr>
+          </a:p>
+        </p:txBody>
+      </p:sp>
+      <p:cxnSp>
+        <p:nvCxnSpPr>
+          <p:cNvPr id="59" name="直線單箭頭接點 58"/>
+          <p:cNvCxnSpPr>
+            <a:stCxn id="56" idx="3"/>
+            <a:endCxn id="58" idx="1"/>
+          </p:cNvCxnSpPr>
+          <p:nvPr/>
+        </p:nvCxnSpPr>
+        <p:spPr>
+          <a:xfrm>
+            <a:off x="6642649" y="4511438"/>
+            <a:ext cx="385684" cy="1803"/>
+          </a:xfrm>
+          <a:prstGeom prst="straightConnector1">
+            <a:avLst/>
+          </a:prstGeom>
+          <a:ln w="28575">
+            <a:solidFill>
+              <a:schemeClr val="accent2">
+                <a:lumMod val="50000"/>
+              </a:schemeClr>
+            </a:solidFill>
+            <a:tailEnd type="triangle"/>
+          </a:ln>
+        </p:spPr>
+        <p:style>
+          <a:lnRef idx="1">
+            <a:schemeClr val="accent1"/>
+          </a:lnRef>
+          <a:fillRef idx="0">
+            <a:schemeClr val="accent1"/>
+          </a:fillRef>
+          <a:effectRef idx="0">
+            <a:schemeClr val="accent1"/>
+          </a:effectRef>
+          <a:fontRef idx="minor">
+            <a:schemeClr val="tx1"/>
+          </a:fontRef>
+        </p:style>
+      </p:cxnSp>
+      <p:sp>
+        <p:nvSpPr>
+          <p:cNvPr id="60" name="文字方塊 59"/>
+          <p:cNvSpPr txBox="1"/>
+          <p:nvPr/>
+        </p:nvSpPr>
+        <p:spPr>
+          <a:xfrm>
+            <a:off x="9138526" y="4357549"/>
+            <a:ext cx="955186" cy="307777"/>
+          </a:xfrm>
+          <a:prstGeom prst="rect">
+            <a:avLst/>
+          </a:prstGeom>
+          <a:solidFill>
+            <a:srgbClr val="E0C286"/>
+          </a:solidFill>
+        </p:spPr>
+        <p:txBody>
+          <a:bodyPr wrap="square" rtlCol="0">
+            <a:spAutoFit/>
+          </a:bodyPr>
+          <a:lstStyle/>
+          <a:p>
+            <a:pPr algn="ctr"/>
+            <a:r>
+              <a:rPr lang="zh-TW" altLang="en-US" sz="1400" dirty="0" smtClean="0">
+                <a:solidFill>
+                  <a:schemeClr val="accent2">
+                    <a:lumMod val="50000"/>
+                  </a:schemeClr>
+                </a:solidFill>
+                <a:latin typeface="Adobe 黑体 Std R" panose="020B0400000000000000" pitchFamily="34" charset="-128"/>
+                <a:ea typeface="Adobe 黑体 Std R" panose="020B0400000000000000" pitchFamily="34" charset="-128"/>
+              </a:rPr>
+              <a:t>新增備註</a:t>
+            </a:r>
+            <a:endParaRPr lang="zh-TW" altLang="en-US" sz="1400" dirty="0">
+              <a:solidFill>
+                <a:schemeClr val="accent2">
+                  <a:lumMod val="50000"/>
+                </a:schemeClr>
+              </a:solidFill>
+              <a:latin typeface="Adobe 黑体 Std R" panose="020B0400000000000000" pitchFamily="34" charset="-128"/>
+              <a:ea typeface="Adobe 黑体 Std R" panose="020B0400000000000000" pitchFamily="34" charset="-128"/>
+            </a:endParaRPr>
+          </a:p>
+        </p:txBody>
+      </p:sp>
+      <p:cxnSp>
+        <p:nvCxnSpPr>
+          <p:cNvPr id="61" name="直線單箭頭接點 60"/>
+          <p:cNvCxnSpPr>
+            <a:stCxn id="58" idx="3"/>
+            <a:endCxn id="60" idx="1"/>
+          </p:cNvCxnSpPr>
+          <p:nvPr/>
+        </p:nvCxnSpPr>
+        <p:spPr>
+          <a:xfrm flipV="1">
+            <a:off x="8846047" y="4511438"/>
+            <a:ext cx="292479" cy="1803"/>
+          </a:xfrm>
+          <a:prstGeom prst="straightConnector1">
+            <a:avLst/>
+          </a:prstGeom>
+          <a:ln w="19050">
+            <a:solidFill>
+              <a:schemeClr val="accent1">
+                <a:lumMod val="50000"/>
+              </a:schemeClr>
+            </a:solidFill>
+            <a:tailEnd type="triangle"/>
+          </a:ln>
+        </p:spPr>
+        <p:style>
+          <a:lnRef idx="1">
+            <a:schemeClr val="accent1"/>
+          </a:lnRef>
+          <a:fillRef idx="0">
+            <a:schemeClr val="accent1"/>
+          </a:fillRef>
+          <a:effectRef idx="0">
+            <a:schemeClr val="accent1"/>
+          </a:effectRef>
+          <a:fontRef idx="minor">
+            <a:schemeClr val="tx1"/>
+          </a:fontRef>
+        </p:style>
+      </p:cxnSp>
+      <p:sp>
+        <p:nvSpPr>
+          <p:cNvPr id="62" name="文字方塊 61"/>
+          <p:cNvSpPr txBox="1"/>
+          <p:nvPr/>
+        </p:nvSpPr>
+        <p:spPr>
+          <a:xfrm>
+            <a:off x="8755063" y="4241117"/>
+            <a:ext cx="614162" cy="276999"/>
+          </a:xfrm>
+          <a:prstGeom prst="rect">
+            <a:avLst/>
+          </a:prstGeom>
+          <a:noFill/>
+          <a:ln>
+            <a:noFill/>
+          </a:ln>
+        </p:spPr>
+        <p:txBody>
+          <a:bodyPr wrap="square" rtlCol="0">
+            <a:spAutoFit/>
+          </a:bodyPr>
+          <a:lstStyle/>
+          <a:p>
+            <a:r>
+              <a:rPr lang="en-US" altLang="zh-TW" sz="1200" dirty="0" smtClean="0">
+                <a:solidFill>
+                  <a:schemeClr val="accent1">
+                    <a:lumMod val="50000"/>
+                  </a:schemeClr>
+                </a:solidFill>
+                <a:latin typeface="Adobe 黑体 Std R" panose="020B0400000000000000" pitchFamily="34" charset="-128"/>
+                <a:ea typeface="Adobe 黑体 Std R" panose="020B0400000000000000" pitchFamily="34" charset="-128"/>
+              </a:rPr>
+              <a:t>YES</a:t>
+            </a:r>
+            <a:endParaRPr lang="zh-TW" altLang="en-US" sz="1200" dirty="0">
+              <a:solidFill>
+                <a:schemeClr val="accent1">
+                  <a:lumMod val="50000"/>
+                </a:schemeClr>
+              </a:solidFill>
+              <a:latin typeface="Adobe 黑体 Std R" panose="020B0400000000000000" pitchFamily="34" charset="-128"/>
+              <a:ea typeface="Adobe 黑体 Std R" panose="020B0400000000000000" pitchFamily="34" charset="-128"/>
+            </a:endParaRPr>
+          </a:p>
+        </p:txBody>
+      </p:sp>
+      <p:cxnSp>
+        <p:nvCxnSpPr>
+          <p:cNvPr id="63" name="直線接點 62"/>
+          <p:cNvCxnSpPr/>
+          <p:nvPr/>
+        </p:nvCxnSpPr>
+        <p:spPr>
+          <a:xfrm flipH="1">
+            <a:off x="7939996" y="4817130"/>
+            <a:ext cx="7808" cy="241643"/>
+          </a:xfrm>
+          <a:prstGeom prst="line">
+            <a:avLst/>
+          </a:prstGeom>
+          <a:ln w="19050">
+            <a:solidFill>
+              <a:srgbClr val="C00000"/>
+            </a:solidFill>
+          </a:ln>
+        </p:spPr>
+        <p:style>
+          <a:lnRef idx="1">
+            <a:schemeClr val="accent1"/>
+          </a:lnRef>
+          <a:fillRef idx="0">
+            <a:schemeClr val="accent1"/>
+          </a:fillRef>
+          <a:effectRef idx="0">
+            <a:schemeClr val="accent1"/>
+          </a:effectRef>
+          <a:fontRef idx="minor">
+            <a:schemeClr val="tx1"/>
+          </a:fontRef>
+        </p:style>
+      </p:cxnSp>
+      <p:sp>
+        <p:nvSpPr>
+          <p:cNvPr id="64" name="文字方塊 63"/>
+          <p:cNvSpPr txBox="1"/>
+          <p:nvPr/>
+        </p:nvSpPr>
+        <p:spPr>
+          <a:xfrm>
+            <a:off x="7882816" y="4817130"/>
+            <a:ext cx="469001" cy="276999"/>
+          </a:xfrm>
+          <a:prstGeom prst="rect">
+            <a:avLst/>
+          </a:prstGeom>
+          <a:noFill/>
+          <a:ln>
+            <a:noFill/>
+          </a:ln>
+        </p:spPr>
+        <p:txBody>
+          <a:bodyPr wrap="square" rtlCol="0">
+            <a:spAutoFit/>
+          </a:bodyPr>
+          <a:lstStyle/>
+          <a:p>
+            <a:r>
+              <a:rPr lang="en-US" altLang="zh-TW" sz="1200" dirty="0" smtClean="0">
+                <a:solidFill>
+                  <a:srgbClr val="C00000"/>
+                </a:solidFill>
+                <a:latin typeface="Adobe 黑体 Std R" panose="020B0400000000000000" pitchFamily="34" charset="-128"/>
+                <a:ea typeface="Adobe 黑体 Std R" panose="020B0400000000000000" pitchFamily="34" charset="-128"/>
+              </a:rPr>
+              <a:t>NO</a:t>
+            </a:r>
+            <a:endParaRPr lang="zh-TW" altLang="en-US" sz="1200" dirty="0">
+              <a:solidFill>
+                <a:srgbClr val="C00000"/>
+              </a:solidFill>
+              <a:latin typeface="Adobe 黑体 Std R" panose="020B0400000000000000" pitchFamily="34" charset="-128"/>
+              <a:ea typeface="Adobe 黑体 Std R" panose="020B0400000000000000" pitchFamily="34" charset="-128"/>
+            </a:endParaRPr>
+          </a:p>
+        </p:txBody>
+      </p:sp>
+      <p:cxnSp>
+        <p:nvCxnSpPr>
+          <p:cNvPr id="65" name="直線接點 64"/>
+          <p:cNvCxnSpPr/>
+          <p:nvPr/>
+        </p:nvCxnSpPr>
+        <p:spPr>
+          <a:xfrm flipV="1">
+            <a:off x="3096744" y="6167404"/>
+            <a:ext cx="4853833" cy="12838"/>
+          </a:xfrm>
+          <a:prstGeom prst="line">
+            <a:avLst/>
+          </a:prstGeom>
+          <a:ln w="19050">
+            <a:solidFill>
+              <a:srgbClr val="C00000"/>
+            </a:solidFill>
+          </a:ln>
+        </p:spPr>
+        <p:style>
+          <a:lnRef idx="1">
+            <a:schemeClr val="accent1"/>
+          </a:lnRef>
+          <a:fillRef idx="0">
+            <a:schemeClr val="accent1"/>
+          </a:fillRef>
+          <a:effectRef idx="0">
+            <a:schemeClr val="accent1"/>
+          </a:effectRef>
+          <a:fontRef idx="minor">
+            <a:schemeClr val="tx1"/>
+          </a:fontRef>
+        </p:style>
+      </p:cxnSp>
+      <p:cxnSp>
+        <p:nvCxnSpPr>
+          <p:cNvPr id="66" name="直線單箭頭接點 65"/>
+          <p:cNvCxnSpPr>
+            <a:endCxn id="14" idx="2"/>
+          </p:cNvCxnSpPr>
+          <p:nvPr/>
+        </p:nvCxnSpPr>
+        <p:spPr>
+          <a:xfrm flipH="1" flipV="1">
+            <a:off x="3082729" y="4095368"/>
+            <a:ext cx="15758" cy="2084874"/>
+          </a:xfrm>
+          <a:prstGeom prst="straightConnector1">
+            <a:avLst/>
+          </a:prstGeom>
+          <a:ln w="19050">
+            <a:solidFill>
+              <a:srgbClr val="C00000"/>
+            </a:solidFill>
+            <a:tailEnd type="triangle"/>
+          </a:ln>
+        </p:spPr>
+        <p:style>
+          <a:lnRef idx="1">
+            <a:schemeClr val="accent1"/>
+          </a:lnRef>
+          <a:fillRef idx="0">
+            <a:schemeClr val="accent1"/>
+          </a:fillRef>
+          <a:effectRef idx="0">
+            <a:schemeClr val="accent1"/>
+          </a:effectRef>
+          <a:fontRef idx="minor">
+            <a:schemeClr val="tx1"/>
+          </a:fontRef>
+        </p:style>
+      </p:cxnSp>
+      <p:cxnSp>
+        <p:nvCxnSpPr>
+          <p:cNvPr id="67" name="直線接點 66"/>
+          <p:cNvCxnSpPr/>
+          <p:nvPr/>
+        </p:nvCxnSpPr>
+        <p:spPr>
+          <a:xfrm>
+            <a:off x="3080596" y="5032251"/>
+            <a:ext cx="4855029" cy="26522"/>
+          </a:xfrm>
+          <a:prstGeom prst="line">
+            <a:avLst/>
+          </a:prstGeom>
+          <a:ln w="19050">
+            <a:solidFill>
+              <a:srgbClr val="C00000"/>
+            </a:solidFill>
+          </a:ln>
+        </p:spPr>
+        <p:style>
+          <a:lnRef idx="1">
+            <a:schemeClr val="accent1"/>
+          </a:lnRef>
+          <a:fillRef idx="0">
+            <a:schemeClr val="accent1"/>
+          </a:fillRef>
+          <a:effectRef idx="0">
+            <a:schemeClr val="accent1"/>
+          </a:effectRef>
+          <a:fontRef idx="minor">
+            <a:schemeClr val="tx1"/>
+          </a:fontRef>
+        </p:style>
+      </p:cxnSp>
+      <p:sp>
+        <p:nvSpPr>
+          <p:cNvPr id="68" name="文字方塊 67"/>
+          <p:cNvSpPr txBox="1"/>
+          <p:nvPr/>
+        </p:nvSpPr>
+        <p:spPr>
+          <a:xfrm>
+            <a:off x="5685524" y="5472534"/>
+            <a:ext cx="955186" cy="307777"/>
+          </a:xfrm>
+          <a:prstGeom prst="rect">
+            <a:avLst/>
+          </a:prstGeom>
+          <a:solidFill>
+            <a:srgbClr val="E0C286"/>
+          </a:solidFill>
+        </p:spPr>
+        <p:txBody>
+          <a:bodyPr wrap="square" rtlCol="0">
+            <a:spAutoFit/>
+          </a:bodyPr>
+          <a:lstStyle/>
+          <a:p>
+            <a:pPr algn="ctr"/>
+            <a:r>
+              <a:rPr lang="zh-TW" altLang="en-US" sz="1400" dirty="0" smtClean="0">
+                <a:solidFill>
+                  <a:schemeClr val="accent2">
+                    <a:lumMod val="50000"/>
+                  </a:schemeClr>
+                </a:solidFill>
+                <a:latin typeface="Adobe 黑体 Std R" panose="020B0400000000000000" pitchFamily="34" charset="-128"/>
+                <a:ea typeface="Adobe 黑体 Std R" panose="020B0400000000000000" pitchFamily="34" charset="-128"/>
+              </a:rPr>
+              <a:t>選擇週期</a:t>
+            </a:r>
+            <a:endParaRPr lang="zh-TW" altLang="en-US" sz="1400" dirty="0">
+              <a:solidFill>
+                <a:schemeClr val="accent2">
+                  <a:lumMod val="50000"/>
+                </a:schemeClr>
+              </a:solidFill>
+              <a:latin typeface="Adobe 黑体 Std R" panose="020B0400000000000000" pitchFamily="34" charset="-128"/>
+              <a:ea typeface="Adobe 黑体 Std R" panose="020B0400000000000000" pitchFamily="34" charset="-128"/>
+            </a:endParaRPr>
+          </a:p>
+        </p:txBody>
+      </p:sp>
+      <p:cxnSp>
+        <p:nvCxnSpPr>
+          <p:cNvPr id="69" name="直線單箭頭接點 68"/>
+          <p:cNvCxnSpPr>
+            <a:stCxn id="7" idx="3"/>
+            <a:endCxn id="68" idx="1"/>
+          </p:cNvCxnSpPr>
+          <p:nvPr/>
+        </p:nvCxnSpPr>
+        <p:spPr>
+          <a:xfrm>
+            <a:off x="5410773" y="5626423"/>
+            <a:ext cx="274751" cy="0"/>
+          </a:xfrm>
+          <a:prstGeom prst="straightConnector1">
+            <a:avLst/>
+          </a:prstGeom>
+          <a:ln w="28575">
+            <a:solidFill>
+              <a:schemeClr val="accent2">
+                <a:lumMod val="50000"/>
+              </a:schemeClr>
+            </a:solidFill>
+            <a:tailEnd type="triangle"/>
+          </a:ln>
+        </p:spPr>
+        <p:style>
+          <a:lnRef idx="1">
+            <a:schemeClr val="accent1"/>
+          </a:lnRef>
+          <a:fillRef idx="0">
+            <a:schemeClr val="accent1"/>
+          </a:fillRef>
+          <a:effectRef idx="0">
+            <a:schemeClr val="accent1"/>
+          </a:effectRef>
+          <a:fontRef idx="minor">
+            <a:schemeClr val="tx1"/>
+          </a:fontRef>
+        </p:style>
+      </p:cxnSp>
+      <p:sp>
+        <p:nvSpPr>
+          <p:cNvPr id="70" name="文字方塊 69"/>
+          <p:cNvSpPr txBox="1"/>
+          <p:nvPr/>
+        </p:nvSpPr>
+        <p:spPr>
+          <a:xfrm>
+            <a:off x="7040524" y="5320222"/>
+            <a:ext cx="1817714" cy="611386"/>
+          </a:xfrm>
+          <a:prstGeom prst="flowChartDecision">
+            <a:avLst/>
+          </a:prstGeom>
+          <a:solidFill>
+            <a:schemeClr val="accent1">
+              <a:lumMod val="20000"/>
+              <a:lumOff val="80000"/>
+            </a:schemeClr>
+          </a:solidFill>
+          <a:ln>
+            <a:solidFill>
+              <a:schemeClr val="accent1">
+                <a:lumMod val="50000"/>
+              </a:schemeClr>
+            </a:solidFill>
+          </a:ln>
+        </p:spPr>
+        <p:txBody>
+          <a:bodyPr wrap="square" rtlCol="0">
+            <a:spAutoFit/>
+          </a:bodyPr>
+          <a:lstStyle/>
+          <a:p>
+            <a:pPr algn="ctr"/>
+            <a:r>
+              <a:rPr lang="zh-TW" altLang="en-US" sz="1400" dirty="0" smtClean="0">
+                <a:solidFill>
+                  <a:schemeClr val="accent2">
+                    <a:lumMod val="50000"/>
+                  </a:schemeClr>
+                </a:solidFill>
+                <a:latin typeface="Adobe 黑体 Std R" panose="020B0400000000000000" pitchFamily="34" charset="-128"/>
+                <a:ea typeface="Adobe 黑体 Std R" panose="020B0400000000000000" pitchFamily="34" charset="-128"/>
+              </a:rPr>
+              <a:t>是否</a:t>
+            </a:r>
+            <a:r>
+              <a:rPr lang="zh-TW" altLang="en-US" sz="1400" dirty="0">
+                <a:solidFill>
+                  <a:schemeClr val="accent2">
+                    <a:lumMod val="50000"/>
+                  </a:schemeClr>
+                </a:solidFill>
+                <a:latin typeface="Adobe 黑体 Std R" panose="020B0400000000000000" pitchFamily="34" charset="-128"/>
+                <a:ea typeface="Adobe 黑体 Std R" panose="020B0400000000000000" pitchFamily="34" charset="-128"/>
+              </a:rPr>
+              <a:t>上傳</a:t>
+            </a:r>
+            <a:endParaRPr lang="zh-TW" altLang="en-US" sz="1400" dirty="0">
+              <a:solidFill>
+                <a:schemeClr val="accent2">
+                  <a:lumMod val="50000"/>
+                </a:schemeClr>
+              </a:solidFill>
+              <a:latin typeface="Adobe 黑体 Std R" panose="020B0400000000000000" pitchFamily="34" charset="-128"/>
+              <a:ea typeface="Adobe 黑体 Std R" panose="020B0400000000000000" pitchFamily="34" charset="-128"/>
+            </a:endParaRPr>
+          </a:p>
+        </p:txBody>
+      </p:sp>
+      <p:cxnSp>
+        <p:nvCxnSpPr>
+          <p:cNvPr id="71" name="直線單箭頭接點 70"/>
+          <p:cNvCxnSpPr>
+            <a:stCxn id="68" idx="3"/>
+            <a:endCxn id="70" idx="1"/>
+          </p:cNvCxnSpPr>
+          <p:nvPr/>
+        </p:nvCxnSpPr>
+        <p:spPr>
+          <a:xfrm flipV="1">
+            <a:off x="6640710" y="5625915"/>
+            <a:ext cx="399814" cy="508"/>
+          </a:xfrm>
+          <a:prstGeom prst="straightConnector1">
+            <a:avLst/>
+          </a:prstGeom>
+          <a:ln w="28575">
+            <a:solidFill>
+              <a:schemeClr val="accent2">
+                <a:lumMod val="50000"/>
+              </a:schemeClr>
+            </a:solidFill>
+            <a:tailEnd type="triangle"/>
+          </a:ln>
+        </p:spPr>
+        <p:style>
+          <a:lnRef idx="1">
+            <a:schemeClr val="accent1"/>
+          </a:lnRef>
+          <a:fillRef idx="0">
+            <a:schemeClr val="accent1"/>
+          </a:fillRef>
+          <a:effectRef idx="0">
+            <a:schemeClr val="accent1"/>
+          </a:effectRef>
+          <a:fontRef idx="minor">
+            <a:schemeClr val="tx1"/>
+          </a:fontRef>
+        </p:style>
+      </p:cxnSp>
+      <p:sp>
+        <p:nvSpPr>
+          <p:cNvPr id="72" name="文字方塊 71"/>
+          <p:cNvSpPr txBox="1"/>
+          <p:nvPr/>
+        </p:nvSpPr>
+        <p:spPr>
+          <a:xfrm>
+            <a:off x="9150716" y="5470223"/>
+            <a:ext cx="1248153" cy="307777"/>
+          </a:xfrm>
+          <a:prstGeom prst="rect">
+            <a:avLst/>
+          </a:prstGeom>
+          <a:solidFill>
+            <a:srgbClr val="E0C286"/>
+          </a:solidFill>
+        </p:spPr>
+        <p:txBody>
+          <a:bodyPr wrap="square" rtlCol="0">
+            <a:spAutoFit/>
+          </a:bodyPr>
+          <a:lstStyle/>
+          <a:p>
+            <a:pPr algn="ctr"/>
+            <a:r>
+              <a:rPr lang="zh-TW" altLang="en-US" sz="1400" dirty="0" smtClean="0">
+                <a:solidFill>
+                  <a:schemeClr val="accent2">
+                    <a:lumMod val="50000"/>
+                  </a:schemeClr>
+                </a:solidFill>
+                <a:latin typeface="Adobe 黑体 Std R" panose="020B0400000000000000" pitchFamily="34" charset="-128"/>
+                <a:ea typeface="Adobe 黑体 Std R" panose="020B0400000000000000" pitchFamily="34" charset="-128"/>
+              </a:rPr>
+              <a:t>新增週期性</a:t>
+            </a:r>
+            <a:endParaRPr lang="zh-TW" altLang="en-US" sz="1400" dirty="0">
+              <a:solidFill>
+                <a:schemeClr val="accent2">
+                  <a:lumMod val="50000"/>
+                </a:schemeClr>
+              </a:solidFill>
+              <a:latin typeface="Adobe 黑体 Std R" panose="020B0400000000000000" pitchFamily="34" charset="-128"/>
+              <a:ea typeface="Adobe 黑体 Std R" panose="020B0400000000000000" pitchFamily="34" charset="-128"/>
+            </a:endParaRPr>
+          </a:p>
+        </p:txBody>
+      </p:sp>
+      <p:cxnSp>
+        <p:nvCxnSpPr>
+          <p:cNvPr id="73" name="直線單箭頭接點 72"/>
+          <p:cNvCxnSpPr>
+            <a:stCxn id="70" idx="3"/>
+            <a:endCxn id="72" idx="1"/>
+          </p:cNvCxnSpPr>
+          <p:nvPr/>
+        </p:nvCxnSpPr>
+        <p:spPr>
+          <a:xfrm flipV="1">
+            <a:off x="8858238" y="5624112"/>
+            <a:ext cx="292478" cy="1803"/>
+          </a:xfrm>
+          <a:prstGeom prst="straightConnector1">
+            <a:avLst/>
+          </a:prstGeom>
+          <a:ln w="19050">
+            <a:solidFill>
+              <a:schemeClr val="accent1">
+                <a:lumMod val="50000"/>
+              </a:schemeClr>
+            </a:solidFill>
+            <a:tailEnd type="triangle"/>
+          </a:ln>
+        </p:spPr>
+        <p:style>
+          <a:lnRef idx="1">
+            <a:schemeClr val="accent1"/>
+          </a:lnRef>
+          <a:fillRef idx="0">
+            <a:schemeClr val="accent1"/>
+          </a:fillRef>
+          <a:effectRef idx="0">
+            <a:schemeClr val="accent1"/>
+          </a:effectRef>
+          <a:fontRef idx="minor">
+            <a:schemeClr val="tx1"/>
+          </a:fontRef>
+        </p:style>
+      </p:cxnSp>
+      <p:sp>
+        <p:nvSpPr>
+          <p:cNvPr id="74" name="文字方塊 73"/>
+          <p:cNvSpPr txBox="1"/>
+          <p:nvPr/>
+        </p:nvSpPr>
+        <p:spPr>
+          <a:xfrm>
+            <a:off x="8755063" y="5338370"/>
+            <a:ext cx="614162" cy="276999"/>
+          </a:xfrm>
+          <a:prstGeom prst="rect">
+            <a:avLst/>
+          </a:prstGeom>
+          <a:noFill/>
+          <a:ln>
+            <a:noFill/>
+          </a:ln>
+        </p:spPr>
+        <p:txBody>
+          <a:bodyPr wrap="square" rtlCol="0">
+            <a:spAutoFit/>
+          </a:bodyPr>
+          <a:lstStyle/>
+          <a:p>
+            <a:r>
+              <a:rPr lang="en-US" altLang="zh-TW" sz="1200" dirty="0" smtClean="0">
+                <a:solidFill>
+                  <a:schemeClr val="accent1">
+                    <a:lumMod val="50000"/>
+                  </a:schemeClr>
+                </a:solidFill>
+                <a:latin typeface="Adobe 黑体 Std R" panose="020B0400000000000000" pitchFamily="34" charset="-128"/>
+                <a:ea typeface="Adobe 黑体 Std R" panose="020B0400000000000000" pitchFamily="34" charset="-128"/>
+              </a:rPr>
+              <a:t>YES</a:t>
+            </a:r>
+            <a:endParaRPr lang="zh-TW" altLang="en-US" sz="1200" dirty="0">
+              <a:solidFill>
+                <a:schemeClr val="accent1">
+                  <a:lumMod val="50000"/>
+                </a:schemeClr>
+              </a:solidFill>
+              <a:latin typeface="Adobe 黑体 Std R" panose="020B0400000000000000" pitchFamily="34" charset="-128"/>
+              <a:ea typeface="Adobe 黑体 Std R" panose="020B0400000000000000" pitchFamily="34" charset="-128"/>
+            </a:endParaRPr>
+          </a:p>
+        </p:txBody>
+      </p:sp>
+      <p:cxnSp>
+        <p:nvCxnSpPr>
+          <p:cNvPr id="75" name="直線接點 74"/>
+          <p:cNvCxnSpPr>
+            <a:stCxn id="70" idx="2"/>
+          </p:cNvCxnSpPr>
+          <p:nvPr/>
+        </p:nvCxnSpPr>
+        <p:spPr>
+          <a:xfrm>
+            <a:off x="7949381" y="5931608"/>
+            <a:ext cx="2392" cy="239167"/>
+          </a:xfrm>
+          <a:prstGeom prst="line">
+            <a:avLst/>
+          </a:prstGeom>
+          <a:ln w="19050">
+            <a:solidFill>
+              <a:srgbClr val="C00000"/>
+            </a:solidFill>
+          </a:ln>
+        </p:spPr>
+        <p:style>
+          <a:lnRef idx="1">
+            <a:schemeClr val="accent1"/>
+          </a:lnRef>
+          <a:fillRef idx="0">
+            <a:schemeClr val="accent1"/>
+          </a:fillRef>
+          <a:effectRef idx="0">
+            <a:schemeClr val="accent1"/>
+          </a:effectRef>
+          <a:fontRef idx="minor">
+            <a:schemeClr val="tx1"/>
+          </a:fontRef>
+        </p:style>
+      </p:cxnSp>
+      <p:sp>
+        <p:nvSpPr>
+          <p:cNvPr id="76" name="文字方塊 75"/>
+          <p:cNvSpPr txBox="1"/>
+          <p:nvPr/>
+        </p:nvSpPr>
+        <p:spPr>
+          <a:xfrm>
+            <a:off x="7936345" y="5903243"/>
+            <a:ext cx="469001" cy="276999"/>
+          </a:xfrm>
+          <a:prstGeom prst="rect">
+            <a:avLst/>
+          </a:prstGeom>
+          <a:noFill/>
+          <a:ln>
+            <a:noFill/>
+          </a:ln>
+        </p:spPr>
+        <p:txBody>
+          <a:bodyPr wrap="square" rtlCol="0">
+            <a:spAutoFit/>
+          </a:bodyPr>
+          <a:lstStyle/>
+          <a:p>
+            <a:r>
+              <a:rPr lang="en-US" altLang="zh-TW" sz="1200" dirty="0" smtClean="0">
+                <a:solidFill>
+                  <a:srgbClr val="C00000"/>
+                </a:solidFill>
+                <a:latin typeface="Adobe 黑体 Std R" panose="020B0400000000000000" pitchFamily="34" charset="-128"/>
+                <a:ea typeface="Adobe 黑体 Std R" panose="020B0400000000000000" pitchFamily="34" charset="-128"/>
+              </a:rPr>
+              <a:t>NO</a:t>
+            </a:r>
+            <a:endParaRPr lang="zh-TW" altLang="en-US" sz="1200" dirty="0">
+              <a:solidFill>
+                <a:srgbClr val="C00000"/>
+              </a:solidFill>
+              <a:latin typeface="Adobe 黑体 Std R" panose="020B0400000000000000" pitchFamily="34" charset="-128"/>
+              <a:ea typeface="Adobe 黑体 Std R" panose="020B0400000000000000" pitchFamily="34" charset="-128"/>
+            </a:endParaRPr>
+          </a:p>
+        </p:txBody>
+      </p:sp>
+      <p:cxnSp>
+        <p:nvCxnSpPr>
+          <p:cNvPr id="77" name="直線接點 76"/>
+          <p:cNvCxnSpPr>
+            <a:stCxn id="14" idx="3"/>
+          </p:cNvCxnSpPr>
+          <p:nvPr/>
+        </p:nvCxnSpPr>
+        <p:spPr>
+          <a:xfrm flipV="1">
+            <a:off x="3728934" y="3941479"/>
+            <a:ext cx="174733" cy="1"/>
+          </a:xfrm>
+          <a:prstGeom prst="line">
+            <a:avLst/>
+          </a:prstGeom>
+          <a:ln w="28575">
+            <a:solidFill>
+              <a:schemeClr val="accent2">
+                <a:lumMod val="50000"/>
+              </a:schemeClr>
+            </a:solidFill>
+          </a:ln>
+        </p:spPr>
+        <p:style>
+          <a:lnRef idx="1">
+            <a:schemeClr val="accent1"/>
+          </a:lnRef>
+          <a:fillRef idx="0">
+            <a:schemeClr val="accent1"/>
+          </a:fillRef>
+          <a:effectRef idx="0">
+            <a:schemeClr val="accent1"/>
+          </a:effectRef>
+          <a:fontRef idx="minor">
+            <a:schemeClr val="tx1"/>
+          </a:fontRef>
+        </p:style>
+      </p:cxnSp>
+      <p:sp>
+        <p:nvSpPr>
+          <p:cNvPr id="90" name="文字方塊 89"/>
+          <p:cNvSpPr txBox="1"/>
+          <p:nvPr/>
+        </p:nvSpPr>
+        <p:spPr>
+          <a:xfrm>
+            <a:off x="5685524" y="3254673"/>
+            <a:ext cx="955186" cy="307777"/>
+          </a:xfrm>
+          <a:prstGeom prst="rect">
+            <a:avLst/>
+          </a:prstGeom>
+          <a:solidFill>
+            <a:srgbClr val="E0C286"/>
+          </a:solidFill>
+        </p:spPr>
+        <p:txBody>
+          <a:bodyPr wrap="square" rtlCol="0">
+            <a:spAutoFit/>
+          </a:bodyPr>
+          <a:lstStyle/>
+          <a:p>
+            <a:pPr algn="ctr"/>
+            <a:r>
+              <a:rPr lang="zh-TW" altLang="en-US" sz="1400" dirty="0" smtClean="0">
+                <a:solidFill>
+                  <a:schemeClr val="accent2">
+                    <a:lumMod val="50000"/>
+                  </a:schemeClr>
+                </a:solidFill>
+                <a:latin typeface="Adobe 黑体 Std R" panose="020B0400000000000000" pitchFamily="34" charset="-128"/>
+                <a:ea typeface="Adobe 黑体 Std R" panose="020B0400000000000000" pitchFamily="34" charset="-128"/>
+              </a:rPr>
+              <a:t>選擇日期</a:t>
+            </a:r>
+            <a:endParaRPr lang="zh-TW" altLang="en-US" sz="1400" dirty="0">
+              <a:solidFill>
+                <a:schemeClr val="accent2">
+                  <a:lumMod val="50000"/>
+                </a:schemeClr>
+              </a:solidFill>
+              <a:latin typeface="Adobe 黑体 Std R" panose="020B0400000000000000" pitchFamily="34" charset="-128"/>
+              <a:ea typeface="Adobe 黑体 Std R" panose="020B0400000000000000" pitchFamily="34" charset="-128"/>
+            </a:endParaRPr>
+          </a:p>
+        </p:txBody>
+      </p:sp>
+      <p:cxnSp>
+        <p:nvCxnSpPr>
+          <p:cNvPr id="92" name="直線單箭頭接點 91"/>
+          <p:cNvCxnSpPr>
+            <a:stCxn id="5" idx="3"/>
+            <a:endCxn id="90" idx="1"/>
+          </p:cNvCxnSpPr>
+          <p:nvPr/>
+        </p:nvCxnSpPr>
+        <p:spPr>
+          <a:xfrm>
+            <a:off x="5414363" y="3408020"/>
+            <a:ext cx="271161" cy="542"/>
+          </a:xfrm>
+          <a:prstGeom prst="straightConnector1">
+            <a:avLst/>
+          </a:prstGeom>
+          <a:ln w="28575">
+            <a:solidFill>
+              <a:schemeClr val="accent2">
+                <a:lumMod val="50000"/>
+              </a:schemeClr>
+            </a:solidFill>
+            <a:tailEnd type="triangle"/>
+          </a:ln>
+        </p:spPr>
+        <p:style>
+          <a:lnRef idx="1">
+            <a:schemeClr val="accent1"/>
+          </a:lnRef>
+          <a:fillRef idx="0">
+            <a:schemeClr val="accent1"/>
+          </a:fillRef>
+          <a:effectRef idx="0">
+            <a:schemeClr val="accent1"/>
+          </a:effectRef>
+          <a:fontRef idx="minor">
+            <a:schemeClr val="tx1"/>
+          </a:fontRef>
+        </p:style>
+      </p:cxnSp>
+      <p:sp>
+        <p:nvSpPr>
+          <p:cNvPr id="97" name="文字方塊 96"/>
+          <p:cNvSpPr txBox="1"/>
+          <p:nvPr/>
+        </p:nvSpPr>
+        <p:spPr>
+          <a:xfrm>
+            <a:off x="5656013" y="2062152"/>
+            <a:ext cx="1361926" cy="307777"/>
+          </a:xfrm>
+          <a:prstGeom prst="rect">
+            <a:avLst/>
+          </a:prstGeom>
+          <a:solidFill>
+            <a:srgbClr val="E0C286"/>
+          </a:solidFill>
+        </p:spPr>
+        <p:txBody>
+          <a:bodyPr wrap="square" rtlCol="0">
+            <a:spAutoFit/>
+          </a:bodyPr>
+          <a:lstStyle/>
+          <a:p>
+            <a:pPr algn="ctr"/>
+            <a:r>
+              <a:rPr lang="zh-TW" altLang="en-US" sz="1400" dirty="0" smtClean="0">
+                <a:solidFill>
+                  <a:schemeClr val="accent2">
+                    <a:lumMod val="50000"/>
+                  </a:schemeClr>
+                </a:solidFill>
+                <a:latin typeface="Adobe 黑体 Std R" panose="020B0400000000000000" pitchFamily="34" charset="-128"/>
+                <a:ea typeface="Adobe 黑体 Std R" panose="020B0400000000000000" pitchFamily="34" charset="-128"/>
+              </a:rPr>
+              <a:t>選擇付款方式</a:t>
+            </a:r>
+            <a:endParaRPr lang="zh-TW" altLang="en-US" sz="1400" dirty="0">
+              <a:solidFill>
+                <a:schemeClr val="accent2">
+                  <a:lumMod val="50000"/>
+                </a:schemeClr>
+              </a:solidFill>
+              <a:latin typeface="Adobe 黑体 Std R" panose="020B0400000000000000" pitchFamily="34" charset="-128"/>
+              <a:ea typeface="Adobe 黑体 Std R" panose="020B0400000000000000" pitchFamily="34" charset="-128"/>
+            </a:endParaRPr>
+          </a:p>
+        </p:txBody>
+      </p:sp>
+      <p:cxnSp>
+        <p:nvCxnSpPr>
+          <p:cNvPr id="100" name="直線單箭頭接點 99"/>
+          <p:cNvCxnSpPr>
+            <a:stCxn id="4" idx="3"/>
+            <a:endCxn id="97" idx="1"/>
+          </p:cNvCxnSpPr>
+          <p:nvPr/>
+        </p:nvCxnSpPr>
+        <p:spPr>
+          <a:xfrm>
+            <a:off x="5410773" y="2211917"/>
+            <a:ext cx="245240" cy="4124"/>
+          </a:xfrm>
+          <a:prstGeom prst="straightConnector1">
+            <a:avLst/>
+          </a:prstGeom>
+          <a:ln w="28575">
+            <a:solidFill>
+              <a:schemeClr val="accent2">
+                <a:lumMod val="50000"/>
+              </a:schemeClr>
+            </a:solidFill>
+            <a:tailEnd type="triangle"/>
+          </a:ln>
+        </p:spPr>
+        <p:style>
+          <a:lnRef idx="1">
+            <a:schemeClr val="accent1"/>
+          </a:lnRef>
+          <a:fillRef idx="0">
+            <a:schemeClr val="accent1"/>
+          </a:fillRef>
+          <a:effectRef idx="0">
+            <a:schemeClr val="accent1"/>
+          </a:effectRef>
+          <a:fontRef idx="minor">
+            <a:schemeClr val="tx1"/>
+          </a:fontRef>
+        </p:style>
+      </p:cxnSp>
+      <p:cxnSp>
+        <p:nvCxnSpPr>
+          <p:cNvPr id="103" name="直線單箭頭接點 102"/>
+          <p:cNvCxnSpPr>
+            <a:stCxn id="19" idx="3"/>
+            <a:endCxn id="23" idx="1"/>
+          </p:cNvCxnSpPr>
+          <p:nvPr/>
+        </p:nvCxnSpPr>
+        <p:spPr>
+          <a:xfrm flipV="1">
+            <a:off x="9225581" y="2211276"/>
+            <a:ext cx="315568" cy="2835"/>
+          </a:xfrm>
+          <a:prstGeom prst="straightConnector1">
+            <a:avLst/>
+          </a:prstGeom>
+          <a:ln w="19050">
+            <a:solidFill>
+              <a:schemeClr val="accent1">
+                <a:lumMod val="50000"/>
+              </a:schemeClr>
+            </a:solidFill>
+            <a:tailEnd type="triangle"/>
+          </a:ln>
+        </p:spPr>
+        <p:style>
+          <a:lnRef idx="1">
+            <a:schemeClr val="accent1"/>
+          </a:lnRef>
+          <a:fillRef idx="0">
+            <a:schemeClr val="accent1"/>
+          </a:fillRef>
+          <a:effectRef idx="0">
+            <a:schemeClr val="accent1"/>
+          </a:effectRef>
+          <a:fontRef idx="minor">
+            <a:schemeClr val="tx1"/>
+          </a:fontRef>
+        </p:style>
+      </p:cxnSp>
+    </p:spTree>
+    <p:extLst>
+      <p:ext uri="{BB962C8B-B14F-4D97-AF65-F5344CB8AC3E}">
+        <p14:creationId xmlns:p14="http://schemas.microsoft.com/office/powerpoint/2010/main" val="4181005148"/>
+      </p:ext>
+    </p:extLst>
+  </p:cSld>
+  <p:clrMapOvr>
+    <a:masterClrMapping/>
+  </p:clrMapOvr>
+  <p:timing>
+    <p:tnLst>
+      <p:par>
+        <p:cTn id="1" dur="indefinite" restart="never" nodeType="tmRoot"/>
+      </p:par>
+    </p:tnLst>
+  </p:timing>
+</p:sld>
+</file>
+
+<file path=ppt/slides/slide12.xml><?xml version="1.0" encoding="utf-8"?>
+<p:sld xmlns:a="http://schemas.openxmlformats.org/drawingml/2006/main" xmlns:r="http://schemas.openxmlformats.org/officeDocument/2006/relationships" xmlns:p="http://schemas.openxmlformats.org/presentationml/2006/main">
+  <p:cSld>
+    <p:bg>
+      <p:bgPr>
+        <a:blipFill>
+          <a:blip r:embed="rId2"/>
+          <a:tile tx="0" ty="0" sx="100000" sy="100000" flip="none" algn="tl"/>
+        </a:blipFill>
+        <a:effectLst/>
+      </p:bgPr>
+    </p:bg>
+    <p:spTree>
+      <p:nvGrpSpPr>
+        <p:cNvPr id="1" name=""/>
+        <p:cNvGrpSpPr/>
+        <p:nvPr/>
+      </p:nvGrpSpPr>
+      <p:grpSpPr>
+        <a:xfrm>
+          <a:off x="0" y="0"/>
+          <a:ext cx="0" cy="0"/>
+          <a:chOff x="0" y="0"/>
+          <a:chExt cx="0" cy="0"/>
+        </a:xfrm>
+      </p:grpSpPr>
+      <p:sp>
+        <p:nvSpPr>
+          <p:cNvPr id="4" name="標題 3"/>
+          <p:cNvSpPr txBox="1">
+            <a:spLocks/>
+          </p:cNvSpPr>
+          <p:nvPr/>
+        </p:nvSpPr>
+        <p:spPr>
+          <a:xfrm>
+            <a:off x="521321" y="356003"/>
+            <a:ext cx="9875520" cy="1356360"/>
+          </a:xfrm>
+          <a:prstGeom prst="rect">
+            <a:avLst/>
+          </a:prstGeom>
+        </p:spPr>
+        <p:txBody>
+          <a:bodyPr vert="horz" lIns="91440" tIns="45720" rIns="91440" bIns="45720" rtlCol="0" anchor="ctr">
+            <a:normAutofit/>
+          </a:bodyPr>
+          <a:lstStyle>
+            <a:lvl1pPr algn="l" defTabSz="914400" rtl="0" eaLnBrk="1" latinLnBrk="0" hangingPunct="1">
+              <a:lnSpc>
+                <a:spcPct val="90000"/>
+              </a:lnSpc>
+              <a:spcBef>
+                <a:spcPct val="0"/>
+              </a:spcBef>
+              <a:buNone/>
+              <a:defRPr sz="4400" kern="1200">
+                <a:solidFill>
+                  <a:schemeClr val="tx1"/>
+                </a:solidFill>
+                <a:latin typeface="+mj-lt"/>
+                <a:ea typeface="+mj-ea"/>
+                <a:cs typeface="+mj-cs"/>
+              </a:defRPr>
+            </a:lvl1pPr>
+          </a:lstStyle>
+          <a:p>
+            <a:r>
+              <a:rPr lang="en-US" altLang="zh-TW" dirty="0" smtClean="0"/>
+              <a:t>3.1</a:t>
+            </a:r>
+            <a:r>
+              <a:rPr lang="zh-TW" altLang="en-US" dirty="0" smtClean="0"/>
+              <a:t> </a:t>
+            </a:r>
+            <a:r>
+              <a:rPr lang="zh-TW" altLang="en-US" dirty="0" smtClean="0">
+                <a:latin typeface="Adobe 黑体 Std R" panose="020B0400000000000000" pitchFamily="34" charset="-128"/>
+                <a:ea typeface="Adobe 黑体 Std R" panose="020B0400000000000000" pitchFamily="34" charset="-128"/>
+              </a:rPr>
+              <a:t>新增帳務 </a:t>
+            </a:r>
+            <a:r>
+              <a:rPr lang="en-US" altLang="zh-TW" dirty="0" smtClean="0">
+                <a:latin typeface="Adobe 黑体 Std R" panose="020B0400000000000000" pitchFamily="34" charset="-128"/>
+                <a:ea typeface="Adobe 黑体 Std R" panose="020B0400000000000000" pitchFamily="34" charset="-128"/>
+              </a:rPr>
+              <a:t>-</a:t>
+            </a:r>
+            <a:r>
+              <a:rPr lang="zh-TW" altLang="en-US" dirty="0" smtClean="0">
+                <a:latin typeface="Adobe 黑体 Std R" panose="020B0400000000000000" pitchFamily="34" charset="-128"/>
+                <a:ea typeface="Adobe 黑体 Std R" panose="020B0400000000000000" pitchFamily="34" charset="-128"/>
+              </a:rPr>
+              <a:t> </a:t>
+            </a:r>
+            <a:r>
+              <a:rPr lang="en-US" altLang="zh-TW" dirty="0">
+                <a:latin typeface="Adobe 黑体 Std R" panose="020B0400000000000000" pitchFamily="34" charset="-128"/>
+                <a:ea typeface="Adobe 黑体 Std R" panose="020B0400000000000000" pitchFamily="34" charset="-128"/>
+              </a:rPr>
+              <a:t>3</a:t>
+            </a:r>
+            <a:endParaRPr lang="zh-TW" altLang="en-US" dirty="0">
+              <a:latin typeface="Adobe 黑体 Std R" panose="020B0400000000000000" pitchFamily="34" charset="-128"/>
+              <a:ea typeface="Adobe 黑体 Std R" panose="020B0400000000000000" pitchFamily="34" charset="-128"/>
+            </a:endParaRPr>
+          </a:p>
+        </p:txBody>
+      </p:sp>
+      <p:sp>
+        <p:nvSpPr>
+          <p:cNvPr id="5" name="文字方塊 4"/>
+          <p:cNvSpPr txBox="1"/>
+          <p:nvPr/>
+        </p:nvSpPr>
+        <p:spPr>
+          <a:xfrm>
+            <a:off x="3992953" y="3661131"/>
+            <a:ext cx="1736643" cy="307777"/>
+          </a:xfrm>
+          <a:prstGeom prst="rect">
+            <a:avLst/>
+          </a:prstGeom>
+          <a:solidFill>
+            <a:srgbClr val="E0C286"/>
+          </a:solidFill>
+        </p:spPr>
+        <p:txBody>
+          <a:bodyPr wrap="square" rtlCol="0">
+            <a:spAutoFit/>
+          </a:bodyPr>
+          <a:lstStyle/>
+          <a:p>
+            <a:pPr algn="ctr"/>
+            <a:r>
+              <a:rPr lang="zh-TW" altLang="en-US" sz="1400" dirty="0" smtClean="0">
+                <a:solidFill>
+                  <a:schemeClr val="accent2">
+                    <a:lumMod val="50000"/>
+                  </a:schemeClr>
+                </a:solidFill>
+                <a:latin typeface="Adobe 黑体 Std R" panose="020B0400000000000000" pitchFamily="34" charset="-128"/>
+                <a:ea typeface="Adobe 黑体 Std R" panose="020B0400000000000000" pitchFamily="34" charset="-128"/>
+              </a:rPr>
+              <a:t>新增好的帳務頁面</a:t>
+            </a:r>
+            <a:endParaRPr lang="zh-TW" altLang="en-US" sz="1400" dirty="0">
+              <a:solidFill>
+                <a:schemeClr val="accent2">
+                  <a:lumMod val="50000"/>
+                </a:schemeClr>
+              </a:solidFill>
+              <a:latin typeface="Adobe 黑体 Std R" panose="020B0400000000000000" pitchFamily="34" charset="-128"/>
+              <a:ea typeface="Adobe 黑体 Std R" panose="020B0400000000000000" pitchFamily="34" charset="-128"/>
+            </a:endParaRPr>
+          </a:p>
+        </p:txBody>
+      </p:sp>
+      <p:sp>
+        <p:nvSpPr>
+          <p:cNvPr id="6" name="文字方塊 5"/>
+          <p:cNvSpPr txBox="1"/>
+          <p:nvPr/>
+        </p:nvSpPr>
+        <p:spPr>
+          <a:xfrm>
+            <a:off x="6590751" y="3509326"/>
+            <a:ext cx="1817714" cy="611386"/>
+          </a:xfrm>
+          <a:prstGeom prst="flowChartDecision">
+            <a:avLst/>
+          </a:prstGeom>
+          <a:solidFill>
+            <a:schemeClr val="accent1">
+              <a:lumMod val="20000"/>
+              <a:lumOff val="80000"/>
+            </a:schemeClr>
+          </a:solidFill>
+          <a:ln>
+            <a:solidFill>
+              <a:schemeClr val="accent1">
+                <a:lumMod val="50000"/>
+              </a:schemeClr>
+            </a:solidFill>
+          </a:ln>
+        </p:spPr>
+        <p:txBody>
+          <a:bodyPr wrap="square" rtlCol="0">
+            <a:spAutoFit/>
+          </a:bodyPr>
+          <a:lstStyle/>
+          <a:p>
+            <a:pPr algn="ctr"/>
+            <a:r>
+              <a:rPr lang="zh-TW" altLang="en-US" sz="1400" dirty="0" smtClean="0">
+                <a:solidFill>
+                  <a:schemeClr val="accent2">
+                    <a:lumMod val="50000"/>
+                  </a:schemeClr>
+                </a:solidFill>
+                <a:latin typeface="Adobe 黑体 Std R" panose="020B0400000000000000" pitchFamily="34" charset="-128"/>
+                <a:ea typeface="Adobe 黑体 Std R" panose="020B0400000000000000" pitchFamily="34" charset="-128"/>
+              </a:rPr>
+              <a:t>是否儲存</a:t>
+            </a:r>
+            <a:endParaRPr lang="zh-TW" altLang="en-US" sz="1400" dirty="0">
+              <a:solidFill>
+                <a:schemeClr val="accent2">
+                  <a:lumMod val="50000"/>
+                </a:schemeClr>
+              </a:solidFill>
+              <a:latin typeface="Adobe 黑体 Std R" panose="020B0400000000000000" pitchFamily="34" charset="-128"/>
+              <a:ea typeface="Adobe 黑体 Std R" panose="020B0400000000000000" pitchFamily="34" charset="-128"/>
+            </a:endParaRPr>
+          </a:p>
+        </p:txBody>
+      </p:sp>
+      <p:cxnSp>
+        <p:nvCxnSpPr>
+          <p:cNvPr id="7" name="直線單箭頭接點 6"/>
+          <p:cNvCxnSpPr>
+            <a:stCxn id="5" idx="3"/>
+            <a:endCxn id="6" idx="1"/>
+          </p:cNvCxnSpPr>
+          <p:nvPr/>
+        </p:nvCxnSpPr>
+        <p:spPr>
+          <a:xfrm flipV="1">
+            <a:off x="5729596" y="3815019"/>
+            <a:ext cx="861155" cy="1"/>
+          </a:xfrm>
+          <a:prstGeom prst="straightConnector1">
+            <a:avLst/>
+          </a:prstGeom>
+          <a:ln w="28575">
+            <a:solidFill>
+              <a:schemeClr val="accent2">
+                <a:lumMod val="50000"/>
+              </a:schemeClr>
+            </a:solidFill>
+            <a:tailEnd type="triangle"/>
+          </a:ln>
+        </p:spPr>
+        <p:style>
+          <a:lnRef idx="1">
+            <a:schemeClr val="accent1"/>
+          </a:lnRef>
+          <a:fillRef idx="0">
+            <a:schemeClr val="accent1"/>
+          </a:fillRef>
+          <a:effectRef idx="0">
+            <a:schemeClr val="accent1"/>
+          </a:effectRef>
+          <a:fontRef idx="minor">
+            <a:schemeClr val="tx1"/>
+          </a:fontRef>
+        </p:style>
+      </p:cxnSp>
+      <p:cxnSp>
+        <p:nvCxnSpPr>
+          <p:cNvPr id="10" name="直線單箭頭接點 9"/>
+          <p:cNvCxnSpPr>
+            <a:endCxn id="14" idx="1"/>
+          </p:cNvCxnSpPr>
+          <p:nvPr/>
+        </p:nvCxnSpPr>
+        <p:spPr>
+          <a:xfrm>
+            <a:off x="8408465" y="3815019"/>
+            <a:ext cx="716082" cy="0"/>
+          </a:xfrm>
+          <a:prstGeom prst="straightConnector1">
+            <a:avLst/>
+          </a:prstGeom>
+          <a:ln w="19050">
+            <a:solidFill>
+              <a:schemeClr val="accent1">
+                <a:lumMod val="50000"/>
+              </a:schemeClr>
+            </a:solidFill>
+            <a:tailEnd type="triangle"/>
+          </a:ln>
+        </p:spPr>
+        <p:style>
+          <a:lnRef idx="1">
+            <a:schemeClr val="accent1"/>
+          </a:lnRef>
+          <a:fillRef idx="0">
+            <a:schemeClr val="accent1"/>
+          </a:fillRef>
+          <a:effectRef idx="0">
+            <a:schemeClr val="accent1"/>
+          </a:effectRef>
+          <a:fontRef idx="minor">
+            <a:schemeClr val="tx1"/>
+          </a:fontRef>
+        </p:style>
+      </p:cxnSp>
+      <p:sp>
+        <p:nvSpPr>
+          <p:cNvPr id="11" name="文字方塊 10"/>
+          <p:cNvSpPr txBox="1"/>
+          <p:nvPr/>
+        </p:nvSpPr>
+        <p:spPr>
+          <a:xfrm>
+            <a:off x="8510385" y="3538020"/>
+            <a:ext cx="614162" cy="276999"/>
+          </a:xfrm>
+          <a:prstGeom prst="rect">
+            <a:avLst/>
+          </a:prstGeom>
+          <a:noFill/>
+          <a:ln>
+            <a:noFill/>
+          </a:ln>
+        </p:spPr>
+        <p:txBody>
+          <a:bodyPr wrap="square" rtlCol="0">
+            <a:spAutoFit/>
+          </a:bodyPr>
+          <a:lstStyle/>
+          <a:p>
+            <a:r>
+              <a:rPr lang="en-US" altLang="zh-TW" sz="1200" dirty="0" smtClean="0">
+                <a:solidFill>
+                  <a:schemeClr val="accent1">
+                    <a:lumMod val="50000"/>
+                  </a:schemeClr>
+                </a:solidFill>
+                <a:latin typeface="Adobe 黑体 Std R" panose="020B0400000000000000" pitchFamily="34" charset="-128"/>
+                <a:ea typeface="Adobe 黑体 Std R" panose="020B0400000000000000" pitchFamily="34" charset="-128"/>
+              </a:rPr>
+              <a:t>YES</a:t>
+            </a:r>
+            <a:endParaRPr lang="zh-TW" altLang="en-US" sz="1200" dirty="0">
+              <a:solidFill>
+                <a:schemeClr val="accent1">
+                  <a:lumMod val="50000"/>
+                </a:schemeClr>
+              </a:solidFill>
+              <a:latin typeface="Adobe 黑体 Std R" panose="020B0400000000000000" pitchFamily="34" charset="-128"/>
+              <a:ea typeface="Adobe 黑体 Std R" panose="020B0400000000000000" pitchFamily="34" charset="-128"/>
+            </a:endParaRPr>
+          </a:p>
+        </p:txBody>
+      </p:sp>
+      <p:sp>
+        <p:nvSpPr>
+          <p:cNvPr id="14" name="文字方塊 13"/>
+          <p:cNvSpPr txBox="1"/>
+          <p:nvPr/>
+        </p:nvSpPr>
+        <p:spPr>
+          <a:xfrm>
+            <a:off x="9124547" y="3661130"/>
+            <a:ext cx="1736643" cy="307777"/>
+          </a:xfrm>
+          <a:prstGeom prst="rect">
+            <a:avLst/>
+          </a:prstGeom>
+          <a:solidFill>
+            <a:srgbClr val="E0C286"/>
+          </a:solidFill>
+        </p:spPr>
+        <p:txBody>
+          <a:bodyPr wrap="square" rtlCol="0">
+            <a:spAutoFit/>
+          </a:bodyPr>
+          <a:lstStyle/>
+          <a:p>
+            <a:pPr algn="ctr"/>
+            <a:r>
+              <a:rPr lang="zh-TW" altLang="en-US" sz="1400" dirty="0">
+                <a:solidFill>
+                  <a:schemeClr val="accent2">
+                    <a:lumMod val="50000"/>
+                  </a:schemeClr>
+                </a:solidFill>
+                <a:latin typeface="Adobe 黑体 Std R" panose="020B0400000000000000" pitchFamily="34" charset="-128"/>
+                <a:ea typeface="Adobe 黑体 Std R" panose="020B0400000000000000" pitchFamily="34" charset="-128"/>
+              </a:rPr>
+              <a:t>帳</a:t>
+            </a:r>
+            <a:r>
+              <a:rPr lang="zh-TW" altLang="en-US" sz="1400" dirty="0" smtClean="0">
+                <a:solidFill>
+                  <a:schemeClr val="accent2">
+                    <a:lumMod val="50000"/>
+                  </a:schemeClr>
+                </a:solidFill>
+                <a:latin typeface="Adobe 黑体 Std R" panose="020B0400000000000000" pitchFamily="34" charset="-128"/>
+                <a:ea typeface="Adobe 黑体 Std R" panose="020B0400000000000000" pitchFamily="34" charset="-128"/>
+              </a:rPr>
+              <a:t>務列表</a:t>
+            </a:r>
+            <a:r>
+              <a:rPr lang="zh-TW" altLang="en-US" sz="1400" dirty="0">
+                <a:solidFill>
+                  <a:schemeClr val="accent2">
+                    <a:lumMod val="50000"/>
+                  </a:schemeClr>
+                </a:solidFill>
+                <a:latin typeface="Adobe 黑体 Std R" panose="020B0400000000000000" pitchFamily="34" charset="-128"/>
+                <a:ea typeface="Adobe 黑体 Std R" panose="020B0400000000000000" pitchFamily="34" charset="-128"/>
+              </a:rPr>
+              <a:t>增加</a:t>
+            </a:r>
+            <a:endParaRPr lang="zh-TW" altLang="en-US" sz="1400" dirty="0">
+              <a:solidFill>
+                <a:schemeClr val="accent2">
+                  <a:lumMod val="50000"/>
+                </a:schemeClr>
+              </a:solidFill>
+              <a:latin typeface="Adobe 黑体 Std R" panose="020B0400000000000000" pitchFamily="34" charset="-128"/>
+              <a:ea typeface="Adobe 黑体 Std R" panose="020B0400000000000000" pitchFamily="34" charset="-128"/>
+            </a:endParaRPr>
+          </a:p>
+        </p:txBody>
+      </p:sp>
+      <p:cxnSp>
+        <p:nvCxnSpPr>
+          <p:cNvPr id="16" name="直線接點 15"/>
+          <p:cNvCxnSpPr>
+            <a:stCxn id="6" idx="0"/>
+          </p:cNvCxnSpPr>
+          <p:nvPr/>
+        </p:nvCxnSpPr>
+        <p:spPr>
+          <a:xfrm flipV="1">
+            <a:off x="7499608" y="3161489"/>
+            <a:ext cx="0" cy="347837"/>
+          </a:xfrm>
+          <a:prstGeom prst="line">
+            <a:avLst/>
+          </a:prstGeom>
+          <a:ln w="19050">
+            <a:solidFill>
+              <a:srgbClr val="C00000"/>
+            </a:solidFill>
+          </a:ln>
+        </p:spPr>
+        <p:style>
+          <a:lnRef idx="1">
+            <a:schemeClr val="accent1"/>
+          </a:lnRef>
+          <a:fillRef idx="0">
+            <a:schemeClr val="accent1"/>
+          </a:fillRef>
+          <a:effectRef idx="0">
+            <a:schemeClr val="accent1"/>
+          </a:effectRef>
+          <a:fontRef idx="minor">
+            <a:schemeClr val="tx1"/>
+          </a:fontRef>
+        </p:style>
+      </p:cxnSp>
+      <p:sp>
+        <p:nvSpPr>
+          <p:cNvPr id="17" name="文字方塊 16"/>
+          <p:cNvSpPr txBox="1"/>
+          <p:nvPr/>
+        </p:nvSpPr>
+        <p:spPr>
+          <a:xfrm>
+            <a:off x="7499608" y="3232327"/>
+            <a:ext cx="432212" cy="276999"/>
+          </a:xfrm>
+          <a:prstGeom prst="rect">
+            <a:avLst/>
+          </a:prstGeom>
+          <a:noFill/>
+          <a:ln>
+            <a:noFill/>
+          </a:ln>
+        </p:spPr>
+        <p:txBody>
+          <a:bodyPr wrap="square" rtlCol="0">
+            <a:spAutoFit/>
+          </a:bodyPr>
+          <a:lstStyle/>
+          <a:p>
+            <a:r>
+              <a:rPr lang="en-US" altLang="zh-TW" sz="1200" dirty="0" smtClean="0">
+                <a:solidFill>
+                  <a:srgbClr val="C00000"/>
+                </a:solidFill>
+                <a:latin typeface="Adobe 黑体 Std R" panose="020B0400000000000000" pitchFamily="34" charset="-128"/>
+                <a:ea typeface="Adobe 黑体 Std R" panose="020B0400000000000000" pitchFamily="34" charset="-128"/>
+              </a:rPr>
+              <a:t>NO</a:t>
+            </a:r>
+            <a:endParaRPr lang="zh-TW" altLang="en-US" sz="1200" dirty="0">
+              <a:solidFill>
+                <a:srgbClr val="C00000"/>
+              </a:solidFill>
+              <a:latin typeface="Adobe 黑体 Std R" panose="020B0400000000000000" pitchFamily="34" charset="-128"/>
+              <a:ea typeface="Adobe 黑体 Std R" panose="020B0400000000000000" pitchFamily="34" charset="-128"/>
+            </a:endParaRPr>
+          </a:p>
+        </p:txBody>
+      </p:sp>
+      <p:sp>
+        <p:nvSpPr>
+          <p:cNvPr id="20" name="文字方塊 19"/>
+          <p:cNvSpPr txBox="1"/>
+          <p:nvPr/>
+        </p:nvSpPr>
+        <p:spPr>
+          <a:xfrm>
+            <a:off x="1341063" y="3661130"/>
+            <a:ext cx="914400" cy="307777"/>
+          </a:xfrm>
+          <a:prstGeom prst="rect">
+            <a:avLst/>
+          </a:prstGeom>
+          <a:solidFill>
+            <a:srgbClr val="E0C286"/>
+          </a:solidFill>
+        </p:spPr>
+        <p:txBody>
+          <a:bodyPr wrap="square" rtlCol="0">
+            <a:spAutoFit/>
+          </a:bodyPr>
+          <a:lstStyle/>
+          <a:p>
+            <a:pPr algn="ctr"/>
+            <a:r>
+              <a:rPr lang="zh-TW" altLang="en-US" sz="1400" dirty="0" smtClean="0">
+                <a:solidFill>
+                  <a:schemeClr val="accent2">
+                    <a:lumMod val="50000"/>
+                  </a:schemeClr>
+                </a:solidFill>
+                <a:latin typeface="Adobe 黑体 Std R" panose="020B0400000000000000" pitchFamily="34" charset="-128"/>
+                <a:ea typeface="Adobe 黑体 Std R" panose="020B0400000000000000" pitchFamily="34" charset="-128"/>
+              </a:rPr>
+              <a:t>帳務頁面</a:t>
+            </a:r>
+            <a:endParaRPr lang="zh-TW" altLang="en-US" sz="1400" dirty="0">
+              <a:solidFill>
+                <a:schemeClr val="accent2">
+                  <a:lumMod val="50000"/>
+                </a:schemeClr>
+              </a:solidFill>
+              <a:latin typeface="Adobe 黑体 Std R" panose="020B0400000000000000" pitchFamily="34" charset="-128"/>
+              <a:ea typeface="Adobe 黑体 Std R" panose="020B0400000000000000" pitchFamily="34" charset="-128"/>
+            </a:endParaRPr>
+          </a:p>
+        </p:txBody>
+      </p:sp>
+      <p:cxnSp>
+        <p:nvCxnSpPr>
+          <p:cNvPr id="21" name="直線單箭頭接點 20"/>
+          <p:cNvCxnSpPr>
+            <a:stCxn id="20" idx="3"/>
+            <a:endCxn id="5" idx="1"/>
+          </p:cNvCxnSpPr>
+          <p:nvPr/>
+        </p:nvCxnSpPr>
+        <p:spPr>
+          <a:xfrm>
+            <a:off x="2255463" y="3815019"/>
+            <a:ext cx="1737490" cy="1"/>
+          </a:xfrm>
+          <a:prstGeom prst="straightConnector1">
+            <a:avLst/>
+          </a:prstGeom>
+          <a:ln w="28575">
+            <a:solidFill>
+              <a:schemeClr val="accent2">
+                <a:lumMod val="50000"/>
+              </a:schemeClr>
+            </a:solidFill>
+            <a:tailEnd type="triangle"/>
+          </a:ln>
+        </p:spPr>
+        <p:style>
+          <a:lnRef idx="1">
+            <a:schemeClr val="accent1"/>
+          </a:lnRef>
+          <a:fillRef idx="0">
+            <a:schemeClr val="accent1"/>
+          </a:fillRef>
+          <a:effectRef idx="0">
+            <a:schemeClr val="accent1"/>
+          </a:effectRef>
+          <a:fontRef idx="minor">
+            <a:schemeClr val="tx1"/>
+          </a:fontRef>
+        </p:style>
+      </p:cxnSp>
+      <p:cxnSp>
+        <p:nvCxnSpPr>
+          <p:cNvPr id="24" name="直線接點 23"/>
+          <p:cNvCxnSpPr/>
+          <p:nvPr/>
+        </p:nvCxnSpPr>
+        <p:spPr>
+          <a:xfrm>
+            <a:off x="1798263" y="3148427"/>
+            <a:ext cx="5701345" cy="13062"/>
+          </a:xfrm>
+          <a:prstGeom prst="line">
+            <a:avLst/>
+          </a:prstGeom>
+          <a:ln w="19050">
+            <a:solidFill>
+              <a:srgbClr val="C00000"/>
+            </a:solidFill>
+          </a:ln>
+        </p:spPr>
+        <p:style>
+          <a:lnRef idx="1">
+            <a:schemeClr val="accent1"/>
+          </a:lnRef>
+          <a:fillRef idx="0">
+            <a:schemeClr val="accent1"/>
+          </a:fillRef>
+          <a:effectRef idx="0">
+            <a:schemeClr val="accent1"/>
+          </a:effectRef>
+          <a:fontRef idx="minor">
+            <a:schemeClr val="tx1"/>
+          </a:fontRef>
+        </p:style>
+      </p:cxnSp>
+      <p:cxnSp>
+        <p:nvCxnSpPr>
+          <p:cNvPr id="27" name="直線單箭頭接點 26"/>
+          <p:cNvCxnSpPr>
+            <a:endCxn id="20" idx="0"/>
+          </p:cNvCxnSpPr>
+          <p:nvPr/>
+        </p:nvCxnSpPr>
+        <p:spPr>
+          <a:xfrm>
+            <a:off x="1798263" y="3161489"/>
+            <a:ext cx="0" cy="499641"/>
+          </a:xfrm>
+          <a:prstGeom prst="straightConnector1">
+            <a:avLst/>
+          </a:prstGeom>
+          <a:ln w="19050">
+            <a:solidFill>
+              <a:srgbClr val="C00000"/>
+            </a:solidFill>
+            <a:tailEnd type="triangle"/>
+          </a:ln>
+        </p:spPr>
+        <p:style>
+          <a:lnRef idx="1">
+            <a:schemeClr val="accent1"/>
+          </a:lnRef>
+          <a:fillRef idx="0">
+            <a:schemeClr val="accent1"/>
+          </a:fillRef>
+          <a:effectRef idx="0">
+            <a:schemeClr val="accent1"/>
+          </a:effectRef>
+          <a:fontRef idx="minor">
+            <a:schemeClr val="tx1"/>
+          </a:fontRef>
+        </p:style>
+      </p:cxnSp>
+      <p:sp>
+        <p:nvSpPr>
+          <p:cNvPr id="29" name="文字方塊 28"/>
+          <p:cNvSpPr txBox="1"/>
+          <p:nvPr/>
+        </p:nvSpPr>
+        <p:spPr>
+          <a:xfrm>
+            <a:off x="2255466" y="3843344"/>
+            <a:ext cx="1737487" cy="307777"/>
+          </a:xfrm>
+          <a:prstGeom prst="rect">
+            <a:avLst/>
+          </a:prstGeom>
+          <a:noFill/>
+        </p:spPr>
+        <p:txBody>
+          <a:bodyPr wrap="square" rtlCol="0">
+            <a:spAutoFit/>
+          </a:bodyPr>
+          <a:lstStyle/>
+          <a:p>
+            <a:r>
+              <a:rPr lang="zh-TW" altLang="en-US" sz="1400" dirty="0" smtClean="0">
+                <a:solidFill>
+                  <a:schemeClr val="accent2">
+                    <a:lumMod val="50000"/>
+                  </a:schemeClr>
+                </a:solidFill>
+                <a:latin typeface="Adobe 黑体 Std R" panose="020B0400000000000000" pitchFamily="34" charset="-128"/>
+                <a:ea typeface="Adobe 黑体 Std R" panose="020B0400000000000000" pitchFamily="34" charset="-128"/>
+              </a:rPr>
+              <a:t>新增帳務</a:t>
+            </a:r>
+            <a:r>
+              <a:rPr lang="en-US" altLang="zh-TW" sz="1400" dirty="0" smtClean="0">
+                <a:solidFill>
+                  <a:schemeClr val="accent2">
+                    <a:lumMod val="50000"/>
+                  </a:schemeClr>
+                </a:solidFill>
+                <a:latin typeface="Adobe 黑体 Std R" panose="020B0400000000000000" pitchFamily="34" charset="-128"/>
+                <a:ea typeface="Adobe 黑体 Std R" panose="020B0400000000000000" pitchFamily="34" charset="-128"/>
+              </a:rPr>
+              <a:t>-1</a:t>
+            </a:r>
+            <a:r>
+              <a:rPr lang="zh-TW" altLang="en-US" sz="1400" dirty="0" smtClean="0">
+                <a:solidFill>
+                  <a:schemeClr val="accent2">
+                    <a:lumMod val="50000"/>
+                  </a:schemeClr>
+                </a:solidFill>
+                <a:latin typeface="新細明體" panose="02020500000000000000" pitchFamily="18" charset="-120"/>
+                <a:ea typeface="新細明體" panose="02020500000000000000" pitchFamily="18" charset="-120"/>
+              </a:rPr>
+              <a:t>、</a:t>
+            </a:r>
+            <a:r>
+              <a:rPr lang="en-US" altLang="zh-TW" sz="1400" dirty="0" smtClean="0">
+                <a:solidFill>
+                  <a:schemeClr val="accent2">
+                    <a:lumMod val="50000"/>
+                  </a:schemeClr>
+                </a:solidFill>
+                <a:latin typeface="Adobe 黑体 Std R" panose="020B0400000000000000" pitchFamily="34" charset="-128"/>
+                <a:ea typeface="Adobe 黑体 Std R" panose="020B0400000000000000" pitchFamily="34" charset="-128"/>
+              </a:rPr>
+              <a:t>2</a:t>
+            </a:r>
+            <a:r>
+              <a:rPr lang="zh-TW" altLang="en-US" sz="1400" dirty="0" smtClean="0">
+                <a:solidFill>
+                  <a:schemeClr val="accent2">
+                    <a:lumMod val="50000"/>
+                  </a:schemeClr>
+                </a:solidFill>
+                <a:latin typeface="Adobe 黑体 Std R" panose="020B0400000000000000" pitchFamily="34" charset="-128"/>
+                <a:ea typeface="Adobe 黑体 Std R" panose="020B0400000000000000" pitchFamily="34" charset="-128"/>
+              </a:rPr>
+              <a:t> 流程</a:t>
+            </a:r>
+            <a:endParaRPr lang="zh-TW" altLang="en-US" sz="1400" dirty="0">
+              <a:solidFill>
+                <a:schemeClr val="accent2">
+                  <a:lumMod val="50000"/>
+                </a:schemeClr>
+              </a:solidFill>
+              <a:latin typeface="Adobe 黑体 Std R" panose="020B0400000000000000" pitchFamily="34" charset="-128"/>
+              <a:ea typeface="Adobe 黑体 Std R" panose="020B0400000000000000" pitchFamily="34" charset="-128"/>
+            </a:endParaRPr>
+          </a:p>
+        </p:txBody>
+      </p:sp>
+    </p:spTree>
+    <p:extLst>
+      <p:ext uri="{BB962C8B-B14F-4D97-AF65-F5344CB8AC3E}">
+        <p14:creationId xmlns:p14="http://schemas.microsoft.com/office/powerpoint/2010/main" val="2179615567"/>
+      </p:ext>
+    </p:extLst>
+  </p:cSld>
+  <p:clrMapOvr>
+    <a:masterClrMapping/>
+  </p:clrMapOvr>
+  <p:timing>
+    <p:tnLst>
+      <p:par>
+        <p:cTn id="1" dur="indefinite" restart="never" nodeType="tmRoot"/>
+      </p:par>
+    </p:tnLst>
+  </p:timing>
+</p:sld>
+</file>
+
+<file path=ppt/slides/slide13.xml><?xml version="1.0" encoding="utf-8"?>
+<p:sld xmlns:a="http://schemas.openxmlformats.org/drawingml/2006/main" xmlns:r="http://schemas.openxmlformats.org/officeDocument/2006/relationships" xmlns:p="http://schemas.openxmlformats.org/presentationml/2006/main">
+  <p:cSld>
+    <p:bg>
+      <p:bgPr>
+        <a:blipFill>
+          <a:blip r:embed="rId2"/>
+          <a:tile tx="0" ty="0" sx="100000" sy="100000" flip="none" algn="tl"/>
+        </a:blipFill>
+        <a:effectLst/>
+      </p:bgPr>
+    </p:bg>
+    <p:spTree>
+      <p:nvGrpSpPr>
+        <p:cNvPr id="1" name=""/>
+        <p:cNvGrpSpPr/>
+        <p:nvPr/>
+      </p:nvGrpSpPr>
+      <p:grpSpPr>
+        <a:xfrm>
+          <a:off x="0" y="0"/>
+          <a:ext cx="0" cy="0"/>
+          <a:chOff x="0" y="0"/>
+          <a:chExt cx="0" cy="0"/>
+        </a:xfrm>
+      </p:grpSpPr>
+      <p:sp>
+        <p:nvSpPr>
+          <p:cNvPr id="4" name="標題 3"/>
+          <p:cNvSpPr txBox="1">
+            <a:spLocks/>
+          </p:cNvSpPr>
+          <p:nvPr/>
+        </p:nvSpPr>
+        <p:spPr>
+          <a:xfrm>
+            <a:off x="521321" y="356003"/>
+            <a:ext cx="9875520" cy="1356360"/>
+          </a:xfrm>
+          <a:prstGeom prst="rect">
+            <a:avLst/>
+          </a:prstGeom>
+        </p:spPr>
+        <p:txBody>
+          <a:bodyPr vert="horz" lIns="91440" tIns="45720" rIns="91440" bIns="45720" rtlCol="0" anchor="ctr">
+            <a:normAutofit/>
+          </a:bodyPr>
+          <a:lstStyle>
+            <a:lvl1pPr algn="l" defTabSz="914400" rtl="0" eaLnBrk="1" latinLnBrk="0" hangingPunct="1">
+              <a:lnSpc>
+                <a:spcPct val="90000"/>
+              </a:lnSpc>
+              <a:spcBef>
+                <a:spcPct val="0"/>
+              </a:spcBef>
+              <a:buNone/>
+              <a:defRPr sz="4400" kern="1200">
+                <a:solidFill>
+                  <a:schemeClr val="tx1"/>
+                </a:solidFill>
+                <a:latin typeface="+mj-lt"/>
+                <a:ea typeface="+mj-ea"/>
+                <a:cs typeface="+mj-cs"/>
+              </a:defRPr>
+            </a:lvl1pPr>
+          </a:lstStyle>
+          <a:p>
+            <a:r>
+              <a:rPr lang="en-US" altLang="zh-TW" dirty="0" smtClean="0"/>
+              <a:t>3.2</a:t>
+            </a:r>
+            <a:r>
+              <a:rPr lang="zh-TW" altLang="en-US" dirty="0" smtClean="0"/>
+              <a:t> </a:t>
+            </a:r>
+            <a:r>
+              <a:rPr lang="zh-TW" altLang="en-US" dirty="0" smtClean="0">
+                <a:latin typeface="Adobe 黑体 Std R" panose="020B0400000000000000" pitchFamily="34" charset="-128"/>
+                <a:ea typeface="Adobe 黑体 Std R" panose="020B0400000000000000" pitchFamily="34" charset="-128"/>
+              </a:rPr>
+              <a:t>刪除帳務</a:t>
+            </a:r>
+            <a:endParaRPr lang="zh-TW" altLang="en-US" dirty="0">
+              <a:latin typeface="Adobe 黑体 Std R" panose="020B0400000000000000" pitchFamily="34" charset="-128"/>
+              <a:ea typeface="Adobe 黑体 Std R" panose="020B0400000000000000" pitchFamily="34" charset="-128"/>
+            </a:endParaRPr>
+          </a:p>
+        </p:txBody>
+      </p:sp>
+      <p:sp>
+        <p:nvSpPr>
+          <p:cNvPr id="5" name="文字方塊 4"/>
+          <p:cNvSpPr txBox="1"/>
+          <p:nvPr/>
+        </p:nvSpPr>
+        <p:spPr>
+          <a:xfrm>
+            <a:off x="1204870" y="3651402"/>
+            <a:ext cx="914400" cy="307777"/>
+          </a:xfrm>
+          <a:prstGeom prst="rect">
+            <a:avLst/>
+          </a:prstGeom>
+          <a:solidFill>
+            <a:srgbClr val="E0C286"/>
+          </a:solidFill>
+        </p:spPr>
+        <p:txBody>
+          <a:bodyPr wrap="square" rtlCol="0">
+            <a:spAutoFit/>
+          </a:bodyPr>
+          <a:lstStyle/>
+          <a:p>
+            <a:pPr algn="ctr"/>
+            <a:r>
+              <a:rPr lang="zh-TW" altLang="en-US" sz="1400" dirty="0" smtClean="0">
+                <a:solidFill>
+                  <a:schemeClr val="accent2">
+                    <a:lumMod val="50000"/>
+                  </a:schemeClr>
+                </a:solidFill>
+                <a:latin typeface="Adobe 黑体 Std R" panose="020B0400000000000000" pitchFamily="34" charset="-128"/>
+                <a:ea typeface="Adobe 黑体 Std R" panose="020B0400000000000000" pitchFamily="34" charset="-128"/>
+              </a:rPr>
+              <a:t>帳務頁面</a:t>
+            </a:r>
+            <a:endParaRPr lang="zh-TW" altLang="en-US" sz="1400" dirty="0">
+              <a:solidFill>
+                <a:schemeClr val="accent2">
+                  <a:lumMod val="50000"/>
+                </a:schemeClr>
+              </a:solidFill>
+              <a:latin typeface="Adobe 黑体 Std R" panose="020B0400000000000000" pitchFamily="34" charset="-128"/>
+              <a:ea typeface="Adobe 黑体 Std R" panose="020B0400000000000000" pitchFamily="34" charset="-128"/>
+            </a:endParaRPr>
+          </a:p>
+        </p:txBody>
+      </p:sp>
+      <p:sp>
+        <p:nvSpPr>
+          <p:cNvPr id="6" name="文字方塊 5"/>
+          <p:cNvSpPr txBox="1"/>
+          <p:nvPr/>
+        </p:nvSpPr>
+        <p:spPr>
+          <a:xfrm>
+            <a:off x="6308647" y="3499598"/>
+            <a:ext cx="1817714" cy="611386"/>
+          </a:xfrm>
+          <a:prstGeom prst="flowChartDecision">
+            <a:avLst/>
+          </a:prstGeom>
+          <a:solidFill>
+            <a:schemeClr val="accent1">
+              <a:lumMod val="20000"/>
+              <a:lumOff val="80000"/>
+            </a:schemeClr>
+          </a:solidFill>
+          <a:ln>
+            <a:solidFill>
+              <a:schemeClr val="accent1">
+                <a:lumMod val="50000"/>
+              </a:schemeClr>
+            </a:solidFill>
+          </a:ln>
+        </p:spPr>
+        <p:txBody>
+          <a:bodyPr wrap="square" rtlCol="0">
+            <a:spAutoFit/>
+          </a:bodyPr>
+          <a:lstStyle/>
+          <a:p>
+            <a:pPr algn="ctr"/>
+            <a:r>
+              <a:rPr lang="zh-TW" altLang="en-US" sz="1400" dirty="0" smtClean="0">
+                <a:solidFill>
+                  <a:schemeClr val="accent2">
+                    <a:lumMod val="50000"/>
+                  </a:schemeClr>
+                </a:solidFill>
+                <a:latin typeface="Adobe 黑体 Std R" panose="020B0400000000000000" pitchFamily="34" charset="-128"/>
+                <a:ea typeface="Adobe 黑体 Std R" panose="020B0400000000000000" pitchFamily="34" charset="-128"/>
+              </a:rPr>
+              <a:t>是否刪除</a:t>
+            </a:r>
+            <a:endParaRPr lang="zh-TW" altLang="en-US" sz="1400" dirty="0">
+              <a:solidFill>
+                <a:schemeClr val="accent2">
+                  <a:lumMod val="50000"/>
+                </a:schemeClr>
+              </a:solidFill>
+              <a:latin typeface="Adobe 黑体 Std R" panose="020B0400000000000000" pitchFamily="34" charset="-128"/>
+              <a:ea typeface="Adobe 黑体 Std R" panose="020B0400000000000000" pitchFamily="34" charset="-128"/>
+            </a:endParaRPr>
+          </a:p>
+        </p:txBody>
+      </p:sp>
+      <p:cxnSp>
+        <p:nvCxnSpPr>
+          <p:cNvPr id="7" name="直線單箭頭接點 6"/>
+          <p:cNvCxnSpPr>
+            <a:stCxn id="22" idx="3"/>
+            <a:endCxn id="6" idx="1"/>
+          </p:cNvCxnSpPr>
+          <p:nvPr/>
+        </p:nvCxnSpPr>
+        <p:spPr>
+          <a:xfrm>
+            <a:off x="4919488" y="3805290"/>
+            <a:ext cx="1389159" cy="1"/>
+          </a:xfrm>
+          <a:prstGeom prst="straightConnector1">
+            <a:avLst/>
+          </a:prstGeom>
+          <a:ln w="28575">
+            <a:solidFill>
+              <a:schemeClr val="accent2">
+                <a:lumMod val="50000"/>
+              </a:schemeClr>
+            </a:solidFill>
+            <a:tailEnd type="triangle"/>
+          </a:ln>
+        </p:spPr>
+        <p:style>
+          <a:lnRef idx="1">
+            <a:schemeClr val="accent1"/>
+          </a:lnRef>
+          <a:fillRef idx="0">
+            <a:schemeClr val="accent1"/>
+          </a:fillRef>
+          <a:effectRef idx="0">
+            <a:schemeClr val="accent1"/>
+          </a:effectRef>
+          <a:fontRef idx="minor">
+            <a:schemeClr val="tx1"/>
+          </a:fontRef>
+        </p:style>
+      </p:cxnSp>
+      <p:sp>
+        <p:nvSpPr>
+          <p:cNvPr id="11" name="文字方塊 10"/>
+          <p:cNvSpPr txBox="1"/>
+          <p:nvPr/>
+        </p:nvSpPr>
+        <p:spPr>
+          <a:xfrm>
+            <a:off x="9513651" y="3651402"/>
+            <a:ext cx="1736643" cy="307777"/>
+          </a:xfrm>
+          <a:prstGeom prst="rect">
+            <a:avLst/>
+          </a:prstGeom>
+          <a:solidFill>
+            <a:srgbClr val="E0C286"/>
+          </a:solidFill>
+        </p:spPr>
+        <p:txBody>
+          <a:bodyPr wrap="square" rtlCol="0">
+            <a:spAutoFit/>
+          </a:bodyPr>
+          <a:lstStyle/>
+          <a:p>
+            <a:pPr algn="ctr"/>
+            <a:r>
+              <a:rPr lang="zh-TW" altLang="en-US" sz="1400" dirty="0">
+                <a:solidFill>
+                  <a:schemeClr val="accent2">
+                    <a:lumMod val="50000"/>
+                  </a:schemeClr>
+                </a:solidFill>
+                <a:latin typeface="Adobe 黑体 Std R" panose="020B0400000000000000" pitchFamily="34" charset="-128"/>
+                <a:ea typeface="Adobe 黑体 Std R" panose="020B0400000000000000" pitchFamily="34" charset="-128"/>
+              </a:rPr>
+              <a:t>帳</a:t>
+            </a:r>
+            <a:r>
+              <a:rPr lang="zh-TW" altLang="en-US" sz="1400" dirty="0" smtClean="0">
+                <a:solidFill>
+                  <a:schemeClr val="accent2">
+                    <a:lumMod val="50000"/>
+                  </a:schemeClr>
+                </a:solidFill>
+                <a:latin typeface="Adobe 黑体 Std R" panose="020B0400000000000000" pitchFamily="34" charset="-128"/>
+                <a:ea typeface="Adobe 黑体 Std R" panose="020B0400000000000000" pitchFamily="34" charset="-128"/>
+              </a:rPr>
+              <a:t>務列表減少</a:t>
+            </a:r>
+            <a:endParaRPr lang="zh-TW" altLang="en-US" sz="1400" dirty="0">
+              <a:solidFill>
+                <a:schemeClr val="accent2">
+                  <a:lumMod val="50000"/>
+                </a:schemeClr>
+              </a:solidFill>
+              <a:latin typeface="Adobe 黑体 Std R" panose="020B0400000000000000" pitchFamily="34" charset="-128"/>
+              <a:ea typeface="Adobe 黑体 Std R" panose="020B0400000000000000" pitchFamily="34" charset="-128"/>
+            </a:endParaRPr>
+          </a:p>
+        </p:txBody>
+      </p:sp>
+      <p:cxnSp>
+        <p:nvCxnSpPr>
+          <p:cNvPr id="12" name="直線單箭頭接點 11"/>
+          <p:cNvCxnSpPr>
+            <a:stCxn id="6" idx="3"/>
+            <a:endCxn id="11" idx="1"/>
+          </p:cNvCxnSpPr>
+          <p:nvPr/>
+        </p:nvCxnSpPr>
+        <p:spPr>
+          <a:xfrm>
+            <a:off x="8126361" y="3805291"/>
+            <a:ext cx="1387290" cy="0"/>
+          </a:xfrm>
+          <a:prstGeom prst="straightConnector1">
+            <a:avLst/>
+          </a:prstGeom>
+          <a:ln w="19050">
+            <a:solidFill>
+              <a:schemeClr val="accent1">
+                <a:lumMod val="50000"/>
+              </a:schemeClr>
+            </a:solidFill>
+            <a:tailEnd type="triangle"/>
+          </a:ln>
+        </p:spPr>
+        <p:style>
+          <a:lnRef idx="1">
+            <a:schemeClr val="accent1"/>
+          </a:lnRef>
+          <a:fillRef idx="0">
+            <a:schemeClr val="accent1"/>
+          </a:fillRef>
+          <a:effectRef idx="0">
+            <a:schemeClr val="accent1"/>
+          </a:effectRef>
+          <a:fontRef idx="minor">
+            <a:schemeClr val="tx1"/>
+          </a:fontRef>
+        </p:style>
+      </p:cxnSp>
+      <p:sp>
+        <p:nvSpPr>
+          <p:cNvPr id="15" name="文字方塊 14"/>
+          <p:cNvSpPr txBox="1"/>
+          <p:nvPr/>
+        </p:nvSpPr>
+        <p:spPr>
+          <a:xfrm>
+            <a:off x="8607659" y="3545387"/>
+            <a:ext cx="614162" cy="276999"/>
+          </a:xfrm>
+          <a:prstGeom prst="rect">
+            <a:avLst/>
+          </a:prstGeom>
+          <a:noFill/>
+          <a:ln>
+            <a:noFill/>
+          </a:ln>
+        </p:spPr>
+        <p:txBody>
+          <a:bodyPr wrap="square" rtlCol="0">
+            <a:spAutoFit/>
+          </a:bodyPr>
+          <a:lstStyle/>
+          <a:p>
+            <a:r>
+              <a:rPr lang="en-US" altLang="zh-TW" sz="1200" dirty="0" smtClean="0">
+                <a:solidFill>
+                  <a:schemeClr val="accent1">
+                    <a:lumMod val="50000"/>
+                  </a:schemeClr>
+                </a:solidFill>
+                <a:latin typeface="Adobe 黑体 Std R" panose="020B0400000000000000" pitchFamily="34" charset="-128"/>
+                <a:ea typeface="Adobe 黑体 Std R" panose="020B0400000000000000" pitchFamily="34" charset="-128"/>
+              </a:rPr>
+              <a:t>YES</a:t>
+            </a:r>
+            <a:endParaRPr lang="zh-TW" altLang="en-US" sz="1200" dirty="0">
+              <a:solidFill>
+                <a:schemeClr val="accent1">
+                  <a:lumMod val="50000"/>
+                </a:schemeClr>
+              </a:solidFill>
+              <a:latin typeface="Adobe 黑体 Std R" panose="020B0400000000000000" pitchFamily="34" charset="-128"/>
+              <a:ea typeface="Adobe 黑体 Std R" panose="020B0400000000000000" pitchFamily="34" charset="-128"/>
+            </a:endParaRPr>
+          </a:p>
+        </p:txBody>
+      </p:sp>
+      <p:cxnSp>
+        <p:nvCxnSpPr>
+          <p:cNvPr id="16" name="直線接點 15"/>
+          <p:cNvCxnSpPr/>
+          <p:nvPr/>
+        </p:nvCxnSpPr>
+        <p:spPr>
+          <a:xfrm>
+            <a:off x="1662070" y="3156854"/>
+            <a:ext cx="5555434" cy="5092"/>
+          </a:xfrm>
+          <a:prstGeom prst="line">
+            <a:avLst/>
+          </a:prstGeom>
+          <a:ln w="19050">
+            <a:solidFill>
+              <a:srgbClr val="C00000"/>
+            </a:solidFill>
+          </a:ln>
+        </p:spPr>
+        <p:style>
+          <a:lnRef idx="1">
+            <a:schemeClr val="accent1"/>
+          </a:lnRef>
+          <a:fillRef idx="0">
+            <a:schemeClr val="accent1"/>
+          </a:fillRef>
+          <a:effectRef idx="0">
+            <a:schemeClr val="accent1"/>
+          </a:effectRef>
+          <a:fontRef idx="minor">
+            <a:schemeClr val="tx1"/>
+          </a:fontRef>
+        </p:style>
+      </p:cxnSp>
+      <p:cxnSp>
+        <p:nvCxnSpPr>
+          <p:cNvPr id="19" name="直線接點 18"/>
+          <p:cNvCxnSpPr>
+            <a:stCxn id="6" idx="0"/>
+          </p:cNvCxnSpPr>
+          <p:nvPr/>
+        </p:nvCxnSpPr>
+        <p:spPr>
+          <a:xfrm flipV="1">
+            <a:off x="7217504" y="3156854"/>
+            <a:ext cx="417" cy="342744"/>
+          </a:xfrm>
+          <a:prstGeom prst="line">
+            <a:avLst/>
+          </a:prstGeom>
+          <a:ln w="19050">
+            <a:solidFill>
+              <a:srgbClr val="C00000"/>
+            </a:solidFill>
+          </a:ln>
+        </p:spPr>
+        <p:style>
+          <a:lnRef idx="1">
+            <a:schemeClr val="accent1"/>
+          </a:lnRef>
+          <a:fillRef idx="0">
+            <a:schemeClr val="accent1"/>
+          </a:fillRef>
+          <a:effectRef idx="0">
+            <a:schemeClr val="accent1"/>
+          </a:effectRef>
+          <a:fontRef idx="minor">
+            <a:schemeClr val="tx1"/>
+          </a:fontRef>
+        </p:style>
+      </p:cxnSp>
+      <p:sp>
+        <p:nvSpPr>
+          <p:cNvPr id="22" name="文字方塊 21"/>
+          <p:cNvSpPr txBox="1"/>
+          <p:nvPr/>
+        </p:nvSpPr>
+        <p:spPr>
+          <a:xfrm>
+            <a:off x="3523836" y="3651401"/>
+            <a:ext cx="1395652" cy="307777"/>
+          </a:xfrm>
+          <a:prstGeom prst="rect">
+            <a:avLst/>
+          </a:prstGeom>
+          <a:solidFill>
+            <a:srgbClr val="E0C286"/>
+          </a:solidFill>
+        </p:spPr>
+        <p:txBody>
+          <a:bodyPr wrap="square" rtlCol="0">
+            <a:spAutoFit/>
+          </a:bodyPr>
+          <a:lstStyle/>
+          <a:p>
+            <a:pPr algn="ctr"/>
+            <a:r>
+              <a:rPr lang="zh-TW" altLang="en-US" sz="1400" dirty="0" smtClean="0">
+                <a:solidFill>
+                  <a:schemeClr val="accent2">
+                    <a:lumMod val="50000"/>
+                  </a:schemeClr>
+                </a:solidFill>
+                <a:latin typeface="Adobe 黑体 Std R" panose="020B0400000000000000" pitchFamily="34" charset="-128"/>
+                <a:ea typeface="Adobe 黑体 Std R" panose="020B0400000000000000" pitchFamily="34" charset="-128"/>
+              </a:rPr>
+              <a:t>選擇刪除項目</a:t>
+            </a:r>
+            <a:endParaRPr lang="zh-TW" altLang="en-US" sz="1400" dirty="0">
+              <a:solidFill>
+                <a:schemeClr val="accent2">
+                  <a:lumMod val="50000"/>
+                </a:schemeClr>
+              </a:solidFill>
+              <a:latin typeface="Adobe 黑体 Std R" panose="020B0400000000000000" pitchFamily="34" charset="-128"/>
+              <a:ea typeface="Adobe 黑体 Std R" panose="020B0400000000000000" pitchFamily="34" charset="-128"/>
+            </a:endParaRPr>
+          </a:p>
+        </p:txBody>
+      </p:sp>
+      <p:cxnSp>
+        <p:nvCxnSpPr>
+          <p:cNvPr id="24" name="直線單箭頭接點 23"/>
+          <p:cNvCxnSpPr>
+            <a:stCxn id="5" idx="3"/>
+            <a:endCxn id="22" idx="1"/>
+          </p:cNvCxnSpPr>
+          <p:nvPr/>
+        </p:nvCxnSpPr>
+        <p:spPr>
+          <a:xfrm flipV="1">
+            <a:off x="2119270" y="3805290"/>
+            <a:ext cx="1404566" cy="1"/>
+          </a:xfrm>
+          <a:prstGeom prst="straightConnector1">
+            <a:avLst/>
+          </a:prstGeom>
+          <a:ln w="28575">
+            <a:solidFill>
+              <a:schemeClr val="accent2">
+                <a:lumMod val="50000"/>
+              </a:schemeClr>
+            </a:solidFill>
+            <a:tailEnd type="triangle"/>
+          </a:ln>
+        </p:spPr>
+        <p:style>
+          <a:lnRef idx="1">
+            <a:schemeClr val="accent1"/>
+          </a:lnRef>
+          <a:fillRef idx="0">
+            <a:schemeClr val="accent1"/>
+          </a:fillRef>
+          <a:effectRef idx="0">
+            <a:schemeClr val="accent1"/>
+          </a:effectRef>
+          <a:fontRef idx="minor">
+            <a:schemeClr val="tx1"/>
+          </a:fontRef>
+        </p:style>
+      </p:cxnSp>
+      <p:cxnSp>
+        <p:nvCxnSpPr>
+          <p:cNvPr id="29" name="直線單箭頭接點 28"/>
+          <p:cNvCxnSpPr>
+            <a:endCxn id="5" idx="0"/>
+          </p:cNvCxnSpPr>
+          <p:nvPr/>
+        </p:nvCxnSpPr>
+        <p:spPr>
+          <a:xfrm>
+            <a:off x="1662070" y="3156854"/>
+            <a:ext cx="0" cy="494548"/>
+          </a:xfrm>
+          <a:prstGeom prst="straightConnector1">
+            <a:avLst/>
+          </a:prstGeom>
+          <a:ln w="19050">
+            <a:solidFill>
+              <a:srgbClr val="C00000"/>
+            </a:solidFill>
+            <a:tailEnd type="triangle"/>
+          </a:ln>
+        </p:spPr>
+        <p:style>
+          <a:lnRef idx="1">
+            <a:schemeClr val="accent1"/>
+          </a:lnRef>
+          <a:fillRef idx="0">
+            <a:schemeClr val="accent1"/>
+          </a:fillRef>
+          <a:effectRef idx="0">
+            <a:schemeClr val="accent1"/>
+          </a:effectRef>
+          <a:fontRef idx="minor">
+            <a:schemeClr val="tx1"/>
+          </a:fontRef>
+        </p:style>
+      </p:cxnSp>
+    </p:spTree>
+    <p:extLst>
+      <p:ext uri="{BB962C8B-B14F-4D97-AF65-F5344CB8AC3E}">
+        <p14:creationId xmlns:p14="http://schemas.microsoft.com/office/powerpoint/2010/main" val="2004352819"/>
+      </p:ext>
+    </p:extLst>
+  </p:cSld>
+  <p:clrMapOvr>
+    <a:masterClrMapping/>
+  </p:clrMapOvr>
+  <p:timing>
+    <p:tnLst>
+      <p:par>
+        <p:cTn id="1" dur="indefinite" restart="never" nodeType="tmRoot"/>
+      </p:par>
+    </p:tnLst>
+  </p:timing>
+</p:sld>
+</file>
+
+<file path=ppt/slides/slide14.xml><?xml version="1.0" encoding="utf-8"?>
+<p:sld xmlns:a="http://schemas.openxmlformats.org/drawingml/2006/main" xmlns:r="http://schemas.openxmlformats.org/officeDocument/2006/relationships" xmlns:p="http://schemas.openxmlformats.org/presentationml/2006/main">
+  <p:cSld>
+    <p:bg>
+      <p:bgPr>
+        <a:blipFill>
+          <a:blip r:embed="rId2"/>
+          <a:tile tx="0" ty="0" sx="100000" sy="100000" flip="none" algn="tl"/>
+        </a:blipFill>
+        <a:effectLst/>
+      </p:bgPr>
+    </p:bg>
+    <p:spTree>
+      <p:nvGrpSpPr>
+        <p:cNvPr id="1" name=""/>
+        <p:cNvGrpSpPr/>
+        <p:nvPr/>
+      </p:nvGrpSpPr>
+      <p:grpSpPr>
+        <a:xfrm>
+          <a:off x="0" y="0"/>
+          <a:ext cx="0" cy="0"/>
+          <a:chOff x="0" y="0"/>
+          <a:chExt cx="0" cy="0"/>
+        </a:xfrm>
+      </p:grpSpPr>
+      <p:sp>
+        <p:nvSpPr>
+          <p:cNvPr id="4" name="標題 3"/>
+          <p:cNvSpPr>
+            <a:spLocks noGrp="1"/>
+          </p:cNvSpPr>
+          <p:nvPr>
+            <p:ph type="title"/>
+          </p:nvPr>
+        </p:nvSpPr>
+        <p:spPr/>
+        <p:txBody>
+          <a:bodyPr/>
+          <a:lstStyle/>
+          <a:p>
+            <a:r>
+              <a:rPr lang="zh-TW" altLang="en-US" dirty="0" smtClean="0">
+                <a:latin typeface="Adobe 黑体 Std R" panose="020B0400000000000000" pitchFamily="34" charset="-128"/>
+                <a:ea typeface="Adobe 黑体 Std R" panose="020B0400000000000000" pitchFamily="34" charset="-128"/>
+              </a:rPr>
+              <a:t>錯誤</a:t>
+            </a:r>
+            <a:r>
+              <a:rPr lang="zh-TW" altLang="en-US" dirty="0">
+                <a:latin typeface="Adobe 黑体 Std R" panose="020B0400000000000000" pitchFamily="34" charset="-128"/>
+                <a:ea typeface="Adobe 黑体 Std R" panose="020B0400000000000000" pitchFamily="34" charset="-128"/>
+              </a:rPr>
+              <a:t>示範</a:t>
+            </a:r>
+          </a:p>
+        </p:txBody>
+      </p:sp>
+      <p:sp>
+        <p:nvSpPr>
+          <p:cNvPr id="5" name="文字版面配置區 4"/>
+          <p:cNvSpPr>
+            <a:spLocks noGrp="1"/>
+          </p:cNvSpPr>
+          <p:nvPr>
+            <p:ph type="body" idx="1"/>
+          </p:nvPr>
+        </p:nvSpPr>
+        <p:spPr/>
+        <p:txBody>
+          <a:bodyPr/>
+          <a:lstStyle/>
+          <a:p>
+            <a:r>
+              <a:rPr lang="zh-TW" altLang="en-US" dirty="0" smtClean="0">
+                <a:latin typeface="Adobe 黑体 Std R" panose="020B0400000000000000" pitchFamily="34" charset="-128"/>
+                <a:ea typeface="Adobe 黑体 Std R" panose="020B0400000000000000" pitchFamily="34" charset="-128"/>
+              </a:rPr>
+              <a:t>不想刪</a:t>
+            </a:r>
+            <a:r>
+              <a:rPr lang="en-US" altLang="zh-TW" dirty="0" smtClean="0">
+                <a:latin typeface="Adobe 黑体 Std R" panose="020B0400000000000000" pitchFamily="34" charset="-128"/>
+                <a:ea typeface="Adobe 黑体 Std R" panose="020B0400000000000000" pitchFamily="34" charset="-128"/>
+              </a:rPr>
+              <a:t>QQ</a:t>
+            </a:r>
+          </a:p>
+          <a:p>
+            <a:r>
+              <a:rPr lang="zh-TW" altLang="en-US" dirty="0" smtClean="0">
+                <a:latin typeface="Adobe 黑体 Std R" panose="020B0400000000000000" pitchFamily="34" charset="-128"/>
+                <a:ea typeface="Adobe 黑体 Std R" panose="020B0400000000000000" pitchFamily="34" charset="-128"/>
+              </a:rPr>
+              <a:t>懶得刪</a:t>
+            </a:r>
+            <a:r>
+              <a:rPr lang="en-US" altLang="zh-TW" dirty="0" smtClean="0">
+                <a:latin typeface="Adobe 黑体 Std R" panose="020B0400000000000000" pitchFamily="34" charset="-128"/>
+                <a:ea typeface="Adobe 黑体 Std R" panose="020B0400000000000000" pitchFamily="34" charset="-128"/>
+              </a:rPr>
+              <a:t>Q</a:t>
+            </a:r>
+            <a:r>
+              <a:rPr lang="en-US" altLang="zh-TW" dirty="0">
+                <a:latin typeface="Adobe 黑体 Std R" panose="020B0400000000000000" pitchFamily="34" charset="-128"/>
+                <a:ea typeface="Adobe 黑体 Std R" panose="020B0400000000000000" pitchFamily="34" charset="-128"/>
+              </a:rPr>
+              <a:t>Q</a:t>
+            </a:r>
+            <a:endParaRPr lang="zh-TW" altLang="en-US" dirty="0">
+              <a:latin typeface="Adobe 黑体 Std R" panose="020B0400000000000000" pitchFamily="34" charset="-128"/>
+              <a:ea typeface="Adobe 黑体 Std R" panose="020B0400000000000000" pitchFamily="34" charset="-128"/>
+            </a:endParaRPr>
+          </a:p>
+        </p:txBody>
+      </p:sp>
+    </p:spTree>
+    <p:extLst>
+      <p:ext uri="{BB962C8B-B14F-4D97-AF65-F5344CB8AC3E}">
+        <p14:creationId xmlns:p14="http://schemas.microsoft.com/office/powerpoint/2010/main" val="1303967737"/>
+      </p:ext>
+    </p:extLst>
+  </p:cSld>
+  <p:clrMapOvr>
+    <a:masterClrMapping/>
+  </p:clrMapOvr>
+  <p:timing>
+    <p:tnLst>
+      <p:par>
+        <p:cTn id="1" dur="indefinite" restart="never" nodeType="tmRoot"/>
+      </p:par>
+    </p:tnLst>
+  </p:timing>
+</p:sld>
+</file>
+
+<file path=ppt/slides/slide15.xml><?xml version="1.0" encoding="utf-8"?>
+<p:sld xmlns:a="http://schemas.openxmlformats.org/drawingml/2006/main" xmlns:r="http://schemas.openxmlformats.org/officeDocument/2006/relationships" xmlns:p="http://schemas.openxmlformats.org/presentationml/2006/main">
+  <p:cSld>
+    <p:bg>
+      <p:bgPr>
+        <a:blipFill>
+          <a:blip r:embed="rId2"/>
+          <a:tile tx="0" ty="0" sx="100000" sy="100000" flip="none" algn="tl"/>
+        </a:blipFill>
+        <a:effectLst/>
+      </p:bgPr>
+    </p:bg>
+    <p:spTree>
+      <p:nvGrpSpPr>
+        <p:cNvPr id="1" name=""/>
+        <p:cNvGrpSpPr/>
+        <p:nvPr/>
+      </p:nvGrpSpPr>
+      <p:grpSpPr>
+        <a:xfrm>
+          <a:off x="0" y="0"/>
+          <a:ext cx="0" cy="0"/>
+          <a:chOff x="0" y="0"/>
+          <a:chExt cx="0" cy="0"/>
+        </a:xfrm>
+      </p:grpSpPr>
       <p:grpSp>
         <p:nvGrpSpPr>
           <p:cNvPr id="175" name="群組 174"/>
@@ -4846,7 +12028,7 @@
           <p:nvPr/>
         </p:nvPicPr>
         <p:blipFill>
-          <a:blip r:embed="rId3">
+          <a:blip r:embed="rId3" cstate="print">
             <a:extLst>
               <a:ext uri="{28A0092B-C50C-407E-A947-70E740481C1C}">
                 <a14:useLocalDpi xmlns:a14="http://schemas.microsoft.com/office/drawing/2010/main" val="0"/>
@@ -5965,7 +13147,7 @@
 </p:sld>
 </file>
 
-<file path=ppt/slides/slide11.xml><?xml version="1.0" encoding="utf-8"?>
+<file path=ppt/slides/slide16.xml><?xml version="1.0" encoding="utf-8"?>
 <p:sld xmlns:a="http://schemas.openxmlformats.org/drawingml/2006/main" xmlns:r="http://schemas.openxmlformats.org/officeDocument/2006/relationships" xmlns:p="http://schemas.openxmlformats.org/presentationml/2006/main">
   <p:cSld>
     <p:bg>
@@ -7701,7 +14883,7 @@
 </p:sld>
 </file>
 
-<file path=ppt/slides/slide12.xml><?xml version="1.0" encoding="utf-8"?>
+<file path=ppt/slides/slide17.xml><?xml version="1.0" encoding="utf-8"?>
 <p:sld xmlns:a="http://schemas.openxmlformats.org/drawingml/2006/main" xmlns:r="http://schemas.openxmlformats.org/officeDocument/2006/relationships" xmlns:p="http://schemas.openxmlformats.org/presentationml/2006/main">
   <p:cSld>
     <p:bg>
@@ -9419,7 +16601,7 @@
 </p:sld>
 </file>
 
-<file path=ppt/slides/slide13.xml><?xml version="1.0" encoding="utf-8"?>
+<file path=ppt/slides/slide18.xml><?xml version="1.0" encoding="utf-8"?>
 <p:sld xmlns:a="http://schemas.openxmlformats.org/drawingml/2006/main" xmlns:r="http://schemas.openxmlformats.org/officeDocument/2006/relationships" xmlns:p="http://schemas.openxmlformats.org/presentationml/2006/main">
   <p:cSld>
     <p:bg>
@@ -10001,10 +17183,17 @@
   <p:clrMapOvr>
     <a:masterClrMapping/>
   </p:clrMapOvr>
+  <p:timing>
+    <p:tnLst>
+      <p:par>
+        <p:cTn id="1" dur="indefinite" restart="never" nodeType="tmRoot"/>
+      </p:par>
+    </p:tnLst>
+  </p:timing>
 </p:sld>
 </file>
 
-<file path=ppt/slides/slide14.xml><?xml version="1.0" encoding="utf-8"?>
+<file path=ppt/slides/slide19.xml><?xml version="1.0" encoding="utf-8"?>
 <p:sld xmlns:a="http://schemas.openxmlformats.org/drawingml/2006/main" xmlns:r="http://schemas.openxmlformats.org/officeDocument/2006/relationships" xmlns:p="http://schemas.openxmlformats.org/presentationml/2006/main">
   <p:cSld>
     <p:bg>
@@ -10063,7 +17252,7 @@
           <p:nvPr/>
         </p:nvPicPr>
         <p:blipFill>
-          <a:blip r:embed="rId4">
+          <a:blip r:embed="rId4" cstate="print">
             <a:extLst>
               <a:ext uri="{28A0092B-C50C-407E-A947-70E740481C1C}">
                 <a14:useLocalDpi xmlns:a14="http://schemas.microsoft.com/office/drawing/2010/main" val="0"/>
@@ -10193,7 +17382,7 @@
           <p:nvPr/>
         </p:nvPicPr>
         <p:blipFill>
-          <a:blip r:embed="rId6">
+          <a:blip r:embed="rId6" cstate="print">
             <a:extLst>
               <a:ext uri="{28A0092B-C50C-407E-A947-70E740481C1C}">
                 <a14:useLocalDpi xmlns:a14="http://schemas.microsoft.com/office/drawing/2010/main" val="0"/>
@@ -10223,7 +17412,7 @@
           <p:nvPr/>
         </p:nvPicPr>
         <p:blipFill>
-          <a:blip r:embed="rId7">
+          <a:blip r:embed="rId7" cstate="print">
             <a:extLst>
               <a:ext uri="{28A0092B-C50C-407E-A947-70E740481C1C}">
                 <a14:useLocalDpi xmlns:a14="http://schemas.microsoft.com/office/drawing/2010/main" val="0"/>
@@ -11067,7 +18256,7 @@
           <p:nvPr/>
         </p:nvPicPr>
         <p:blipFill>
-          <a:blip r:embed="rId5">
+          <a:blip r:embed="rId5" cstate="print">
             <a:extLst>
               <a:ext uri="{28A0092B-C50C-407E-A947-70E740481C1C}">
                 <a14:useLocalDpi xmlns:a14="http://schemas.microsoft.com/office/drawing/2010/main" val="0"/>
@@ -11361,6 +18550,13 @@
   <p:clrMapOvr>
     <a:masterClrMapping/>
   </p:clrMapOvr>
+  <p:timing>
+    <p:tnLst>
+      <p:par>
+        <p:cTn id="1" dur="indefinite" restart="never" nodeType="tmRoot"/>
+      </p:par>
+    </p:tnLst>
+  </p:timing>
 </p:sld>
 </file>
 

--- a/UX framework for MoneyCare.pptx
+++ b/UX framework for MoneyCare.pptx
@@ -5139,13 +5139,6 @@
               </a:rPr>
               <a:t>消</a:t>
             </a:r>
-            <a:endParaRPr lang="zh-TW" altLang="en-US" sz="1200" dirty="0">
-              <a:solidFill>
-                <a:srgbClr val="C00000"/>
-              </a:solidFill>
-              <a:latin typeface="Adobe 黑体 Std R" panose="020B0400000000000000" pitchFamily="34" charset="-128"/>
-              <a:ea typeface="Adobe 黑体 Std R" panose="020B0400000000000000" pitchFamily="34" charset="-128"/>
-            </a:endParaRPr>
           </a:p>
         </p:txBody>
       </p:sp>
@@ -12838,17 +12831,7 @@
                 <a:latin typeface="Adobe 黑体 Std R" panose="020B0400000000000000" pitchFamily="34" charset="-128"/>
                 <a:ea typeface="Adobe 黑体 Std R" panose="020B0400000000000000" pitchFamily="34" charset="-128"/>
               </a:rPr>
-              <a:t>退出</a:t>
-            </a:r>
-            <a:r>
-              <a:rPr lang="zh-TW" altLang="en-US" sz="1200" dirty="0" smtClean="0">
-                <a:solidFill>
-                  <a:srgbClr val="C00000"/>
-                </a:solidFill>
-                <a:latin typeface="Adobe 黑体 Std R" panose="020B0400000000000000" pitchFamily="34" charset="-128"/>
-                <a:ea typeface="Adobe 黑体 Std R" panose="020B0400000000000000" pitchFamily="34" charset="-128"/>
-              </a:rPr>
-              <a:t>相機</a:t>
+              <a:t>退出相機</a:t>
             </a:r>
             <a:r>
               <a:rPr lang="en-US" altLang="zh-TW" sz="1200" dirty="0" smtClean="0">
@@ -14846,14 +14829,7 @@
                 <a:latin typeface="Adobe 黑体 Std R" panose="020B0400000000000000" pitchFamily="34" charset="-128"/>
                 <a:ea typeface="Adobe 黑体 Std R" panose="020B0400000000000000" pitchFamily="34" charset="-128"/>
               </a:rPr>
-              <a:t>新增帳</a:t>
-            </a:r>
-            <a:r>
-              <a:rPr lang="zh-TW" altLang="en-US" dirty="0" smtClean="0">
-                <a:latin typeface="Adobe 黑体 Std R" panose="020B0400000000000000" pitchFamily="34" charset="-128"/>
-                <a:ea typeface="Adobe 黑体 Std R" panose="020B0400000000000000" pitchFamily="34" charset="-128"/>
-              </a:rPr>
-              <a:t>務</a:t>
+              <a:t>新增帳務</a:t>
             </a:r>
             <a:r>
               <a:rPr lang="en-US" altLang="zh-TW" dirty="0" smtClean="0">
@@ -15767,14 +15743,7 @@
                 <a:latin typeface="Adobe 黑体 Std R" panose="020B0400000000000000" pitchFamily="34" charset="-128"/>
                 <a:ea typeface="Adobe 黑体 Std R" panose="020B0400000000000000" pitchFamily="34" charset="-128"/>
               </a:rPr>
-              <a:t>新增帳</a:t>
-            </a:r>
-            <a:r>
-              <a:rPr lang="zh-TW" altLang="en-US" dirty="0" smtClean="0">
-                <a:latin typeface="Adobe 黑体 Std R" panose="020B0400000000000000" pitchFamily="34" charset="-128"/>
-                <a:ea typeface="Adobe 黑体 Std R" panose="020B0400000000000000" pitchFamily="34" charset="-128"/>
-              </a:rPr>
-              <a:t>務</a:t>
+              <a:t>新增帳務</a:t>
             </a:r>
             <a:r>
               <a:rPr lang="en-US" altLang="zh-TW" dirty="0" smtClean="0">
@@ -16787,14 +16756,7 @@
                 <a:latin typeface="Adobe 黑体 Std R" panose="020B0400000000000000" pitchFamily="34" charset="-128"/>
                 <a:ea typeface="Adobe 黑体 Std R" panose="020B0400000000000000" pitchFamily="34" charset="-128"/>
               </a:rPr>
-              <a:t>新增帳</a:t>
-            </a:r>
-            <a:r>
-              <a:rPr lang="zh-TW" altLang="en-US" dirty="0" smtClean="0">
-                <a:latin typeface="Adobe 黑体 Std R" panose="020B0400000000000000" pitchFamily="34" charset="-128"/>
-                <a:ea typeface="Adobe 黑体 Std R" panose="020B0400000000000000" pitchFamily="34" charset="-128"/>
-              </a:rPr>
-              <a:t>務</a:t>
+              <a:t>新增帳務</a:t>
             </a:r>
             <a:r>
               <a:rPr lang="en-US" altLang="zh-TW" dirty="0" smtClean="0">
@@ -17786,14 +17748,7 @@
                 <a:latin typeface="Adobe 黑体 Std R" panose="020B0400000000000000" pitchFamily="34" charset="-128"/>
                 <a:ea typeface="Adobe 黑体 Std R" panose="020B0400000000000000" pitchFamily="34" charset="-128"/>
               </a:rPr>
-              <a:t>新增帳</a:t>
-            </a:r>
-            <a:r>
-              <a:rPr lang="zh-TW" altLang="en-US" dirty="0" smtClean="0">
-                <a:latin typeface="Adobe 黑体 Std R" panose="020B0400000000000000" pitchFamily="34" charset="-128"/>
-                <a:ea typeface="Adobe 黑体 Std R" panose="020B0400000000000000" pitchFamily="34" charset="-128"/>
-              </a:rPr>
-              <a:t>務</a:t>
+              <a:t>新增帳務</a:t>
             </a:r>
             <a:r>
               <a:rPr lang="en-US" altLang="zh-TW" dirty="0" smtClean="0">
@@ -18806,14 +18761,7 @@
                 <a:latin typeface="Adobe 黑体 Std R" panose="020B0400000000000000" pitchFamily="34" charset="-128"/>
                 <a:ea typeface="Adobe 黑体 Std R" panose="020B0400000000000000" pitchFamily="34" charset="-128"/>
               </a:rPr>
-              <a:t>新增帳</a:t>
-            </a:r>
-            <a:r>
-              <a:rPr lang="zh-TW" altLang="en-US" dirty="0" smtClean="0">
-                <a:latin typeface="Adobe 黑体 Std R" panose="020B0400000000000000" pitchFamily="34" charset="-128"/>
-                <a:ea typeface="Adobe 黑体 Std R" panose="020B0400000000000000" pitchFamily="34" charset="-128"/>
-              </a:rPr>
-              <a:t>務</a:t>
+              <a:t>新增帳務</a:t>
             </a:r>
             <a:r>
               <a:rPr lang="en-US" altLang="zh-TW" dirty="0" smtClean="0">
@@ -19344,6 +19292,54 @@
           <a:chExt cx="0" cy="0"/>
         </a:xfrm>
       </p:grpSpPr>
+      <p:sp>
+        <p:nvSpPr>
+          <p:cNvPr id="16" name="矩形 15"/>
+          <p:cNvSpPr/>
+          <p:nvPr/>
+        </p:nvSpPr>
+        <p:spPr>
+          <a:xfrm>
+            <a:off x="3949344" y="2517239"/>
+            <a:ext cx="2215210" cy="1896984"/>
+          </a:xfrm>
+          <a:prstGeom prst="rect">
+            <a:avLst/>
+          </a:prstGeom>
+          <a:noFill/>
+          <a:ln>
+            <a:solidFill>
+              <a:schemeClr val="accent1">
+                <a:lumMod val="50000"/>
+              </a:schemeClr>
+            </a:solidFill>
+          </a:ln>
+        </p:spPr>
+        <p:style>
+          <a:lnRef idx="2">
+            <a:schemeClr val="accent1">
+              <a:shade val="50000"/>
+            </a:schemeClr>
+          </a:lnRef>
+          <a:fillRef idx="1">
+            <a:schemeClr val="accent1"/>
+          </a:fillRef>
+          <a:effectRef idx="0">
+            <a:schemeClr val="accent1"/>
+          </a:effectRef>
+          <a:fontRef idx="minor">
+            <a:schemeClr val="lt1"/>
+          </a:fontRef>
+        </p:style>
+        <p:txBody>
+          <a:bodyPr rtlCol="0" anchor="ctr"/>
+          <a:lstStyle/>
+          <a:p>
+            <a:pPr algn="ctr"/>
+            <a:endParaRPr lang="zh-TW" altLang="en-US"/>
+          </a:p>
+        </p:txBody>
+      </p:sp>
       <p:pic>
         <p:nvPicPr>
           <p:cNvPr id="52" name="圖片 51"/>
@@ -19368,6 +19364,46 @@
           </a:prstGeom>
         </p:spPr>
       </p:pic>
+      <p:sp>
+        <p:nvSpPr>
+          <p:cNvPr id="74" name="文字方塊 73"/>
+          <p:cNvSpPr txBox="1"/>
+          <p:nvPr/>
+        </p:nvSpPr>
+        <p:spPr>
+          <a:xfrm>
+            <a:off x="5857270" y="2899914"/>
+            <a:ext cx="614162" cy="276999"/>
+          </a:xfrm>
+          <a:prstGeom prst="rect">
+            <a:avLst/>
+          </a:prstGeom>
+          <a:solidFill>
+            <a:schemeClr val="bg1"/>
+          </a:solidFill>
+        </p:spPr>
+        <p:txBody>
+          <a:bodyPr wrap="square" rtlCol="0">
+            <a:spAutoFit/>
+          </a:bodyPr>
+          <a:lstStyle/>
+          <a:p>
+            <a:r>
+              <a:rPr lang="en-US" altLang="zh-TW" sz="1200" b="1" dirty="0" smtClean="0">
+                <a:solidFill>
+                  <a:srgbClr val="C00000"/>
+                </a:solidFill>
+              </a:rPr>
+              <a:t>Click</a:t>
+            </a:r>
+            <a:endParaRPr lang="zh-TW" altLang="en-US" sz="1200" b="1" dirty="0">
+              <a:solidFill>
+                <a:srgbClr val="C00000"/>
+              </a:solidFill>
+            </a:endParaRPr>
+          </a:p>
+        </p:txBody>
+      </p:sp>
       <p:pic>
         <p:nvPicPr>
           <p:cNvPr id="51" name="圖片 50"/>
@@ -19566,7 +19602,7 @@
         </p:nvSpPr>
         <p:spPr>
           <a:xfrm>
-            <a:off x="2088562" y="2450681"/>
+            <a:off x="2097108" y="2459227"/>
             <a:ext cx="256275" cy="256275"/>
           </a:xfrm>
           <a:prstGeom prst="ellipse">
@@ -19621,54 +19657,6 @@
           <a:xfrm>
             <a:off x="2917479" y="2686057"/>
             <a:ext cx="861659" cy="705461"/>
-          </a:xfrm>
-          <a:prstGeom prst="rect">
-            <a:avLst/>
-          </a:prstGeom>
-          <a:noFill/>
-          <a:ln>
-            <a:solidFill>
-              <a:schemeClr val="accent1">
-                <a:lumMod val="50000"/>
-              </a:schemeClr>
-            </a:solidFill>
-          </a:ln>
-        </p:spPr>
-        <p:style>
-          <a:lnRef idx="2">
-            <a:schemeClr val="accent1">
-              <a:shade val="50000"/>
-            </a:schemeClr>
-          </a:lnRef>
-          <a:fillRef idx="1">
-            <a:schemeClr val="accent1"/>
-          </a:fillRef>
-          <a:effectRef idx="0">
-            <a:schemeClr val="accent1"/>
-          </a:effectRef>
-          <a:fontRef idx="minor">
-            <a:schemeClr val="lt1"/>
-          </a:fontRef>
-        </p:style>
-        <p:txBody>
-          <a:bodyPr rtlCol="0" anchor="ctr"/>
-          <a:lstStyle/>
-          <a:p>
-            <a:pPr algn="ctr"/>
-            <a:endParaRPr lang="zh-TW" altLang="en-US"/>
-          </a:p>
-        </p:txBody>
-      </p:sp>
-      <p:sp>
-        <p:nvSpPr>
-          <p:cNvPr id="16" name="矩形 15"/>
-          <p:cNvSpPr/>
-          <p:nvPr/>
-        </p:nvSpPr>
-        <p:spPr>
-          <a:xfrm>
-            <a:off x="3949344" y="2517239"/>
-            <a:ext cx="2215210" cy="1896984"/>
           </a:xfrm>
           <a:prstGeom prst="rect">
             <a:avLst/>
@@ -20330,8 +20318,8 @@
         </p:nvCxnSpPr>
         <p:spPr>
           <a:xfrm>
-            <a:off x="2307306" y="2669425"/>
-            <a:ext cx="610173" cy="369363"/>
+            <a:off x="2315852" y="2677971"/>
+            <a:ext cx="601627" cy="360817"/>
           </a:xfrm>
           <a:prstGeom prst="straightConnector1">
             <a:avLst/>
@@ -20530,46 +20518,6 @@
           </a:fontRef>
         </p:style>
       </p:cxnSp>
-      <p:sp>
-        <p:nvSpPr>
-          <p:cNvPr id="74" name="文字方塊 73"/>
-          <p:cNvSpPr txBox="1"/>
-          <p:nvPr/>
-        </p:nvSpPr>
-        <p:spPr>
-          <a:xfrm>
-            <a:off x="5882730" y="2856606"/>
-            <a:ext cx="614162" cy="276999"/>
-          </a:xfrm>
-          <a:prstGeom prst="rect">
-            <a:avLst/>
-          </a:prstGeom>
-          <a:solidFill>
-            <a:schemeClr val="bg1"/>
-          </a:solidFill>
-        </p:spPr>
-        <p:txBody>
-          <a:bodyPr wrap="square" rtlCol="0">
-            <a:spAutoFit/>
-          </a:bodyPr>
-          <a:lstStyle/>
-          <a:p>
-            <a:r>
-              <a:rPr lang="en-US" altLang="zh-TW" sz="1200" b="1" dirty="0" smtClean="0">
-                <a:solidFill>
-                  <a:srgbClr val="C00000"/>
-                </a:solidFill>
-              </a:rPr>
-              <a:t>Click</a:t>
-            </a:r>
-            <a:endParaRPr lang="zh-TW" altLang="en-US" sz="1200" b="1" dirty="0">
-              <a:solidFill>
-                <a:srgbClr val="C00000"/>
-              </a:solidFill>
-            </a:endParaRPr>
-          </a:p>
-        </p:txBody>
-      </p:sp>
       <p:cxnSp>
         <p:nvCxnSpPr>
           <p:cNvPr id="54" name="直線接點 53"/>

--- a/UX framework for MoneyCare.pptx
+++ b/UX framework for MoneyCare.pptx
@@ -7164,6 +7164,36 @@
           </a:p>
         </p:txBody>
       </p:sp>
+      <p:pic>
+        <p:nvPicPr>
+          <p:cNvPr id="107" name="圖片 106"/>
+          <p:cNvPicPr>
+            <a:picLocks noChangeAspect="1"/>
+          </p:cNvPicPr>
+          <p:nvPr/>
+        </p:nvPicPr>
+        <p:blipFill>
+          <a:blip r:embed="rId18" cstate="print">
+            <a:extLst>
+              <a:ext uri="{28A0092B-C50C-407E-A947-70E740481C1C}">
+                <a14:useLocalDpi xmlns:a14="http://schemas.microsoft.com/office/drawing/2010/main" val="0"/>
+              </a:ext>
+            </a:extLst>
+          </a:blip>
+          <a:stretch>
+            <a:fillRect/>
+          </a:stretch>
+        </p:blipFill>
+        <p:spPr>
+          <a:xfrm>
+            <a:off x="477712" y="4185008"/>
+            <a:ext cx="758661" cy="112393"/>
+          </a:xfrm>
+          <a:prstGeom prst="rect">
+            <a:avLst/>
+          </a:prstGeom>
+        </p:spPr>
+      </p:pic>
     </p:spTree>
     <p:extLst>
       <p:ext uri="{BB962C8B-B14F-4D97-AF65-F5344CB8AC3E}">
@@ -10019,6 +10049,36 @@
           </a:p>
         </p:txBody>
       </p:sp>
+      <p:pic>
+        <p:nvPicPr>
+          <p:cNvPr id="82" name="圖片 81"/>
+          <p:cNvPicPr>
+            <a:picLocks noChangeAspect="1"/>
+          </p:cNvPicPr>
+          <p:nvPr/>
+        </p:nvPicPr>
+        <p:blipFill>
+          <a:blip r:embed="rId14" cstate="print">
+            <a:extLst>
+              <a:ext uri="{28A0092B-C50C-407E-A947-70E740481C1C}">
+                <a14:useLocalDpi xmlns:a14="http://schemas.microsoft.com/office/drawing/2010/main" val="0"/>
+              </a:ext>
+            </a:extLst>
+          </a:blip>
+          <a:stretch>
+            <a:fillRect/>
+          </a:stretch>
+        </p:blipFill>
+        <p:spPr>
+          <a:xfrm>
+            <a:off x="767280" y="4505286"/>
+            <a:ext cx="758661" cy="112393"/>
+          </a:xfrm>
+          <a:prstGeom prst="rect">
+            <a:avLst/>
+          </a:prstGeom>
+        </p:spPr>
+      </p:pic>
     </p:spTree>
     <p:extLst>
       <p:ext uri="{BB962C8B-B14F-4D97-AF65-F5344CB8AC3E}">
@@ -10968,6 +11028,66 @@
           </a:prstGeom>
         </p:spPr>
       </p:pic>
+      <p:pic>
+        <p:nvPicPr>
+          <p:cNvPr id="30" name="圖片 29"/>
+          <p:cNvPicPr>
+            <a:picLocks noChangeAspect="1"/>
+          </p:cNvPicPr>
+          <p:nvPr/>
+        </p:nvPicPr>
+        <p:blipFill>
+          <a:blip r:embed="rId9" cstate="print">
+            <a:extLst>
+              <a:ext uri="{28A0092B-C50C-407E-A947-70E740481C1C}">
+                <a14:useLocalDpi xmlns:a14="http://schemas.microsoft.com/office/drawing/2010/main" val="0"/>
+              </a:ext>
+            </a:extLst>
+          </a:blip>
+          <a:stretch>
+            <a:fillRect/>
+          </a:stretch>
+        </p:blipFill>
+        <p:spPr>
+          <a:xfrm>
+            <a:off x="1282046" y="4417658"/>
+            <a:ext cx="1183202" cy="175289"/>
+          </a:xfrm>
+          <a:prstGeom prst="rect">
+            <a:avLst/>
+          </a:prstGeom>
+        </p:spPr>
+      </p:pic>
+      <p:pic>
+        <p:nvPicPr>
+          <p:cNvPr id="31" name="圖片 30"/>
+          <p:cNvPicPr>
+            <a:picLocks noChangeAspect="1"/>
+          </p:cNvPicPr>
+          <p:nvPr/>
+        </p:nvPicPr>
+        <p:blipFill>
+          <a:blip r:embed="rId9" cstate="print">
+            <a:extLst>
+              <a:ext uri="{28A0092B-C50C-407E-A947-70E740481C1C}">
+                <a14:useLocalDpi xmlns:a14="http://schemas.microsoft.com/office/drawing/2010/main" val="0"/>
+              </a:ext>
+            </a:extLst>
+          </a:blip>
+          <a:stretch>
+            <a:fillRect/>
+          </a:stretch>
+        </p:blipFill>
+        <p:spPr>
+          <a:xfrm>
+            <a:off x="9681397" y="4417657"/>
+            <a:ext cx="1183202" cy="175289"/>
+          </a:xfrm>
+          <a:prstGeom prst="rect">
+            <a:avLst/>
+          </a:prstGeom>
+        </p:spPr>
+      </p:pic>
     </p:spTree>
     <p:extLst>
       <p:ext uri="{BB962C8B-B14F-4D97-AF65-F5344CB8AC3E}">
@@ -11883,6 +12003,66 @@
           </a:p>
         </p:txBody>
       </p:sp>
+      <p:pic>
+        <p:nvPicPr>
+          <p:cNvPr id="23" name="圖片 22"/>
+          <p:cNvPicPr>
+            <a:picLocks noChangeAspect="1"/>
+          </p:cNvPicPr>
+          <p:nvPr/>
+        </p:nvPicPr>
+        <p:blipFill>
+          <a:blip r:embed="rId7" cstate="print">
+            <a:extLst>
+              <a:ext uri="{28A0092B-C50C-407E-A947-70E740481C1C}">
+                <a14:useLocalDpi xmlns:a14="http://schemas.microsoft.com/office/drawing/2010/main" val="0"/>
+              </a:ext>
+            </a:extLst>
+          </a:blip>
+          <a:stretch>
+            <a:fillRect/>
+          </a:stretch>
+        </p:blipFill>
+        <p:spPr>
+          <a:xfrm>
+            <a:off x="1407268" y="4279410"/>
+            <a:ext cx="1183202" cy="175289"/>
+          </a:xfrm>
+          <a:prstGeom prst="rect">
+            <a:avLst/>
+          </a:prstGeom>
+        </p:spPr>
+      </p:pic>
+      <p:pic>
+        <p:nvPicPr>
+          <p:cNvPr id="27" name="圖片 26"/>
+          <p:cNvPicPr>
+            <a:picLocks noChangeAspect="1"/>
+          </p:cNvPicPr>
+          <p:nvPr/>
+        </p:nvPicPr>
+        <p:blipFill>
+          <a:blip r:embed="rId7" cstate="print">
+            <a:extLst>
+              <a:ext uri="{28A0092B-C50C-407E-A947-70E740481C1C}">
+                <a14:useLocalDpi xmlns:a14="http://schemas.microsoft.com/office/drawing/2010/main" val="0"/>
+              </a:ext>
+            </a:extLst>
+          </a:blip>
+          <a:stretch>
+            <a:fillRect/>
+          </a:stretch>
+        </p:blipFill>
+        <p:spPr>
+          <a:xfrm>
+            <a:off x="9690141" y="4283087"/>
+            <a:ext cx="1183202" cy="175289"/>
+          </a:xfrm>
+          <a:prstGeom prst="rect">
+            <a:avLst/>
+          </a:prstGeom>
+        </p:spPr>
+      </p:pic>
     </p:spTree>
     <p:extLst>
       <p:ext uri="{BB962C8B-B14F-4D97-AF65-F5344CB8AC3E}">
@@ -13821,6 +14001,36 @@
           </a:fontRef>
         </p:style>
       </p:cxnSp>
+      <p:pic>
+        <p:nvPicPr>
+          <p:cNvPr id="47" name="圖片 46"/>
+          <p:cNvPicPr>
+            <a:picLocks noChangeAspect="1"/>
+          </p:cNvPicPr>
+          <p:nvPr/>
+        </p:nvPicPr>
+        <p:blipFill>
+          <a:blip r:embed="rId11">
+            <a:extLst>
+              <a:ext uri="{28A0092B-C50C-407E-A947-70E740481C1C}">
+                <a14:useLocalDpi xmlns:a14="http://schemas.microsoft.com/office/drawing/2010/main" val="0"/>
+              </a:ext>
+            </a:extLst>
+          </a:blip>
+          <a:stretch>
+            <a:fillRect/>
+          </a:stretch>
+        </p:blipFill>
+        <p:spPr>
+          <a:xfrm>
+            <a:off x="601159" y="5221995"/>
+            <a:ext cx="1811803" cy="268415"/>
+          </a:xfrm>
+          <a:prstGeom prst="rect">
+            <a:avLst/>
+          </a:prstGeom>
+        </p:spPr>
+      </p:pic>
     </p:spTree>
     <p:extLst>
       <p:ext uri="{BB962C8B-B14F-4D97-AF65-F5344CB8AC3E}">
@@ -19637,6 +19847,66 @@
           </a:p>
         </p:txBody>
       </p:sp>
+      <p:pic>
+        <p:nvPicPr>
+          <p:cNvPr id="23" name="圖片 22"/>
+          <p:cNvPicPr>
+            <a:picLocks noChangeAspect="1"/>
+          </p:cNvPicPr>
+          <p:nvPr/>
+        </p:nvPicPr>
+        <p:blipFill>
+          <a:blip r:embed="rId9" cstate="print">
+            <a:extLst>
+              <a:ext uri="{28A0092B-C50C-407E-A947-70E740481C1C}">
+                <a14:useLocalDpi xmlns:a14="http://schemas.microsoft.com/office/drawing/2010/main" val="0"/>
+              </a:ext>
+            </a:extLst>
+          </a:blip>
+          <a:stretch>
+            <a:fillRect/>
+          </a:stretch>
+        </p:blipFill>
+        <p:spPr>
+          <a:xfrm>
+            <a:off x="7825194" y="2811739"/>
+            <a:ext cx="1269546" cy="188081"/>
+          </a:xfrm>
+          <a:prstGeom prst="rect">
+            <a:avLst/>
+          </a:prstGeom>
+        </p:spPr>
+      </p:pic>
+      <p:pic>
+        <p:nvPicPr>
+          <p:cNvPr id="24" name="圖片 23"/>
+          <p:cNvPicPr>
+            <a:picLocks noChangeAspect="1"/>
+          </p:cNvPicPr>
+          <p:nvPr/>
+        </p:nvPicPr>
+        <p:blipFill>
+          <a:blip r:embed="rId9" cstate="print">
+            <a:extLst>
+              <a:ext uri="{28A0092B-C50C-407E-A947-70E740481C1C}">
+                <a14:useLocalDpi xmlns:a14="http://schemas.microsoft.com/office/drawing/2010/main" val="0"/>
+              </a:ext>
+            </a:extLst>
+          </a:blip>
+          <a:stretch>
+            <a:fillRect/>
+          </a:stretch>
+        </p:blipFill>
+        <p:spPr>
+          <a:xfrm>
+            <a:off x="7828273" y="5952730"/>
+            <a:ext cx="1269546" cy="188081"/>
+          </a:xfrm>
+          <a:prstGeom prst="rect">
+            <a:avLst/>
+          </a:prstGeom>
+        </p:spPr>
+      </p:pic>
     </p:spTree>
     <p:extLst>
       <p:ext uri="{BB962C8B-B14F-4D97-AF65-F5344CB8AC3E}">
@@ -21023,6 +21293,126 @@
           </a:fontRef>
         </p:style>
       </p:cxnSp>
+      <p:pic>
+        <p:nvPicPr>
+          <p:cNvPr id="34" name="圖片 33"/>
+          <p:cNvPicPr>
+            <a:picLocks noChangeAspect="1"/>
+          </p:cNvPicPr>
+          <p:nvPr/>
+        </p:nvPicPr>
+        <p:blipFill>
+          <a:blip r:embed="rId9">
+            <a:extLst>
+              <a:ext uri="{28A0092B-C50C-407E-A947-70E740481C1C}">
+                <a14:useLocalDpi xmlns:a14="http://schemas.microsoft.com/office/drawing/2010/main" val="0"/>
+              </a:ext>
+            </a:extLst>
+          </a:blip>
+          <a:stretch>
+            <a:fillRect/>
+          </a:stretch>
+        </p:blipFill>
+        <p:spPr>
+          <a:xfrm>
+            <a:off x="829105" y="4988637"/>
+            <a:ext cx="1620650" cy="240096"/>
+          </a:xfrm>
+          <a:prstGeom prst="rect">
+            <a:avLst/>
+          </a:prstGeom>
+        </p:spPr>
+      </p:pic>
+      <p:pic>
+        <p:nvPicPr>
+          <p:cNvPr id="35" name="圖片 34"/>
+          <p:cNvPicPr>
+            <a:picLocks noChangeAspect="1"/>
+          </p:cNvPicPr>
+          <p:nvPr/>
+        </p:nvPicPr>
+        <p:blipFill>
+          <a:blip r:embed="rId9" cstate="print">
+            <a:extLst>
+              <a:ext uri="{28A0092B-C50C-407E-A947-70E740481C1C}">
+                <a14:useLocalDpi xmlns:a14="http://schemas.microsoft.com/office/drawing/2010/main" val="0"/>
+              </a:ext>
+            </a:extLst>
+          </a:blip>
+          <a:stretch>
+            <a:fillRect/>
+          </a:stretch>
+        </p:blipFill>
+        <p:spPr>
+          <a:xfrm>
+            <a:off x="2889071" y="4125241"/>
+            <a:ext cx="930469" cy="137847"/>
+          </a:xfrm>
+          <a:prstGeom prst="rect">
+            <a:avLst/>
+          </a:prstGeom>
+        </p:spPr>
+      </p:pic>
+      <p:pic>
+        <p:nvPicPr>
+          <p:cNvPr id="38" name="圖片 37"/>
+          <p:cNvPicPr>
+            <a:picLocks noChangeAspect="1"/>
+          </p:cNvPicPr>
+          <p:nvPr/>
+        </p:nvPicPr>
+        <p:blipFill>
+          <a:blip r:embed="rId9" cstate="print">
+            <a:extLst>
+              <a:ext uri="{28A0092B-C50C-407E-A947-70E740481C1C}">
+                <a14:useLocalDpi xmlns:a14="http://schemas.microsoft.com/office/drawing/2010/main" val="0"/>
+              </a:ext>
+            </a:extLst>
+          </a:blip>
+          <a:stretch>
+            <a:fillRect/>
+          </a:stretch>
+        </p:blipFill>
+        <p:spPr>
+          <a:xfrm>
+            <a:off x="10301624" y="4698086"/>
+            <a:ext cx="1222279" cy="181079"/>
+          </a:xfrm>
+          <a:prstGeom prst="rect">
+            <a:avLst/>
+          </a:prstGeom>
+        </p:spPr>
+      </p:pic>
+      <p:pic>
+        <p:nvPicPr>
+          <p:cNvPr id="39" name="圖片 38"/>
+          <p:cNvPicPr>
+            <a:picLocks noChangeAspect="1"/>
+          </p:cNvPicPr>
+          <p:nvPr/>
+        </p:nvPicPr>
+        <p:blipFill>
+          <a:blip r:embed="rId9" cstate="print">
+            <a:extLst>
+              <a:ext uri="{28A0092B-C50C-407E-A947-70E740481C1C}">
+                <a14:useLocalDpi xmlns:a14="http://schemas.microsoft.com/office/drawing/2010/main" val="0"/>
+              </a:ext>
+            </a:extLst>
+          </a:blip>
+          <a:stretch>
+            <a:fillRect/>
+          </a:stretch>
+        </p:blipFill>
+        <p:spPr>
+          <a:xfrm>
+            <a:off x="6669181" y="4125241"/>
+            <a:ext cx="930469" cy="137847"/>
+          </a:xfrm>
+          <a:prstGeom prst="rect">
+            <a:avLst/>
+          </a:prstGeom>
+        </p:spPr>
+      </p:pic>
     </p:spTree>
     <p:extLst>
       <p:ext uri="{BB962C8B-B14F-4D97-AF65-F5344CB8AC3E}">
